--- a/Нейросети_2024_практические_less2.pptx
+++ b/Нейросети_2024_практические_less2.pptx
@@ -5,7 +5,7 @@
     <p:sldMasterId id="2147483672" r:id="rId1"/>
   </p:sldMasterIdLst>
   <p:notesMasterIdLst>
-    <p:notesMasterId r:id="rId10"/>
+    <p:notesMasterId r:id="rId12"/>
   </p:notesMasterIdLst>
   <p:sldIdLst>
     <p:sldId id="398" r:id="rId2"/>
@@ -14,8 +14,10 @@
     <p:sldId id="2140" r:id="rId5"/>
     <p:sldId id="2150" r:id="rId6"/>
     <p:sldId id="2153" r:id="rId7"/>
-    <p:sldId id="2154" r:id="rId8"/>
-    <p:sldId id="2151" r:id="rId9"/>
+    <p:sldId id="2151" r:id="rId8"/>
+    <p:sldId id="2154" r:id="rId9"/>
+    <p:sldId id="2156" r:id="rId10"/>
+    <p:sldId id="2155" r:id="rId11"/>
   </p:sldIdLst>
   <p:sldSz cx="12192000" cy="6858000"/>
   <p:notesSz cx="6858000" cy="9144000"/>
@@ -125,8 +127,10 @@
             <p14:sldId id="2140"/>
             <p14:sldId id="2150"/>
             <p14:sldId id="2153"/>
+            <p14:sldId id="2151"/>
             <p14:sldId id="2154"/>
-            <p14:sldId id="2151"/>
+            <p14:sldId id="2156"/>
+            <p14:sldId id="2155"/>
           </p14:sldIdLst>
         </p14:section>
       </p14:sectionLst>
@@ -232,7 +236,7 @@
             <a:fld id="{73F4C8B0-26AB-489C-8BB7-9157C5C24A5A}" type="datetimeFigureOut">
               <a:rPr lang="ru-RU" smtClean="0"/>
               <a:pPr/>
-              <a:t>19.02.2025</a:t>
+              <a:t>20.02.2025</a:t>
             </a:fld>
             <a:endParaRPr lang="ru-RU"/>
           </a:p>
@@ -660,7 +664,7 @@
     </p:spTree>
     <p:extLst>
       <p:ext uri="{BB962C8B-B14F-4D97-AF65-F5344CB8AC3E}">
-        <p14:creationId xmlns:p14="http://schemas.microsoft.com/office/powerpoint/2010/main" val="3742569208"/>
+        <p14:creationId xmlns:p14="http://schemas.microsoft.com/office/powerpoint/2010/main" val="3134968752"/>
       </p:ext>
     </p:extLst>
   </p:cSld>
@@ -745,7 +749,7 @@
     </p:spTree>
     <p:extLst>
       <p:ext uri="{BB962C8B-B14F-4D97-AF65-F5344CB8AC3E}">
-        <p14:creationId xmlns:p14="http://schemas.microsoft.com/office/powerpoint/2010/main" val="3134968752"/>
+        <p14:creationId xmlns:p14="http://schemas.microsoft.com/office/powerpoint/2010/main" val="3742569208"/>
       </p:ext>
     </p:extLst>
   </p:cSld>
@@ -891,7 +895,7 @@
                 </a:solidFill>
               </a:rPr>
               <a:pPr/>
-              <a:t>19.02.2025</a:t>
+              <a:t>20.02.2025</a:t>
             </a:fld>
             <a:endParaRPr lang="ru-RU">
               <a:solidFill>
@@ -1091,7 +1095,7 @@
                 </a:solidFill>
               </a:rPr>
               <a:pPr/>
-              <a:t>19.02.2025</a:t>
+              <a:t>20.02.2025</a:t>
             </a:fld>
             <a:endParaRPr lang="ru-RU">
               <a:solidFill>
@@ -1301,7 +1305,7 @@
                 </a:solidFill>
               </a:rPr>
               <a:pPr/>
-              <a:t>19.02.2025</a:t>
+              <a:t>20.02.2025</a:t>
             </a:fld>
             <a:endParaRPr lang="ru-RU">
               <a:solidFill>
@@ -1501,7 +1505,7 @@
                 </a:solidFill>
               </a:rPr>
               <a:pPr/>
-              <a:t>19.02.2025</a:t>
+              <a:t>20.02.2025</a:t>
             </a:fld>
             <a:endParaRPr lang="ru-RU">
               <a:solidFill>
@@ -1778,7 +1782,7 @@
                 </a:solidFill>
               </a:rPr>
               <a:pPr/>
-              <a:t>19.02.2025</a:t>
+              <a:t>20.02.2025</a:t>
             </a:fld>
             <a:endParaRPr lang="ru-RU">
               <a:solidFill>
@@ -2039,7 +2043,7 @@
                 </a:solidFill>
               </a:rPr>
               <a:pPr/>
-              <a:t>19.02.2025</a:t>
+              <a:t>20.02.2025</a:t>
             </a:fld>
             <a:endParaRPr lang="ru-RU">
               <a:solidFill>
@@ -2435,7 +2439,7 @@
                 </a:solidFill>
               </a:rPr>
               <a:pPr/>
-              <a:t>19.02.2025</a:t>
+              <a:t>20.02.2025</a:t>
             </a:fld>
             <a:endParaRPr lang="ru-RU">
               <a:solidFill>
@@ -2584,7 +2588,7 @@
                 </a:solidFill>
               </a:rPr>
               <a:pPr/>
-              <a:t>19.02.2025</a:t>
+              <a:t>20.02.2025</a:t>
             </a:fld>
             <a:endParaRPr lang="ru-RU">
               <a:solidFill>
@@ -2711,7 +2715,7 @@
                 </a:solidFill>
               </a:rPr>
               <a:pPr/>
-              <a:t>19.02.2025</a:t>
+              <a:t>20.02.2025</a:t>
             </a:fld>
             <a:endParaRPr lang="ru-RU">
               <a:solidFill>
@@ -3018,7 +3022,7 @@
                 </a:solidFill>
               </a:rPr>
               <a:pPr/>
-              <a:t>19.02.2025</a:t>
+              <a:t>20.02.2025</a:t>
             </a:fld>
             <a:endParaRPr lang="ru-RU">
               <a:solidFill>
@@ -3302,7 +3306,7 @@
                 </a:solidFill>
               </a:rPr>
               <a:pPr/>
-              <a:t>19.02.2025</a:t>
+              <a:t>20.02.2025</a:t>
             </a:fld>
             <a:endParaRPr lang="ru-RU">
               <a:solidFill>
@@ -3545,7 +3549,7 @@
                 </a:solidFill>
               </a:rPr>
               <a:pPr/>
-              <a:t>19.02.2025</a:t>
+              <a:t>20.02.2025</a:t>
             </a:fld>
             <a:endParaRPr lang="ru-RU">
               <a:solidFill>
@@ -4113,6 +4117,173 @@
 </p:sld>
 </file>
 
+<file path=ppt/slides/slide10.xml><?xml version="1.0" encoding="utf-8"?>
+<p:sld xmlns:a="http://schemas.openxmlformats.org/drawingml/2006/main" xmlns:r="http://schemas.openxmlformats.org/officeDocument/2006/relationships" xmlns:p="http://schemas.openxmlformats.org/presentationml/2006/main">
+  <p:cSld>
+    <p:spTree>
+      <p:nvGrpSpPr>
+        <p:cNvPr id="1" name=""/>
+        <p:cNvGrpSpPr/>
+        <p:nvPr/>
+      </p:nvGrpSpPr>
+      <p:grpSpPr>
+        <a:xfrm>
+          <a:off x="0" y="0"/>
+          <a:ext cx="0" cy="0"/>
+          <a:chOff x="0" y="0"/>
+          <a:chExt cx="0" cy="0"/>
+        </a:xfrm>
+      </p:grpSpPr>
+      <p:sp>
+        <p:nvSpPr>
+          <p:cNvPr id="2" name="Заголовок 1"/>
+          <p:cNvSpPr>
+            <a:spLocks noGrp="1"/>
+          </p:cNvSpPr>
+          <p:nvPr>
+            <p:ph type="title"/>
+          </p:nvPr>
+        </p:nvSpPr>
+        <p:spPr/>
+        <p:txBody>
+          <a:bodyPr/>
+          <a:lstStyle/>
+          <a:p>
+            <a:r>
+              <a:rPr lang="ru-RU" dirty="0" smtClean="0"/>
+              <a:t>Задание 7б</a:t>
+            </a:r>
+            <a:endParaRPr lang="ru-RU" dirty="0"/>
+          </a:p>
+        </p:txBody>
+      </p:sp>
+      <p:sp>
+        <p:nvSpPr>
+          <p:cNvPr id="3" name="Объект 2"/>
+          <p:cNvSpPr>
+            <a:spLocks noGrp="1"/>
+          </p:cNvSpPr>
+          <p:nvPr>
+            <p:ph idx="1"/>
+          </p:nvPr>
+        </p:nvSpPr>
+        <p:spPr>
+          <a:xfrm>
+            <a:off x="838200" y="1450848"/>
+            <a:ext cx="10515600" cy="4726115"/>
+          </a:xfrm>
+        </p:spPr>
+        <p:txBody>
+          <a:bodyPr>
+            <a:normAutofit fontScale="92500" lnSpcReduction="20000"/>
+          </a:bodyPr>
+          <a:lstStyle/>
+          <a:p>
+            <a:pPr marL="0" indent="0">
+              <a:buNone/>
+            </a:pPr>
+            <a:r>
+              <a:rPr lang="ru-RU" b="1" dirty="0" smtClean="0"/>
+              <a:t>Классификатор на основе похожести</a:t>
+            </a:r>
+          </a:p>
+          <a:p>
+            <a:pPr marL="0" indent="0">
+              <a:buNone/>
+            </a:pPr>
+            <a:r>
+              <a:rPr lang="ru-RU" dirty="0" smtClean="0"/>
+              <a:t>На основе обученной модели с оценкой схожести предложить свой способ классификации изображений (например, по числу наиболее схожих объектов в своем классе; по методу ближайших соседей; по методу схожести с «прототипом»), разработать свою функцию классификации;</a:t>
+            </a:r>
+          </a:p>
+          <a:p>
+            <a:r>
+              <a:rPr lang="ru-RU" dirty="0" smtClean="0"/>
+              <a:t>Провести оценку точности классификации на тестовом наборе (для этого потребуется </a:t>
+            </a:r>
+            <a:r>
+              <a:rPr lang="ru-RU" dirty="0" err="1" smtClean="0"/>
+              <a:t>запрограммирова</a:t>
+            </a:r>
+            <a:r>
+              <a:rPr lang="ru-RU" dirty="0" smtClean="0"/>
+              <a:t> свой способ вычисления точности по итогам </a:t>
+            </a:r>
+            <a:r>
+              <a:rPr lang="ru-RU" dirty="0" err="1" smtClean="0"/>
+              <a:t>классифкации</a:t>
+            </a:r>
+            <a:r>
+              <a:rPr lang="ru-RU" dirty="0" smtClean="0"/>
+              <a:t>)</a:t>
+            </a:r>
+          </a:p>
+          <a:p>
+            <a:r>
+              <a:rPr lang="ru-RU" dirty="0" smtClean="0"/>
+              <a:t>Тестовый набор должен включать в себя представителей разных классов, из него будет делаться выборка примеров и распознавание их класса с помощью созданного классификатора.</a:t>
+            </a:r>
+          </a:p>
+          <a:p>
+            <a:r>
+              <a:rPr lang="ru-RU" dirty="0" smtClean="0"/>
+              <a:t>Попробовать добавить в тестовый набор еще один класс. Проверить, как справится модель с распознаванием класса объектов нового класса</a:t>
+            </a:r>
+          </a:p>
+          <a:p>
+            <a:endParaRPr lang="ru-RU" dirty="0"/>
+          </a:p>
+        </p:txBody>
+      </p:sp>
+      <p:sp>
+        <p:nvSpPr>
+          <p:cNvPr id="4" name="Номер слайда 3"/>
+          <p:cNvSpPr>
+            <a:spLocks noGrp="1"/>
+          </p:cNvSpPr>
+          <p:nvPr>
+            <p:ph type="sldNum" sz="quarter" idx="12"/>
+          </p:nvPr>
+        </p:nvSpPr>
+        <p:spPr/>
+        <p:txBody>
+          <a:bodyPr/>
+          <a:lstStyle/>
+          <a:p>
+            <a:fld id="{F56DB433-7CEE-4734-AE7A-2B8F83E51B17}" type="slidenum">
+              <a:rPr lang="ru-RU" smtClean="0">
+                <a:solidFill>
+                  <a:prstClr val="black">
+                    <a:tint val="75000"/>
+                  </a:prstClr>
+                </a:solidFill>
+              </a:rPr>
+              <a:pPr/>
+              <a:t>10</a:t>
+            </a:fld>
+            <a:endParaRPr lang="ru-RU">
+              <a:solidFill>
+                <a:prstClr val="black">
+                  <a:tint val="75000"/>
+                </a:prstClr>
+              </a:solidFill>
+            </a:endParaRPr>
+          </a:p>
+        </p:txBody>
+      </p:sp>
+    </p:spTree>
+    <p:extLst>
+      <p:ext uri="{BB962C8B-B14F-4D97-AF65-F5344CB8AC3E}">
+        <p14:creationId xmlns:p14="http://schemas.microsoft.com/office/powerpoint/2010/main" val="2632850580"/>
+      </p:ext>
+    </p:extLst>
+  </p:cSld>
+  <p:clrMapOvr>
+    <a:masterClrMapping/>
+  </p:clrMapOvr>
+</p:sld>
+</file>
+
 <file path=ppt/slides/slide2.xml><?xml version="1.0" encoding="utf-8"?>
 <p:sld xmlns:a="http://schemas.openxmlformats.org/drawingml/2006/main" xmlns:r="http://schemas.openxmlformats.org/officeDocument/2006/relationships" xmlns:p="http://schemas.openxmlformats.org/presentationml/2006/main">
   <p:cSld>
@@ -4267,15 +4438,7 @@
             </a:pPr>
             <a:r>
               <a:rPr lang="ru-RU" dirty="0" smtClean="0"/>
-              <a:t>Предусмотреть вывод изображений из дата сета на экран (примеры </a:t>
-            </a:r>
-            <a:r>
-              <a:rPr lang="ru-RU" dirty="0" smtClean="0"/>
-              <a:t>изображений, которые есть </a:t>
-            </a:r>
-            <a:r>
-              <a:rPr lang="ru-RU" dirty="0" smtClean="0"/>
-              <a:t>в дата сете). </a:t>
+              <a:t>Предусмотреть вывод изображений из дата сета на экран (примеры изображений, которые есть в дата сете). </a:t>
             </a:r>
             <a:endParaRPr lang="ru-RU" dirty="0"/>
           </a:p>
@@ -4513,15 +4676,7 @@
           <a:p>
             <a:r>
               <a:rPr lang="ru-RU" dirty="0" smtClean="0"/>
-              <a:t>Построить таблицу , где будут представлены </a:t>
-            </a:r>
-            <a:r>
-              <a:rPr lang="ru-RU" dirty="0" smtClean="0"/>
-              <a:t>2</a:t>
-            </a:r>
-            <a:r>
-              <a:rPr lang="ru-RU" dirty="0" smtClean="0"/>
-              <a:t>-3 выбранных вариантов (краткое описание)/ Достигнутые метрики качества</a:t>
+              <a:t>Построить таблицу , где будут представлены 2-3 выбранных вариантов (краткое описание)/ Достигнутые метрики качества</a:t>
             </a:r>
             <a:endParaRPr lang="ru-RU" dirty="0"/>
           </a:p>
@@ -4893,11 +5048,7 @@
             </a:pPr>
             <a:r>
               <a:rPr lang="ru-RU" sz="2400" dirty="0" smtClean="0"/>
-              <a:t>с</a:t>
-            </a:r>
-            <a:r>
-              <a:rPr lang="ru-RU" sz="2400" dirty="0" smtClean="0"/>
-              <a:t>охранение/загрузка модели и весов целиком</a:t>
+              <a:t>сохранение/загрузка модели и весов целиком</a:t>
             </a:r>
           </a:p>
           <a:p>
@@ -5310,130 +5461,252 @@
       </p:grpSpPr>
       <p:sp>
         <p:nvSpPr>
-          <p:cNvPr id="2" name="Заголовок 1"/>
+          <p:cNvPr id="2" name="Заголовок 1">
+            <a:extLst>
+              <a:ext uri="{FF2B5EF4-FFF2-40B4-BE49-F238E27FC236}">
+                <a16:creationId xmlns:a16="http://schemas.microsoft.com/office/drawing/2014/main" id="{A7F967A9-18E7-42D6-8744-D07ECC2484E2}"/>
+              </a:ext>
+            </a:extLst>
+          </p:cNvPr>
           <p:cNvSpPr>
             <a:spLocks noGrp="1"/>
           </p:cNvSpPr>
           <p:nvPr>
             <p:ph type="title"/>
-          </p:nvPr>
-        </p:nvSpPr>
-        <p:spPr/>
-        <p:txBody>
-          <a:bodyPr/>
-          <a:lstStyle/>
-          <a:p>
-            <a:r>
-              <a:rPr lang="ru-RU" dirty="0" smtClean="0"/>
-              <a:t>Задание 6</a:t>
-            </a:r>
-            <a:endParaRPr lang="ru-RU" dirty="0"/>
-          </a:p>
-        </p:txBody>
-      </p:sp>
-      <p:sp>
-        <p:nvSpPr>
-          <p:cNvPr id="3" name="Объект 2"/>
-          <p:cNvSpPr>
-            <a:spLocks noGrp="1"/>
-          </p:cNvSpPr>
-          <p:nvPr>
-            <p:ph idx="1"/>
           </p:nvPr>
         </p:nvSpPr>
         <p:spPr>
           <a:xfrm>
-            <a:off x="838200" y="1450848"/>
-            <a:ext cx="10515600" cy="4726115"/>
+            <a:off x="133865" y="136525"/>
+            <a:ext cx="10515600" cy="1325563"/>
           </a:xfrm>
         </p:spPr>
         <p:txBody>
           <a:bodyPr>
-            <a:normAutofit fontScale="92500" lnSpcReduction="20000"/>
+            <a:normAutofit/>
           </a:bodyPr>
           <a:lstStyle/>
           <a:p>
+            <a:r>
+              <a:rPr lang="ru-RU" sz="3600" dirty="0" smtClean="0"/>
+              <a:t>Задание </a:t>
+            </a:r>
+            <a:r>
+              <a:rPr lang="en-US" sz="3600" dirty="0" smtClean="0"/>
+              <a:t>6</a:t>
+            </a:r>
+            <a:r>
+              <a:rPr lang="ru-RU" sz="3600" dirty="0" smtClean="0"/>
+              <a:t/>
+            </a:r>
+            <a:br>
+              <a:rPr lang="ru-RU" sz="3600" dirty="0" smtClean="0"/>
+            </a:br>
+            <a:endParaRPr lang="ru-RU" sz="3600" dirty="0"/>
+          </a:p>
+        </p:txBody>
+      </p:sp>
+      <p:sp>
+        <p:nvSpPr>
+          <p:cNvPr id="3" name="Объект 2">
+            <a:extLst>
+              <a:ext uri="{FF2B5EF4-FFF2-40B4-BE49-F238E27FC236}">
+                <a16:creationId xmlns:a16="http://schemas.microsoft.com/office/drawing/2014/main" id="{7DF33828-1BE3-48ED-B03F-196E3EFA3ADD}"/>
+              </a:ext>
+            </a:extLst>
+          </p:cNvPr>
+          <p:cNvSpPr>
+            <a:spLocks noGrp="1"/>
+          </p:cNvSpPr>
+          <p:nvPr>
+            <p:ph idx="1"/>
+          </p:nvPr>
+        </p:nvSpPr>
+        <p:spPr>
+          <a:xfrm>
+            <a:off x="838200" y="1048512"/>
+            <a:ext cx="10515600" cy="5474208"/>
+          </a:xfrm>
+        </p:spPr>
+        <p:txBody>
+          <a:bodyPr>
+            <a:normAutofit fontScale="92500" lnSpcReduction="10000"/>
+          </a:bodyPr>
+          <a:lstStyle/>
+          <a:p>
             <a:pPr marL="0" indent="0">
               <a:buNone/>
             </a:pPr>
             <a:r>
+              <a:rPr lang="ru-RU" b="1" dirty="0"/>
+              <a:t>Перенос обучения</a:t>
+            </a:r>
+            <a:r>
+              <a:rPr lang="ru-RU" dirty="0"/>
+              <a:t>. </a:t>
+            </a:r>
+            <a:r>
+              <a:rPr lang="ru-RU" b="1" dirty="0" err="1" smtClean="0"/>
+              <a:t>Предобученные</a:t>
+            </a:r>
+            <a:r>
               <a:rPr lang="ru-RU" b="1" dirty="0" smtClean="0"/>
-              <a:t>Оценка похожести и извлечение похожих изображений</a:t>
-            </a:r>
-          </a:p>
-          <a:p>
-            <a:pPr marL="0" indent="0">
-              <a:buNone/>
-            </a:pPr>
-            <a:r>
-              <a:rPr lang="ru-RU" dirty="0" smtClean="0"/>
-              <a:t>На основе предыдущей </a:t>
+              <a:t> модели</a:t>
+            </a:r>
+          </a:p>
+          <a:p>
+            <a:r>
+              <a:rPr lang="ru-RU" dirty="0" smtClean="0"/>
+              <a:t>Вместо </a:t>
+            </a:r>
+            <a:r>
+              <a:rPr lang="ru-RU" dirty="0"/>
+              <a:t>своей сети классификатора будем использовать </a:t>
+            </a:r>
+            <a:r>
+              <a:rPr lang="ru-RU" dirty="0" err="1"/>
+              <a:t>предоубченную</a:t>
+            </a:r>
+            <a:r>
+              <a:rPr lang="ru-RU" dirty="0"/>
+              <a:t> модель</a:t>
+            </a:r>
+          </a:p>
+          <a:p>
+            <a:r>
+              <a:rPr lang="ru-RU" dirty="0"/>
+              <a:t>То есть используем </a:t>
+            </a:r>
+            <a:r>
+              <a:rPr lang="ru-RU" dirty="0" err="1"/>
+              <a:t>предобученную</a:t>
+            </a:r>
+            <a:r>
+              <a:rPr lang="ru-RU" dirty="0"/>
+              <a:t> модель вместо своего </a:t>
+            </a:r>
+            <a:r>
+              <a:rPr lang="ru-RU" dirty="0" err="1"/>
+              <a:t>кодировщка</a:t>
+            </a:r>
+            <a:r>
+              <a:rPr lang="ru-RU" dirty="0"/>
+              <a:t> признаков (своих </a:t>
+            </a:r>
+            <a:r>
+              <a:rPr lang="en-US" dirty="0"/>
+              <a:t>Conv</a:t>
+            </a:r>
+            <a:r>
+              <a:rPr lang="ru-RU" dirty="0"/>
+              <a:t> слоев)</a:t>
+            </a:r>
+          </a:p>
+          <a:p>
+            <a:r>
+              <a:rPr lang="ru-RU" dirty="0"/>
+              <a:t>Импортируем </a:t>
+            </a:r>
+            <a:r>
+              <a:rPr lang="ru-RU" dirty="0" err="1"/>
+              <a:t>предоубченную</a:t>
+            </a:r>
+            <a:r>
+              <a:rPr lang="ru-RU" dirty="0"/>
+              <a:t> модель, добавляем ее как слой к своим </a:t>
+            </a:r>
+            <a:r>
+              <a:rPr lang="en-US" dirty="0"/>
+              <a:t>dense</a:t>
+            </a:r>
+            <a:r>
+              <a:rPr lang="ru-RU" dirty="0"/>
+              <a:t>-слоям (вместо своего кодировщика признаков)</a:t>
+            </a:r>
+          </a:p>
+          <a:p>
+            <a:r>
+              <a:rPr lang="ru-RU" dirty="0"/>
+              <a:t>Получаем свой  классификатор, </a:t>
+            </a:r>
+            <a:r>
+              <a:rPr lang="ru-RU" dirty="0" smtClean="0"/>
+              <a:t>обучаем </a:t>
+            </a:r>
+            <a:r>
+              <a:rPr lang="ru-RU" dirty="0"/>
+              <a:t>его на своем дата </a:t>
+            </a:r>
+            <a:r>
+              <a:rPr lang="ru-RU" dirty="0" smtClean="0"/>
+              <a:t>сете, замораживая </a:t>
             </a:r>
             <a:r>
               <a:rPr lang="ru-RU" dirty="0" err="1" smtClean="0"/>
-              <a:t>сверточной</a:t>
-            </a:r>
-            <a:r>
-              <a:rPr lang="ru-RU" dirty="0" smtClean="0"/>
-              <a:t> модели предложить модель, с помощью которых можно будет решать задачу извлечения похожих изображений (то есть сравнивать изображения по степени похожести).</a:t>
-            </a:r>
-          </a:p>
-          <a:p>
-            <a:pPr marL="0" indent="0">
-              <a:buNone/>
-            </a:pPr>
-            <a:r>
-              <a:rPr lang="ru-RU" dirty="0" smtClean="0"/>
-              <a:t>Постановка задачи: </a:t>
-            </a:r>
-          </a:p>
-          <a:p>
-            <a:pPr marL="0" indent="0">
-              <a:buNone/>
-            </a:pPr>
-            <a:r>
-              <a:rPr lang="ru-RU" dirty="0" smtClean="0"/>
-              <a:t>Есть набор изображений (тестовый дата сет, рекомендуется небольшого размера, чтобы можно было визуально анализировать)</a:t>
-            </a:r>
-          </a:p>
-          <a:p>
-            <a:pPr marL="0" indent="0">
-              <a:buNone/>
-            </a:pPr>
-            <a:r>
-              <a:rPr lang="ru-RU" dirty="0" smtClean="0"/>
-              <a:t>Файл с новым изображением, который загружается через форму с экрана</a:t>
-            </a:r>
-          </a:p>
-          <a:p>
-            <a:pPr marL="0" indent="0">
-              <a:buNone/>
-            </a:pPr>
-            <a:r>
-              <a:rPr lang="ru-RU" dirty="0" smtClean="0"/>
-              <a:t>Что необходимо реализовать: модель среди всех изображений дата сета должна выбирать то, которое наиболее похожее на данное. </a:t>
-            </a:r>
-          </a:p>
-          <a:p>
-            <a:pPr marL="0" indent="0">
-              <a:buNone/>
-            </a:pPr>
-            <a:r>
-              <a:rPr lang="ru-RU" dirty="0" smtClean="0"/>
-              <a:t>Проверку результатов модели можно провести визуально сравнивая ее результаты вывода с собственными.</a:t>
-            </a:r>
-          </a:p>
-          <a:p>
-            <a:pPr marL="0" indent="0">
-              <a:buNone/>
-            </a:pPr>
+              <a:t>сверточные</a:t>
+            </a:r>
+            <a:r>
+              <a:rPr lang="ru-RU" dirty="0" smtClean="0"/>
+              <a:t> слои.</a:t>
+            </a:r>
             <a:endParaRPr lang="ru-RU" dirty="0"/>
           </a:p>
-        </p:txBody>
-      </p:sp>
-      <p:sp>
-        <p:nvSpPr>
-          <p:cNvPr id="4" name="Номер слайда 3"/>
+          <a:p>
+            <a:r>
+              <a:rPr lang="ru-RU" dirty="0"/>
+              <a:t>Выводим метрики качества, сравниваем их с теми метриками, которые были достигнуты в прошлом задании на «своей» </a:t>
+            </a:r>
+            <a:r>
+              <a:rPr lang="ru-RU" dirty="0" smtClean="0"/>
+              <a:t>модели</a:t>
+            </a:r>
+          </a:p>
+          <a:p>
+            <a:r>
+              <a:rPr lang="ru-RU" dirty="0"/>
+              <a:t>Используем </a:t>
+            </a:r>
+            <a:r>
+              <a:rPr lang="ru-RU" dirty="0" err="1"/>
+              <a:t>предобученную</a:t>
+            </a:r>
+            <a:r>
+              <a:rPr lang="ru-RU" dirty="0"/>
+              <a:t> модель </a:t>
+            </a:r>
+            <a:r>
+              <a:rPr lang="en-US" dirty="0" smtClean="0"/>
+              <a:t>Inception, VGG16 </a:t>
+            </a:r>
+            <a:r>
+              <a:rPr lang="ru-RU" dirty="0"/>
+              <a:t>или другие из </a:t>
+            </a:r>
+            <a:r>
+              <a:rPr lang="en-US" dirty="0">
+                <a:hlinkClick r:id="rId3"/>
+              </a:rPr>
+              <a:t>https://keras.io/api/applications/</a:t>
+            </a:r>
+            <a:r>
+              <a:rPr lang="ru-RU" dirty="0"/>
+              <a:t> )</a:t>
+            </a:r>
+          </a:p>
+          <a:p>
+            <a:endParaRPr lang="ru-RU" dirty="0" smtClean="0"/>
+          </a:p>
+        </p:txBody>
+      </p:sp>
+      <p:sp>
+        <p:nvSpPr>
+          <p:cNvPr id="4" name="Номер слайда 3">
+            <a:extLst>
+              <a:ext uri="{FF2B5EF4-FFF2-40B4-BE49-F238E27FC236}">
+                <a16:creationId xmlns:a16="http://schemas.microsoft.com/office/drawing/2014/main" id="{0D031150-23E4-497E-87D4-D0193440C3AF}"/>
+              </a:ext>
+            </a:extLst>
+          </p:cNvPr>
           <p:cNvSpPr>
             <a:spLocks noGrp="1"/>
           </p:cNvSpPr>
@@ -5470,7 +5743,7 @@
     </p:spTree>
     <p:extLst>
       <p:ext uri="{BB962C8B-B14F-4D97-AF65-F5344CB8AC3E}">
-        <p14:creationId xmlns:p14="http://schemas.microsoft.com/office/powerpoint/2010/main" val="1607457854"/>
+        <p14:creationId xmlns:p14="http://schemas.microsoft.com/office/powerpoint/2010/main" val="1221595952"/>
       </p:ext>
     </p:extLst>
   </p:cSld>
@@ -5499,13 +5772,7 @@
       </p:grpSpPr>
       <p:sp>
         <p:nvSpPr>
-          <p:cNvPr id="2" name="Заголовок 1">
-            <a:extLst>
-              <a:ext uri="{FF2B5EF4-FFF2-40B4-BE49-F238E27FC236}">
-                <a16:creationId xmlns:a16="http://schemas.microsoft.com/office/drawing/2014/main" id="{A7F967A9-18E7-42D6-8744-D07ECC2484E2}"/>
-              </a:ext>
-            </a:extLst>
-          </p:cNvPr>
+          <p:cNvPr id="2" name="Заголовок 1"/>
           <p:cNvSpPr>
             <a:spLocks noGrp="1"/>
           </p:cNvSpPr>
@@ -5515,36 +5782,29 @@
         </p:nvSpPr>
         <p:spPr>
           <a:xfrm>
-            <a:off x="133865" y="136525"/>
+            <a:off x="728472" y="125285"/>
             <a:ext cx="10515600" cy="1325563"/>
           </a:xfrm>
         </p:spPr>
         <p:txBody>
-          <a:bodyPr>
-            <a:normAutofit/>
-          </a:bodyPr>
-          <a:lstStyle/>
-          <a:p>
-            <a:r>
-              <a:rPr lang="ru-RU" sz="3600" dirty="0" smtClean="0"/>
-              <a:t>Задание 7</a:t>
-            </a:r>
-            <a:br>
-              <a:rPr lang="ru-RU" sz="3600" dirty="0" smtClean="0"/>
-            </a:br>
-            <a:endParaRPr lang="ru-RU" sz="3600" dirty="0"/>
-          </a:p>
-        </p:txBody>
-      </p:sp>
-      <p:sp>
-        <p:nvSpPr>
-          <p:cNvPr id="3" name="Объект 2">
-            <a:extLst>
-              <a:ext uri="{FF2B5EF4-FFF2-40B4-BE49-F238E27FC236}">
-                <a16:creationId xmlns:a16="http://schemas.microsoft.com/office/drawing/2014/main" id="{7DF33828-1BE3-48ED-B03F-196E3EFA3ADD}"/>
-              </a:ext>
-            </a:extLst>
-          </p:cNvPr>
+          <a:bodyPr/>
+          <a:lstStyle/>
+          <a:p>
+            <a:r>
+              <a:rPr lang="ru-RU" dirty="0" smtClean="0"/>
+              <a:t>Задание </a:t>
+            </a:r>
+            <a:r>
+              <a:rPr lang="en-US" dirty="0" smtClean="0"/>
+              <a:t>7 </a:t>
+            </a:r>
+            <a:endParaRPr lang="ru-RU" dirty="0"/>
+          </a:p>
+        </p:txBody>
+      </p:sp>
+      <p:sp>
+        <p:nvSpPr>
+          <p:cNvPr id="3" name="Объект 2"/>
           <p:cNvSpPr>
             <a:spLocks noGrp="1"/>
           </p:cNvSpPr>
@@ -5554,13 +5814,13 @@
         </p:nvSpPr>
         <p:spPr>
           <a:xfrm>
-            <a:off x="838200" y="1048512"/>
-            <a:ext cx="10515600" cy="5474208"/>
+            <a:off x="838200" y="1194816"/>
+            <a:ext cx="10515600" cy="5526659"/>
           </a:xfrm>
         </p:spPr>
         <p:txBody>
           <a:bodyPr>
-            <a:normAutofit fontScale="92500" lnSpcReduction="10000"/>
+            <a:normAutofit fontScale="70000" lnSpcReduction="20000"/>
           </a:bodyPr>
           <a:lstStyle/>
           <a:p>
@@ -5568,175 +5828,171 @@
               <a:buNone/>
             </a:pPr>
             <a:r>
-              <a:rPr lang="ru-RU" b="1" dirty="0"/>
-              <a:t>Перенос обучения</a:t>
-            </a:r>
+              <a:rPr lang="ru-RU" b="1" dirty="0" smtClean="0"/>
+              <a:t>Оценка похожести и извлечение похожих изображений</a:t>
+            </a:r>
+          </a:p>
+          <a:p>
+            <a:pPr marL="0" indent="0">
+              <a:buNone/>
+            </a:pPr>
+            <a:r>
+              <a:rPr lang="ru-RU" dirty="0" smtClean="0"/>
+              <a:t>На основе предыдущей </a:t>
+            </a:r>
+            <a:r>
+              <a:rPr lang="ru-RU" dirty="0" err="1" smtClean="0"/>
+              <a:t>сверточной</a:t>
+            </a:r>
+            <a:r>
+              <a:rPr lang="ru-RU" dirty="0" smtClean="0"/>
+              <a:t> модели предложить модель, с помощью которых можно будет решать задачу извлечения похожих изображений (то есть сравнивать изображения по степени похожести).</a:t>
+            </a:r>
+          </a:p>
+          <a:p>
+            <a:pPr marL="0" indent="0">
+              <a:buNone/>
+            </a:pPr>
+            <a:r>
+              <a:rPr lang="ru-RU" dirty="0" smtClean="0"/>
+              <a:t>Постановка задачи: </a:t>
+            </a:r>
+          </a:p>
+          <a:p>
+            <a:pPr marL="0" indent="0">
+              <a:buNone/>
+            </a:pPr>
+            <a:r>
+              <a:rPr lang="ru-RU" dirty="0" smtClean="0"/>
+              <a:t>Есть набор изображений (тестовый дата сет, рекомендуется небольшого размера, чтобы можно было визуально анализировать)</a:t>
+            </a:r>
+          </a:p>
+          <a:p>
+            <a:pPr marL="0" indent="0">
+              <a:buNone/>
+            </a:pPr>
+            <a:r>
+              <a:rPr lang="ru-RU" dirty="0" smtClean="0"/>
+              <a:t>Файл с новым изображением, который загружается через форму с экрана</a:t>
+            </a:r>
+          </a:p>
+          <a:p>
+            <a:pPr marL="0" indent="0">
+              <a:buNone/>
+            </a:pPr>
+            <a:r>
+              <a:rPr lang="ru-RU" dirty="0" smtClean="0"/>
+              <a:t>Что необходимо реализовать: модель среди всех изображений дата сета должна выбирать то, которое наиболее похожее на данное. </a:t>
+            </a:r>
+          </a:p>
+          <a:p>
+            <a:pPr marL="0" indent="0">
+              <a:buNone/>
+            </a:pPr>
+            <a:r>
+              <a:rPr lang="ru-RU" dirty="0" smtClean="0"/>
+              <a:t>Проверку результатов модели можно провести визуально сравнивая ее результаты вывода с собственными</a:t>
+            </a:r>
+            <a:r>
+              <a:rPr lang="ru-RU" dirty="0" smtClean="0"/>
+              <a:t>.</a:t>
+            </a:r>
+            <a:endParaRPr lang="en-US" dirty="0" smtClean="0"/>
+          </a:p>
+          <a:p>
+            <a:pPr marL="0" indent="0">
+              <a:buNone/>
+            </a:pPr>
+            <a:r>
+              <a:rPr lang="ru-RU" u="sng" dirty="0" smtClean="0"/>
+              <a:t>Делать в новом ноутбуке</a:t>
+            </a:r>
+          </a:p>
+          <a:p>
+            <a:pPr marL="0" indent="0">
+              <a:buNone/>
+            </a:pPr>
             <a:r>
               <a:rPr lang="ru-RU" dirty="0"/>
-              <a:t>. </a:t>
-            </a:r>
-            <a:r>
-              <a:rPr lang="ru-RU" b="1" dirty="0" err="1" smtClean="0"/>
-              <a:t>Предобученные</a:t>
-            </a:r>
-            <a:r>
-              <a:rPr lang="ru-RU" b="1" dirty="0" smtClean="0"/>
-              <a:t> модели</a:t>
-            </a:r>
-          </a:p>
-          <a:p>
-            <a:r>
-              <a:rPr lang="ru-RU" dirty="0" smtClean="0"/>
-              <a:t>Вместо </a:t>
+              <a:t>При решении задачи – можно </a:t>
+            </a:r>
+            <a:r>
+              <a:rPr lang="ru-RU" dirty="0" smtClean="0"/>
+              <a:t>брать вектора </a:t>
+            </a:r>
+            <a:r>
+              <a:rPr lang="ru-RU" dirty="0" err="1" smtClean="0"/>
+              <a:t>фич</a:t>
+            </a:r>
+            <a:r>
+              <a:rPr lang="ru-RU" dirty="0" smtClean="0"/>
+              <a:t> или с </a:t>
+            </a:r>
+            <a:r>
+              <a:rPr lang="en-US" dirty="0" smtClean="0"/>
+              <a:t>dense</a:t>
+            </a:r>
+            <a:r>
+              <a:rPr lang="ru-RU" dirty="0" smtClean="0"/>
+              <a:t> слоев и сразу сравнивать их, а можно использовать дополнительные обучаемые слои (модель </a:t>
+            </a:r>
+            <a:r>
+              <a:rPr lang="ru-RU" dirty="0" err="1" smtClean="0"/>
+              <a:t>эмбеддинга</a:t>
+            </a:r>
+            <a:r>
+              <a:rPr lang="ru-RU" dirty="0" smtClean="0"/>
+              <a:t>). В этой модели будет своя функция потерь, которая зависит от </a:t>
             </a:r>
             <a:r>
               <a:rPr lang="ru-RU" dirty="0"/>
-              <a:t>своей сети классификатора будем использовать </a:t>
-            </a:r>
-            <a:r>
-              <a:rPr lang="ru-RU" dirty="0" err="1"/>
-              <a:t>предоубченную</a:t>
+              <a:t>схожести между векторами </a:t>
+            </a:r>
+            <a:r>
+              <a:rPr lang="ru-RU" dirty="0" smtClean="0"/>
+              <a:t>изображений. </a:t>
             </a:r>
             <a:r>
               <a:rPr lang="ru-RU" dirty="0"/>
-              <a:t> модель</a:t>
-            </a:r>
-          </a:p>
-          <a:p>
+              <a:t>Если </a:t>
+            </a:r>
+            <a:r>
+              <a:rPr lang="ru-RU" dirty="0" smtClean="0"/>
+              <a:t>обучить </a:t>
+            </a:r>
             <a:r>
               <a:rPr lang="ru-RU" dirty="0"/>
-              <a:t>То есть используем </a:t>
-            </a:r>
-            <a:r>
-              <a:rPr lang="ru-RU" dirty="0" err="1"/>
-              <a:t>предобученную</a:t>
-            </a:r>
-            <a:r>
-              <a:rPr lang="ru-RU" dirty="0"/>
-              <a:t> модель вместо своего </a:t>
-            </a:r>
-            <a:r>
-              <a:rPr lang="ru-RU" dirty="0" err="1"/>
-              <a:t>кодировщка</a:t>
-            </a:r>
-            <a:r>
-              <a:rPr lang="ru-RU" dirty="0"/>
-              <a:t> признаков (своих </a:t>
-            </a:r>
-            <a:r>
-              <a:rPr lang="en-US" dirty="0"/>
-              <a:t>Conv</a:t>
-            </a:r>
-            <a:r>
-              <a:rPr lang="ru-RU" dirty="0"/>
-              <a:t> слоев)</a:t>
-            </a:r>
-          </a:p>
-          <a:p>
-            <a:r>
-              <a:rPr lang="ru-RU" dirty="0"/>
-              <a:t>Импортируем </a:t>
-            </a:r>
-            <a:r>
-              <a:rPr lang="ru-RU" dirty="0" err="1"/>
-              <a:t>предоубченную</a:t>
-            </a:r>
-            <a:r>
-              <a:rPr lang="ru-RU" dirty="0"/>
-              <a:t> модель, добавляем ее как слой к своим </a:t>
-            </a:r>
-            <a:r>
-              <a:rPr lang="en-US" dirty="0"/>
-              <a:t>dense</a:t>
-            </a:r>
-            <a:r>
-              <a:rPr lang="ru-RU" dirty="0"/>
-              <a:t>-слоям (вместо своего кодировщика признаков)</a:t>
-            </a:r>
-          </a:p>
-          <a:p>
-            <a:r>
-              <a:rPr lang="ru-RU" dirty="0"/>
-              <a:t>Получаем свой  классификатор, </a:t>
-            </a:r>
-            <a:r>
-              <a:rPr lang="ru-RU" dirty="0" smtClean="0"/>
-              <a:t>обучаем </a:t>
-            </a:r>
-            <a:r>
-              <a:rPr lang="ru-RU" dirty="0"/>
-              <a:t>его на своем дата </a:t>
-            </a:r>
-            <a:r>
-              <a:rPr lang="ru-RU" dirty="0" smtClean="0"/>
-              <a:t>сете, замораживая </a:t>
+              <a:t>эту модель на примерах схожих/несхожих </a:t>
+            </a:r>
+            <a:r>
+              <a:rPr lang="ru-RU" dirty="0" smtClean="0"/>
+              <a:t>векторов, то она может лучше разделять схожие или несхожие изображения.</a:t>
+            </a:r>
+            <a:endParaRPr lang="ru-RU" dirty="0"/>
+          </a:p>
+          <a:p>
+            <a:pPr marL="0" indent="0">
+              <a:buNone/>
+            </a:pPr>
+            <a:r>
+              <a:rPr lang="ru-RU" dirty="0" smtClean="0"/>
+              <a:t>Попробуйте сравнивать вектора без обученного </a:t>
             </a:r>
             <a:r>
               <a:rPr lang="ru-RU" dirty="0" err="1" smtClean="0"/>
-              <a:t>сверточные</a:t>
-            </a:r>
-            <a:r>
-              <a:rPr lang="ru-RU" dirty="0" smtClean="0"/>
-              <a:t> слои.</a:t>
+              <a:t>эмбеддера</a:t>
+            </a:r>
+            <a:r>
+              <a:rPr lang="ru-RU" dirty="0" smtClean="0"/>
+              <a:t> и с ним. Как это влияет на качество извлечения похожих изображений?</a:t>
             </a:r>
             <a:endParaRPr lang="ru-RU" dirty="0"/>
           </a:p>
-          <a:p>
-            <a:r>
-              <a:rPr lang="ru-RU" dirty="0"/>
-              <a:t>Выводим метрики качества, сравниваем их с теми метриками, которые были достигнуты в прошлом задании на «своей» </a:t>
-            </a:r>
-            <a:r>
-              <a:rPr lang="ru-RU" dirty="0" smtClean="0"/>
-              <a:t>модели</a:t>
-            </a:r>
-          </a:p>
-          <a:p>
-            <a:r>
-              <a:rPr lang="ru-RU" dirty="0"/>
-              <a:t>Используем </a:t>
-            </a:r>
-            <a:r>
-              <a:rPr lang="ru-RU" dirty="0" err="1"/>
-              <a:t>предобученную</a:t>
-            </a:r>
-            <a:r>
-              <a:rPr lang="ru-RU" dirty="0"/>
-              <a:t> модель </a:t>
-            </a:r>
-            <a:r>
-              <a:rPr lang="en-US" dirty="0" smtClean="0"/>
-              <a:t>Inception, VGG16 </a:t>
-            </a:r>
-            <a:r>
-              <a:rPr lang="ru-RU" dirty="0"/>
-              <a:t>или другие из </a:t>
-            </a:r>
-            <a:r>
-              <a:rPr lang="en-US" dirty="0">
-                <a:hlinkClick r:id="rId3"/>
-              </a:rPr>
-              <a:t>https://keras.io/api/applications/</a:t>
-            </a:r>
-            <a:r>
-              <a:rPr lang="ru-RU" dirty="0"/>
-              <a:t> )</a:t>
-            </a:r>
-          </a:p>
-          <a:p>
-            <a:endParaRPr lang="ru-RU" dirty="0" smtClean="0"/>
-          </a:p>
-        </p:txBody>
-      </p:sp>
-      <p:sp>
-        <p:nvSpPr>
-          <p:cNvPr id="4" name="Номер слайда 3">
-            <a:extLst>
-              <a:ext uri="{FF2B5EF4-FFF2-40B4-BE49-F238E27FC236}">
-                <a16:creationId xmlns:a16="http://schemas.microsoft.com/office/drawing/2014/main" id="{0D031150-23E4-497E-87D4-D0193440C3AF}"/>
-              </a:ext>
-            </a:extLst>
-          </p:cNvPr>
+        </p:txBody>
+      </p:sp>
+      <p:sp>
+        <p:nvSpPr>
+          <p:cNvPr id="4" name="Номер слайда 3"/>
           <p:cNvSpPr>
             <a:spLocks noGrp="1"/>
           </p:cNvSpPr>
@@ -5773,7 +6029,194 @@
     </p:spTree>
     <p:extLst>
       <p:ext uri="{BB962C8B-B14F-4D97-AF65-F5344CB8AC3E}">
-        <p14:creationId xmlns:p14="http://schemas.microsoft.com/office/powerpoint/2010/main" val="1221595952"/>
+        <p14:creationId xmlns:p14="http://schemas.microsoft.com/office/powerpoint/2010/main" val="1607457854"/>
+      </p:ext>
+    </p:extLst>
+  </p:cSld>
+  <p:clrMapOvr>
+    <a:masterClrMapping/>
+  </p:clrMapOvr>
+</p:sld>
+</file>
+
+<file path=ppt/slides/slide9.xml><?xml version="1.0" encoding="utf-8"?>
+<p:sld xmlns:a="http://schemas.openxmlformats.org/drawingml/2006/main" xmlns:r="http://schemas.openxmlformats.org/officeDocument/2006/relationships" xmlns:p="http://schemas.openxmlformats.org/presentationml/2006/main">
+  <p:cSld>
+    <p:spTree>
+      <p:nvGrpSpPr>
+        <p:cNvPr id="1" name=""/>
+        <p:cNvGrpSpPr/>
+        <p:nvPr/>
+      </p:nvGrpSpPr>
+      <p:grpSpPr>
+        <a:xfrm>
+          <a:off x="0" y="0"/>
+          <a:ext cx="0" cy="0"/>
+          <a:chOff x="0" y="0"/>
+          <a:chExt cx="0" cy="0"/>
+        </a:xfrm>
+      </p:grpSpPr>
+      <p:sp>
+        <p:nvSpPr>
+          <p:cNvPr id="2" name="Заголовок 1"/>
+          <p:cNvSpPr>
+            <a:spLocks noGrp="1"/>
+          </p:cNvSpPr>
+          <p:nvPr>
+            <p:ph type="title"/>
+          </p:nvPr>
+        </p:nvSpPr>
+        <p:spPr/>
+        <p:txBody>
+          <a:bodyPr/>
+          <a:lstStyle/>
+          <a:p>
+            <a:r>
+              <a:rPr lang="ru-RU" dirty="0"/>
+              <a:t>Задание </a:t>
+            </a:r>
+            <a:r>
+              <a:rPr lang="ru-RU" dirty="0" smtClean="0"/>
+              <a:t>7а</a:t>
+            </a:r>
+            <a:endParaRPr lang="ru-RU" dirty="0"/>
+          </a:p>
+        </p:txBody>
+      </p:sp>
+      <p:sp>
+        <p:nvSpPr>
+          <p:cNvPr id="3" name="Объект 2"/>
+          <p:cNvSpPr>
+            <a:spLocks noGrp="1"/>
+          </p:cNvSpPr>
+          <p:nvPr>
+            <p:ph idx="1"/>
+          </p:nvPr>
+        </p:nvSpPr>
+        <p:spPr>
+          <a:xfrm>
+            <a:off x="838200" y="1463040"/>
+            <a:ext cx="10515600" cy="5096256"/>
+          </a:xfrm>
+        </p:spPr>
+        <p:txBody>
+          <a:bodyPr>
+            <a:normAutofit fontScale="92500" lnSpcReduction="10000"/>
+          </a:bodyPr>
+          <a:lstStyle/>
+          <a:p>
+            <a:pPr marL="0" indent="0">
+              <a:buNone/>
+            </a:pPr>
+            <a:r>
+              <a:rPr lang="ru-RU" b="1" dirty="0" smtClean="0"/>
+              <a:t>Извлечение изображений «похожих на текст»</a:t>
+            </a:r>
+            <a:endParaRPr lang="en-US" b="1" dirty="0" smtClean="0"/>
+          </a:p>
+          <a:p>
+            <a:pPr marL="0" indent="0">
+              <a:buNone/>
+            </a:pPr>
+            <a:r>
+              <a:rPr lang="ru-RU" dirty="0" smtClean="0"/>
+              <a:t>На основе модели с оценкой схожести сделать прототип приложения (в ноутбуке), где будет вводиться текстовый запрос, а модель будет подбирать под него наиболее подходящее изображение из дата сета</a:t>
+            </a:r>
+          </a:p>
+          <a:p>
+            <a:pPr marL="0" indent="0">
+              <a:buNone/>
+            </a:pPr>
+            <a:r>
+              <a:rPr lang="ru-RU" dirty="0" smtClean="0"/>
+              <a:t>Для этого сделать дополнительную модель , которая будет получать на вход текстовый запрос, переводить его в вектор . Этот вектор с помощью модели оценки схожести будет сравниваться с векторами изображений и выбирать те изображения, которые наиболее похожи н запрос.</a:t>
+            </a:r>
+          </a:p>
+          <a:p>
+            <a:pPr marL="0" indent="0">
+              <a:buNone/>
+            </a:pPr>
+            <a:r>
+              <a:rPr lang="ru-RU" dirty="0" smtClean="0"/>
+              <a:t>Принципиальным отличие от извлечения похожих изображений здесь является то, что входным вектором (который сравнивается с векторами изображений из дата сета), будет не вектор загруженного изображения, а вектор (</a:t>
+            </a:r>
+            <a:r>
+              <a:rPr lang="ru-RU" dirty="0" err="1" smtClean="0"/>
+              <a:t>эмбеддинг</a:t>
+            </a:r>
+            <a:r>
+              <a:rPr lang="ru-RU" dirty="0" smtClean="0"/>
+              <a:t>) текстового запроса.</a:t>
+            </a:r>
+          </a:p>
+          <a:p>
+            <a:pPr marL="0" indent="0">
+              <a:buNone/>
+            </a:pPr>
+            <a:r>
+              <a:rPr lang="ru-RU" dirty="0" smtClean="0"/>
+              <a:t>Примечание: для модели, которая будет переводить текстовый запрос в вектор использовать слои в </a:t>
+            </a:r>
+            <a:r>
+              <a:rPr lang="en-US" dirty="0" err="1" smtClean="0"/>
+              <a:t>Keras</a:t>
+            </a:r>
+            <a:r>
+              <a:rPr lang="en-US" dirty="0" smtClean="0"/>
+              <a:t> - </a:t>
+            </a:r>
+            <a:r>
+              <a:rPr lang="en-US" dirty="0" err="1" smtClean="0"/>
+              <a:t>TextVectorization</a:t>
+            </a:r>
+            <a:r>
+              <a:rPr lang="en-US" dirty="0" smtClean="0"/>
+              <a:t>, Embedding</a:t>
+            </a:r>
+            <a:endParaRPr lang="ru-RU" dirty="0"/>
+          </a:p>
+        </p:txBody>
+      </p:sp>
+      <p:sp>
+        <p:nvSpPr>
+          <p:cNvPr id="4" name="Номер слайда 3"/>
+          <p:cNvSpPr>
+            <a:spLocks noGrp="1"/>
+          </p:cNvSpPr>
+          <p:nvPr>
+            <p:ph type="sldNum" sz="quarter" idx="12"/>
+          </p:nvPr>
+        </p:nvSpPr>
+        <p:spPr/>
+        <p:txBody>
+          <a:bodyPr/>
+          <a:lstStyle/>
+          <a:p>
+            <a:fld id="{F56DB433-7CEE-4734-AE7A-2B8F83E51B17}" type="slidenum">
+              <a:rPr lang="ru-RU" smtClean="0">
+                <a:solidFill>
+                  <a:prstClr val="black">
+                    <a:tint val="75000"/>
+                  </a:prstClr>
+                </a:solidFill>
+              </a:rPr>
+              <a:pPr/>
+              <a:t>9</a:t>
+            </a:fld>
+            <a:endParaRPr lang="ru-RU">
+              <a:solidFill>
+                <a:prstClr val="black">
+                  <a:tint val="75000"/>
+                </a:prstClr>
+              </a:solidFill>
+            </a:endParaRPr>
+          </a:p>
+        </p:txBody>
+      </p:sp>
+    </p:spTree>
+    <p:extLst>
+      <p:ext uri="{BB962C8B-B14F-4D97-AF65-F5344CB8AC3E}">
+        <p14:creationId xmlns:p14="http://schemas.microsoft.com/office/powerpoint/2010/main" val="171542785"/>
       </p:ext>
     </p:extLst>
   </p:cSld>

--- a/Нейросети_2024_практические_less2.pptx
+++ b/Нейросети_2024_практические_less2.pptx
@@ -5,7 +5,7 @@
     <p:sldMasterId id="2147483672" r:id="rId1"/>
   </p:sldMasterIdLst>
   <p:notesMasterIdLst>
-    <p:notesMasterId r:id="rId12"/>
+    <p:notesMasterId r:id="rId9"/>
   </p:notesMasterIdLst>
   <p:sldIdLst>
     <p:sldId id="398" r:id="rId2"/>
@@ -14,10 +14,7 @@
     <p:sldId id="2140" r:id="rId5"/>
     <p:sldId id="2150" r:id="rId6"/>
     <p:sldId id="2153" r:id="rId7"/>
-    <p:sldId id="2151" r:id="rId8"/>
-    <p:sldId id="2154" r:id="rId9"/>
-    <p:sldId id="2156" r:id="rId10"/>
-    <p:sldId id="2155" r:id="rId11"/>
+    <p:sldId id="2157" r:id="rId8"/>
   </p:sldIdLst>
   <p:sldSz cx="12192000" cy="6858000"/>
   <p:notesSz cx="6858000" cy="9144000"/>
@@ -118,7 +115,7 @@
   </p:defaultTextStyle>
   <p:extLst>
     <p:ext uri="{521415D9-36F7-43E2-AB2F-B90AF26B5E84}">
-      <p14:sectionLst xmlns:p14="http://schemas.microsoft.com/office/powerpoint/2010/main">
+      <p14:sectionLst xmlns:p14="http://schemas.microsoft.com/office/powerpoint/2010/main" xmlns="">
         <p14:section name="Раздел по умолчанию" id="{2B963D8A-566A-4872-B1BD-E8E3A8D0EC3F}">
           <p14:sldIdLst>
             <p14:sldId id="398"/>
@@ -127,16 +124,13 @@
             <p14:sldId id="2140"/>
             <p14:sldId id="2150"/>
             <p14:sldId id="2153"/>
-            <p14:sldId id="2151"/>
-            <p14:sldId id="2154"/>
-            <p14:sldId id="2156"/>
-            <p14:sldId id="2155"/>
+            <p14:sldId id="2157"/>
           </p14:sldIdLst>
         </p14:section>
       </p14:sectionLst>
     </p:ext>
     <p:ext uri="{EFAFB233-063F-42B5-8137-9DF3F51BA10A}">
-      <p15:sldGuideLst xmlns:p15="http://schemas.microsoft.com/office/powerpoint/2012/main">
+      <p15:sldGuideLst xmlns:p15="http://schemas.microsoft.com/office/powerpoint/2012/main" xmlns="">
         <p15:guide id="1" orient="horz" pos="2160" userDrawn="1">
           <p15:clr>
             <a:srgbClr val="A4A3A4"/>
@@ -236,7 +230,7 @@
             <a:fld id="{73F4C8B0-26AB-489C-8BB7-9157C5C24A5A}" type="datetimeFigureOut">
               <a:rPr lang="ru-RU" smtClean="0"/>
               <a:pPr/>
-              <a:t>20.02.2025</a:t>
+              <a:t>21.03.2025</a:t>
             </a:fld>
             <a:endParaRPr lang="ru-RU"/>
           </a:p>
@@ -404,7 +398,7 @@
     </p:spTree>
     <p:extLst>
       <p:ext uri="{BB962C8B-B14F-4D97-AF65-F5344CB8AC3E}">
-        <p14:creationId xmlns:p14="http://schemas.microsoft.com/office/powerpoint/2010/main" val="777289401"/>
+        <p14:creationId xmlns:p14="http://schemas.microsoft.com/office/powerpoint/2010/main" xmlns="" val="777289401"/>
       </p:ext>
     </p:extLst>
   </p:cSld>
@@ -570,7 +564,7 @@
             <a:fld id="{52EBF300-2A3D-4E30-B33B-44A3BF8682CD}" type="slidenum">
               <a:rPr lang="ru-RU" smtClean="0"/>
               <a:pPr/>
-              <a:t>4</a:t>
+              <a:t>1</a:t>
             </a:fld>
             <a:endParaRPr lang="ru-RU"/>
           </a:p>
@@ -579,7 +573,7 @@
     </p:spTree>
     <p:extLst>
       <p:ext uri="{BB962C8B-B14F-4D97-AF65-F5344CB8AC3E}">
-        <p14:creationId xmlns:p14="http://schemas.microsoft.com/office/powerpoint/2010/main" val="910795164"/>
+        <p14:creationId xmlns:p14="http://schemas.microsoft.com/office/powerpoint/2010/main" xmlns="" val="3847313512"/>
       </p:ext>
     </p:extLst>
   </p:cSld>
@@ -655,7 +649,7 @@
             <a:fld id="{52EBF300-2A3D-4E30-B33B-44A3BF8682CD}" type="slidenum">
               <a:rPr lang="ru-RU" smtClean="0"/>
               <a:pPr/>
-              <a:t>7</a:t>
+              <a:t>4</a:t>
             </a:fld>
             <a:endParaRPr lang="ru-RU"/>
           </a:p>
@@ -664,7 +658,7 @@
     </p:spTree>
     <p:extLst>
       <p:ext uri="{BB962C8B-B14F-4D97-AF65-F5344CB8AC3E}">
-        <p14:creationId xmlns:p14="http://schemas.microsoft.com/office/powerpoint/2010/main" val="3134968752"/>
+        <p14:creationId xmlns:p14="http://schemas.microsoft.com/office/powerpoint/2010/main" xmlns="" val="910795164"/>
       </p:ext>
     </p:extLst>
   </p:cSld>
@@ -715,10 +709,12 @@
         </p:nvSpPr>
         <p:spPr/>
         <p:txBody>
-          <a:bodyPr/>
-          <a:lstStyle/>
-          <a:p>
-            <a:endParaRPr lang="ru-RU" dirty="0"/>
+          <a:bodyPr>
+            <a:normAutofit/>
+          </a:bodyPr>
+          <a:lstStyle/>
+          <a:p>
+            <a:endParaRPr lang="ru-RU"/>
           </a:p>
         </p:txBody>
       </p:sp>
@@ -740,18 +736,95 @@
             <a:fld id="{52EBF300-2A3D-4E30-B33B-44A3BF8682CD}" type="slidenum">
               <a:rPr lang="ru-RU" smtClean="0"/>
               <a:pPr/>
-              <a:t>8</a:t>
+              <a:t>5</a:t>
             </a:fld>
             <a:endParaRPr lang="ru-RU"/>
           </a:p>
         </p:txBody>
       </p:sp>
     </p:spTree>
-    <p:extLst>
-      <p:ext uri="{BB962C8B-B14F-4D97-AF65-F5344CB8AC3E}">
-        <p14:creationId xmlns:p14="http://schemas.microsoft.com/office/powerpoint/2010/main" val="3742569208"/>
-      </p:ext>
-    </p:extLst>
+  </p:cSld>
+  <p:clrMapOvr>
+    <a:masterClrMapping/>
+  </p:clrMapOvr>
+</p:notes>
+</file>
+
+<file path=ppt/notesSlides/notesSlide4.xml><?xml version="1.0" encoding="utf-8"?>
+<p:notes xmlns:a="http://schemas.openxmlformats.org/drawingml/2006/main" xmlns:r="http://schemas.openxmlformats.org/officeDocument/2006/relationships" xmlns:p="http://schemas.openxmlformats.org/presentationml/2006/main">
+  <p:cSld>
+    <p:spTree>
+      <p:nvGrpSpPr>
+        <p:cNvPr id="1" name=""/>
+        <p:cNvGrpSpPr/>
+        <p:nvPr/>
+      </p:nvGrpSpPr>
+      <p:grpSpPr>
+        <a:xfrm>
+          <a:off x="0" y="0"/>
+          <a:ext cx="0" cy="0"/>
+          <a:chOff x="0" y="0"/>
+          <a:chExt cx="0" cy="0"/>
+        </a:xfrm>
+      </p:grpSpPr>
+      <p:sp>
+        <p:nvSpPr>
+          <p:cNvPr id="2" name="Образ слайда 1"/>
+          <p:cNvSpPr>
+            <a:spLocks noGrp="1" noRot="1" noChangeAspect="1"/>
+          </p:cNvSpPr>
+          <p:nvPr>
+            <p:ph type="sldImg"/>
+          </p:nvPr>
+        </p:nvSpPr>
+        <p:spPr/>
+      </p:sp>
+      <p:sp>
+        <p:nvSpPr>
+          <p:cNvPr id="3" name="Заметки 2"/>
+          <p:cNvSpPr>
+            <a:spLocks noGrp="1"/>
+          </p:cNvSpPr>
+          <p:nvPr>
+            <p:ph type="body" idx="1"/>
+          </p:nvPr>
+        </p:nvSpPr>
+        <p:spPr/>
+        <p:txBody>
+          <a:bodyPr>
+            <a:normAutofit/>
+          </a:bodyPr>
+          <a:lstStyle/>
+          <a:p>
+            <a:endParaRPr lang="ru-RU"/>
+          </a:p>
+        </p:txBody>
+      </p:sp>
+      <p:sp>
+        <p:nvSpPr>
+          <p:cNvPr id="4" name="Номер слайда 3"/>
+          <p:cNvSpPr>
+            <a:spLocks noGrp="1"/>
+          </p:cNvSpPr>
+          <p:nvPr>
+            <p:ph type="sldNum" sz="quarter" idx="10"/>
+          </p:nvPr>
+        </p:nvSpPr>
+        <p:spPr/>
+        <p:txBody>
+          <a:bodyPr/>
+          <a:lstStyle/>
+          <a:p>
+            <a:fld id="{52EBF300-2A3D-4E30-B33B-44A3BF8682CD}" type="slidenum">
+              <a:rPr lang="ru-RU" smtClean="0"/>
+              <a:pPr/>
+              <a:t>7</a:t>
+            </a:fld>
+            <a:endParaRPr lang="ru-RU"/>
+          </a:p>
+        </p:txBody>
+      </p:sp>
+    </p:spTree>
   </p:cSld>
   <p:clrMapOvr>
     <a:masterClrMapping/>
@@ -895,7 +968,7 @@
                 </a:solidFill>
               </a:rPr>
               <a:pPr/>
-              <a:t>20.02.2025</a:t>
+              <a:t>21.03.2025</a:t>
             </a:fld>
             <a:endParaRPr lang="ru-RU">
               <a:solidFill>
@@ -971,7 +1044,7 @@
     </p:spTree>
     <p:extLst>
       <p:ext uri="{BB962C8B-B14F-4D97-AF65-F5344CB8AC3E}">
-        <p14:creationId xmlns:p14="http://schemas.microsoft.com/office/powerpoint/2010/main" val="3142926366"/>
+        <p14:creationId xmlns:p14="http://schemas.microsoft.com/office/powerpoint/2010/main" xmlns="" val="3142926366"/>
       </p:ext>
     </p:extLst>
   </p:cSld>
@@ -1095,7 +1168,7 @@
                 </a:solidFill>
               </a:rPr>
               <a:pPr/>
-              <a:t>20.02.2025</a:t>
+              <a:t>21.03.2025</a:t>
             </a:fld>
             <a:endParaRPr lang="ru-RU">
               <a:solidFill>
@@ -1171,7 +1244,7 @@
     </p:spTree>
     <p:extLst>
       <p:ext uri="{BB962C8B-B14F-4D97-AF65-F5344CB8AC3E}">
-        <p14:creationId xmlns:p14="http://schemas.microsoft.com/office/powerpoint/2010/main" val="3976287116"/>
+        <p14:creationId xmlns:p14="http://schemas.microsoft.com/office/powerpoint/2010/main" xmlns="" val="3976287116"/>
       </p:ext>
     </p:extLst>
   </p:cSld>
@@ -1305,7 +1378,7 @@
                 </a:solidFill>
               </a:rPr>
               <a:pPr/>
-              <a:t>20.02.2025</a:t>
+              <a:t>21.03.2025</a:t>
             </a:fld>
             <a:endParaRPr lang="ru-RU">
               <a:solidFill>
@@ -1381,7 +1454,7 @@
     </p:spTree>
     <p:extLst>
       <p:ext uri="{BB962C8B-B14F-4D97-AF65-F5344CB8AC3E}">
-        <p14:creationId xmlns:p14="http://schemas.microsoft.com/office/powerpoint/2010/main" val="395876683"/>
+        <p14:creationId xmlns:p14="http://schemas.microsoft.com/office/powerpoint/2010/main" xmlns="" val="395876683"/>
       </p:ext>
     </p:extLst>
   </p:cSld>
@@ -1505,7 +1578,7 @@
                 </a:solidFill>
               </a:rPr>
               <a:pPr/>
-              <a:t>20.02.2025</a:t>
+              <a:t>21.03.2025</a:t>
             </a:fld>
             <a:endParaRPr lang="ru-RU">
               <a:solidFill>
@@ -1581,7 +1654,7 @@
     </p:spTree>
     <p:extLst>
       <p:ext uri="{BB962C8B-B14F-4D97-AF65-F5344CB8AC3E}">
-        <p14:creationId xmlns:p14="http://schemas.microsoft.com/office/powerpoint/2010/main" val="1802669410"/>
+        <p14:creationId xmlns:p14="http://schemas.microsoft.com/office/powerpoint/2010/main" xmlns="" val="1802669410"/>
       </p:ext>
     </p:extLst>
   </p:cSld>
@@ -1782,7 +1855,7 @@
                 </a:solidFill>
               </a:rPr>
               <a:pPr/>
-              <a:t>20.02.2025</a:t>
+              <a:t>21.03.2025</a:t>
             </a:fld>
             <a:endParaRPr lang="ru-RU">
               <a:solidFill>
@@ -1858,7 +1931,7 @@
     </p:spTree>
     <p:extLst>
       <p:ext uri="{BB962C8B-B14F-4D97-AF65-F5344CB8AC3E}">
-        <p14:creationId xmlns:p14="http://schemas.microsoft.com/office/powerpoint/2010/main" val="861670664"/>
+        <p14:creationId xmlns:p14="http://schemas.microsoft.com/office/powerpoint/2010/main" xmlns="" val="861670664"/>
       </p:ext>
     </p:extLst>
   </p:cSld>
@@ -2043,7 +2116,7 @@
                 </a:solidFill>
               </a:rPr>
               <a:pPr/>
-              <a:t>20.02.2025</a:t>
+              <a:t>21.03.2025</a:t>
             </a:fld>
             <a:endParaRPr lang="ru-RU">
               <a:solidFill>
@@ -2119,7 +2192,7 @@
     </p:spTree>
     <p:extLst>
       <p:ext uri="{BB962C8B-B14F-4D97-AF65-F5344CB8AC3E}">
-        <p14:creationId xmlns:p14="http://schemas.microsoft.com/office/powerpoint/2010/main" val="1850187638"/>
+        <p14:creationId xmlns:p14="http://schemas.microsoft.com/office/powerpoint/2010/main" xmlns="" val="1850187638"/>
       </p:ext>
     </p:extLst>
   </p:cSld>
@@ -2439,7 +2512,7 @@
                 </a:solidFill>
               </a:rPr>
               <a:pPr/>
-              <a:t>20.02.2025</a:t>
+              <a:t>21.03.2025</a:t>
             </a:fld>
             <a:endParaRPr lang="ru-RU">
               <a:solidFill>
@@ -2515,7 +2588,7 @@
     </p:spTree>
     <p:extLst>
       <p:ext uri="{BB962C8B-B14F-4D97-AF65-F5344CB8AC3E}">
-        <p14:creationId xmlns:p14="http://schemas.microsoft.com/office/powerpoint/2010/main" val="3798503830"/>
+        <p14:creationId xmlns:p14="http://schemas.microsoft.com/office/powerpoint/2010/main" xmlns="" val="3798503830"/>
       </p:ext>
     </p:extLst>
   </p:cSld>
@@ -2588,7 +2661,7 @@
                 </a:solidFill>
               </a:rPr>
               <a:pPr/>
-              <a:t>20.02.2025</a:t>
+              <a:t>21.03.2025</a:t>
             </a:fld>
             <a:endParaRPr lang="ru-RU">
               <a:solidFill>
@@ -2664,7 +2737,7 @@
     </p:spTree>
     <p:extLst>
       <p:ext uri="{BB962C8B-B14F-4D97-AF65-F5344CB8AC3E}">
-        <p14:creationId xmlns:p14="http://schemas.microsoft.com/office/powerpoint/2010/main" val="645334494"/>
+        <p14:creationId xmlns:p14="http://schemas.microsoft.com/office/powerpoint/2010/main" xmlns="" val="645334494"/>
       </p:ext>
     </p:extLst>
   </p:cSld>
@@ -2715,7 +2788,7 @@
                 </a:solidFill>
               </a:rPr>
               <a:pPr/>
-              <a:t>20.02.2025</a:t>
+              <a:t>21.03.2025</a:t>
             </a:fld>
             <a:endParaRPr lang="ru-RU">
               <a:solidFill>
@@ -2791,7 +2864,7 @@
     </p:spTree>
     <p:extLst>
       <p:ext uri="{BB962C8B-B14F-4D97-AF65-F5344CB8AC3E}">
-        <p14:creationId xmlns:p14="http://schemas.microsoft.com/office/powerpoint/2010/main" val="1359513978"/>
+        <p14:creationId xmlns:p14="http://schemas.microsoft.com/office/powerpoint/2010/main" xmlns="" val="1359513978"/>
       </p:ext>
     </p:extLst>
   </p:cSld>
@@ -3022,7 +3095,7 @@
                 </a:solidFill>
               </a:rPr>
               <a:pPr/>
-              <a:t>20.02.2025</a:t>
+              <a:t>21.03.2025</a:t>
             </a:fld>
             <a:endParaRPr lang="ru-RU">
               <a:solidFill>
@@ -3098,7 +3171,7 @@
     </p:spTree>
     <p:extLst>
       <p:ext uri="{BB962C8B-B14F-4D97-AF65-F5344CB8AC3E}">
-        <p14:creationId xmlns:p14="http://schemas.microsoft.com/office/powerpoint/2010/main" val="520620279"/>
+        <p14:creationId xmlns:p14="http://schemas.microsoft.com/office/powerpoint/2010/main" xmlns="" val="520620279"/>
       </p:ext>
     </p:extLst>
   </p:cSld>
@@ -3306,7 +3379,7 @@
                 </a:solidFill>
               </a:rPr>
               <a:pPr/>
-              <a:t>20.02.2025</a:t>
+              <a:t>21.03.2025</a:t>
             </a:fld>
             <a:endParaRPr lang="ru-RU">
               <a:solidFill>
@@ -3382,7 +3455,7 @@
     </p:spTree>
     <p:extLst>
       <p:ext uri="{BB962C8B-B14F-4D97-AF65-F5344CB8AC3E}">
-        <p14:creationId xmlns:p14="http://schemas.microsoft.com/office/powerpoint/2010/main" val="272867566"/>
+        <p14:creationId xmlns:p14="http://schemas.microsoft.com/office/powerpoint/2010/main" xmlns="" val="272867566"/>
       </p:ext>
     </p:extLst>
   </p:cSld>
@@ -3549,7 +3622,7 @@
                 </a:solidFill>
               </a:rPr>
               <a:pPr/>
-              <a:t>20.02.2025</a:t>
+              <a:t>21.03.2025</a:t>
             </a:fld>
             <a:endParaRPr lang="ru-RU">
               <a:solidFill>
@@ -3661,7 +3734,7 @@
     </p:spTree>
     <p:extLst>
       <p:ext uri="{BB962C8B-B14F-4D97-AF65-F5344CB8AC3E}">
-        <p14:creationId xmlns:p14="http://schemas.microsoft.com/office/powerpoint/2010/main" val="3540026723"/>
+        <p14:creationId xmlns:p14="http://schemas.microsoft.com/office/powerpoint/2010/main" xmlns="" val="3540026723"/>
       </p:ext>
     </p:extLst>
   </p:cSld>
@@ -3985,7 +4058,7 @@
           <p:cNvPr id="5" name="Заголовок 4">
             <a:extLst>
               <a:ext uri="{FF2B5EF4-FFF2-40B4-BE49-F238E27FC236}">
-                <a16:creationId xmlns:a16="http://schemas.microsoft.com/office/drawing/2014/main" id="{EC517267-8D5D-4F9E-AB3B-F55D415E2766}"/>
+                <a16:creationId xmlns:a16="http://schemas.microsoft.com/office/drawing/2014/main" xmlns="" id="{EC517267-8D5D-4F9E-AB3B-F55D415E2766}"/>
               </a:ext>
             </a:extLst>
           </p:cNvPr>
@@ -3996,7 +4069,12 @@
             <p:ph type="title"/>
           </p:nvPr>
         </p:nvSpPr>
-        <p:spPr/>
+        <p:spPr>
+          <a:xfrm>
+            <a:off x="838200" y="1973550"/>
+            <a:ext cx="10515600" cy="2852737"/>
+          </a:xfrm>
+        </p:spPr>
         <p:txBody>
           <a:bodyPr/>
           <a:lstStyle/>
@@ -4030,7 +4108,7 @@
           <p:cNvPr id="6" name="Текст 5">
             <a:extLst>
               <a:ext uri="{FF2B5EF4-FFF2-40B4-BE49-F238E27FC236}">
-                <a16:creationId xmlns:a16="http://schemas.microsoft.com/office/drawing/2014/main" id="{5D3B62E5-2A2D-4E48-B63A-8BCFAF0E2A3F}"/>
+                <a16:creationId xmlns:a16="http://schemas.microsoft.com/office/drawing/2014/main" xmlns="" id="{5D3B62E5-2A2D-4E48-B63A-8BCFAF0E2A3F}"/>
               </a:ext>
             </a:extLst>
           </p:cNvPr>
@@ -4067,7 +4145,7 @@
           <p:cNvPr id="2" name="Номер слайда 1">
             <a:extLst>
               <a:ext uri="{FF2B5EF4-FFF2-40B4-BE49-F238E27FC236}">
-                <a16:creationId xmlns:a16="http://schemas.microsoft.com/office/drawing/2014/main" id="{031F119C-86BD-4350-8360-627FB1AFEF4D}"/>
+                <a16:creationId xmlns:a16="http://schemas.microsoft.com/office/drawing/2014/main" xmlns="" id="{031F119C-86BD-4350-8360-627FB1AFEF4D}"/>
               </a:ext>
             </a:extLst>
           </p:cNvPr>
@@ -4107,174 +4185,7 @@
     </p:spTree>
     <p:extLst>
       <p:ext uri="{BB962C8B-B14F-4D97-AF65-F5344CB8AC3E}">
-        <p14:creationId xmlns:p14="http://schemas.microsoft.com/office/powerpoint/2010/main" val="3570840455"/>
-      </p:ext>
-    </p:extLst>
-  </p:cSld>
-  <p:clrMapOvr>
-    <a:masterClrMapping/>
-  </p:clrMapOvr>
-</p:sld>
-</file>
-
-<file path=ppt/slides/slide10.xml><?xml version="1.0" encoding="utf-8"?>
-<p:sld xmlns:a="http://schemas.openxmlformats.org/drawingml/2006/main" xmlns:r="http://schemas.openxmlformats.org/officeDocument/2006/relationships" xmlns:p="http://schemas.openxmlformats.org/presentationml/2006/main">
-  <p:cSld>
-    <p:spTree>
-      <p:nvGrpSpPr>
-        <p:cNvPr id="1" name=""/>
-        <p:cNvGrpSpPr/>
-        <p:nvPr/>
-      </p:nvGrpSpPr>
-      <p:grpSpPr>
-        <a:xfrm>
-          <a:off x="0" y="0"/>
-          <a:ext cx="0" cy="0"/>
-          <a:chOff x="0" y="0"/>
-          <a:chExt cx="0" cy="0"/>
-        </a:xfrm>
-      </p:grpSpPr>
-      <p:sp>
-        <p:nvSpPr>
-          <p:cNvPr id="2" name="Заголовок 1"/>
-          <p:cNvSpPr>
-            <a:spLocks noGrp="1"/>
-          </p:cNvSpPr>
-          <p:nvPr>
-            <p:ph type="title"/>
-          </p:nvPr>
-        </p:nvSpPr>
-        <p:spPr/>
-        <p:txBody>
-          <a:bodyPr/>
-          <a:lstStyle/>
-          <a:p>
-            <a:r>
-              <a:rPr lang="ru-RU" dirty="0" smtClean="0"/>
-              <a:t>Задание 7б</a:t>
-            </a:r>
-            <a:endParaRPr lang="ru-RU" dirty="0"/>
-          </a:p>
-        </p:txBody>
-      </p:sp>
-      <p:sp>
-        <p:nvSpPr>
-          <p:cNvPr id="3" name="Объект 2"/>
-          <p:cNvSpPr>
-            <a:spLocks noGrp="1"/>
-          </p:cNvSpPr>
-          <p:nvPr>
-            <p:ph idx="1"/>
-          </p:nvPr>
-        </p:nvSpPr>
-        <p:spPr>
-          <a:xfrm>
-            <a:off x="838200" y="1450848"/>
-            <a:ext cx="10515600" cy="4726115"/>
-          </a:xfrm>
-        </p:spPr>
-        <p:txBody>
-          <a:bodyPr>
-            <a:normAutofit fontScale="92500" lnSpcReduction="20000"/>
-          </a:bodyPr>
-          <a:lstStyle/>
-          <a:p>
-            <a:pPr marL="0" indent="0">
-              <a:buNone/>
-            </a:pPr>
-            <a:r>
-              <a:rPr lang="ru-RU" b="1" dirty="0" smtClean="0"/>
-              <a:t>Классификатор на основе похожести</a:t>
-            </a:r>
-          </a:p>
-          <a:p>
-            <a:pPr marL="0" indent="0">
-              <a:buNone/>
-            </a:pPr>
-            <a:r>
-              <a:rPr lang="ru-RU" dirty="0" smtClean="0"/>
-              <a:t>На основе обученной модели с оценкой схожести предложить свой способ классификации изображений (например, по числу наиболее схожих объектов в своем классе; по методу ближайших соседей; по методу схожести с «прототипом»), разработать свою функцию классификации;</a:t>
-            </a:r>
-          </a:p>
-          <a:p>
-            <a:r>
-              <a:rPr lang="ru-RU" dirty="0" smtClean="0"/>
-              <a:t>Провести оценку точности классификации на тестовом наборе (для этого потребуется </a:t>
-            </a:r>
-            <a:r>
-              <a:rPr lang="ru-RU" dirty="0" err="1" smtClean="0"/>
-              <a:t>запрограммирова</a:t>
-            </a:r>
-            <a:r>
-              <a:rPr lang="ru-RU" dirty="0" smtClean="0"/>
-              <a:t> свой способ вычисления точности по итогам </a:t>
-            </a:r>
-            <a:r>
-              <a:rPr lang="ru-RU" dirty="0" err="1" smtClean="0"/>
-              <a:t>классифкации</a:t>
-            </a:r>
-            <a:r>
-              <a:rPr lang="ru-RU" dirty="0" smtClean="0"/>
-              <a:t>)</a:t>
-            </a:r>
-          </a:p>
-          <a:p>
-            <a:r>
-              <a:rPr lang="ru-RU" dirty="0" smtClean="0"/>
-              <a:t>Тестовый набор должен включать в себя представителей разных классов, из него будет делаться выборка примеров и распознавание их класса с помощью созданного классификатора.</a:t>
-            </a:r>
-          </a:p>
-          <a:p>
-            <a:r>
-              <a:rPr lang="ru-RU" dirty="0" smtClean="0"/>
-              <a:t>Попробовать добавить в тестовый набор еще один класс. Проверить, как справится модель с распознаванием класса объектов нового класса</a:t>
-            </a:r>
-          </a:p>
-          <a:p>
-            <a:endParaRPr lang="ru-RU" dirty="0"/>
-          </a:p>
-        </p:txBody>
-      </p:sp>
-      <p:sp>
-        <p:nvSpPr>
-          <p:cNvPr id="4" name="Номер слайда 3"/>
-          <p:cNvSpPr>
-            <a:spLocks noGrp="1"/>
-          </p:cNvSpPr>
-          <p:nvPr>
-            <p:ph type="sldNum" sz="quarter" idx="12"/>
-          </p:nvPr>
-        </p:nvSpPr>
-        <p:spPr/>
-        <p:txBody>
-          <a:bodyPr/>
-          <a:lstStyle/>
-          <a:p>
-            <a:fld id="{F56DB433-7CEE-4734-AE7A-2B8F83E51B17}" type="slidenum">
-              <a:rPr lang="ru-RU" smtClean="0">
-                <a:solidFill>
-                  <a:prstClr val="black">
-                    <a:tint val="75000"/>
-                  </a:prstClr>
-                </a:solidFill>
-              </a:rPr>
-              <a:pPr/>
-              <a:t>10</a:t>
-            </a:fld>
-            <a:endParaRPr lang="ru-RU">
-              <a:solidFill>
-                <a:prstClr val="black">
-                  <a:tint val="75000"/>
-                </a:prstClr>
-              </a:solidFill>
-            </a:endParaRPr>
-          </a:p>
-        </p:txBody>
-      </p:sp>
-    </p:spTree>
-    <p:extLst>
-      <p:ext uri="{BB962C8B-B14F-4D97-AF65-F5344CB8AC3E}">
-        <p14:creationId xmlns:p14="http://schemas.microsoft.com/office/powerpoint/2010/main" val="2632850580"/>
+        <p14:creationId xmlns:p14="http://schemas.microsoft.com/office/powerpoint/2010/main" xmlns="" val="3570840455"/>
       </p:ext>
     </p:extLst>
   </p:cSld>
@@ -4483,7 +4394,7 @@
     </p:spTree>
     <p:extLst>
       <p:ext uri="{BB962C8B-B14F-4D97-AF65-F5344CB8AC3E}">
-        <p14:creationId xmlns:p14="http://schemas.microsoft.com/office/powerpoint/2010/main" val="151781793"/>
+        <p14:creationId xmlns:p14="http://schemas.microsoft.com/office/powerpoint/2010/main" xmlns="" val="151781793"/>
       </p:ext>
     </p:extLst>
   </p:cSld>
@@ -4520,7 +4431,12 @@
             <p:ph type="title"/>
           </p:nvPr>
         </p:nvSpPr>
-        <p:spPr/>
+        <p:spPr>
+          <a:xfrm>
+            <a:off x="326136" y="291973"/>
+            <a:ext cx="10515600" cy="817499"/>
+          </a:xfrm>
+        </p:spPr>
         <p:txBody>
           <a:bodyPr/>
           <a:lstStyle/>
@@ -4543,28 +4459,28 @@
             <p:ph idx="1"/>
           </p:nvPr>
         </p:nvSpPr>
-        <p:spPr/>
+        <p:spPr>
+          <a:xfrm>
+            <a:off x="704088" y="1033145"/>
+            <a:ext cx="10597896" cy="4351338"/>
+          </a:xfrm>
+        </p:spPr>
         <p:txBody>
           <a:bodyPr>
-            <a:normAutofit fontScale="85000" lnSpcReduction="20000"/>
+            <a:normAutofit fontScale="77500" lnSpcReduction="20000"/>
           </a:bodyPr>
           <a:lstStyle/>
           <a:p>
-            <a:pPr marL="0" indent="0">
+            <a:pPr>
               <a:buNone/>
             </a:pPr>
             <a:r>
-              <a:rPr lang="ru-RU" dirty="0"/>
-              <a:t>Продолжение:</a:t>
-            </a:r>
-          </a:p>
-          <a:p>
-            <a:pPr>
-              <a:buNone/>
-            </a:pPr>
+              <a:rPr lang="ru-RU" b="1" dirty="0" smtClean="0"/>
+              <a:t>Классификатор </a:t>
+            </a:r>
             <a:r>
               <a:rPr lang="ru-RU" b="1" dirty="0"/>
-              <a:t>Классификатор на </a:t>
+              <a:t>на </a:t>
             </a:r>
             <a:r>
               <a:rPr lang="ru-RU" b="1" dirty="0" err="1"/>
@@ -4654,6 +4570,49 @@
           <a:p>
             <a:r>
               <a:rPr lang="ru-RU" dirty="0" smtClean="0"/>
+              <a:t>Обратить внимание на проблему </a:t>
+            </a:r>
+            <a:r>
+              <a:rPr lang="ru-RU" dirty="0" err="1" smtClean="0"/>
+              <a:t>переобученности</a:t>
+            </a:r>
+            <a:r>
+              <a:rPr lang="ru-RU" dirty="0" smtClean="0"/>
+              <a:t> (сравнивая </a:t>
+            </a:r>
+            <a:r>
+              <a:rPr lang="ru-RU" dirty="0" err="1" smtClean="0"/>
+              <a:t>гафики</a:t>
+            </a:r>
+            <a:r>
+              <a:rPr lang="ru-RU" dirty="0" smtClean="0"/>
+              <a:t> метрик на </a:t>
+            </a:r>
+            <a:r>
+              <a:rPr lang="ru-RU" dirty="0" err="1" smtClean="0"/>
+              <a:t>трэйновой</a:t>
+            </a:r>
+            <a:r>
+              <a:rPr lang="ru-RU" dirty="0" smtClean="0"/>
+              <a:t> и тестовой выборках</a:t>
+            </a:r>
+            <a:r>
+              <a:rPr lang="ru-RU" dirty="0" smtClean="0"/>
+              <a:t>). Принять меры для устранения </a:t>
+            </a:r>
+            <a:r>
+              <a:rPr lang="ru-RU" dirty="0" err="1" smtClean="0"/>
+              <a:t>переобученности</a:t>
+            </a:r>
+            <a:r>
+              <a:rPr lang="ru-RU" dirty="0" smtClean="0"/>
+              <a:t>.</a:t>
+            </a:r>
+            <a:endParaRPr lang="ru-RU" dirty="0" smtClean="0"/>
+          </a:p>
+          <a:p>
+            <a:r>
+              <a:rPr lang="ru-RU" dirty="0" smtClean="0"/>
               <a:t>Провести эксперименты со </a:t>
             </a:r>
             <a:r>
@@ -4670,13 +4629,18 @@
             </a:r>
             <a:r>
               <a:rPr lang="ru-RU" dirty="0" smtClean="0"/>
-              <a:t>) для улучшения метрик качества</a:t>
-            </a:r>
-          </a:p>
-          <a:p>
+              <a:t>) для улучшения метрик </a:t>
+            </a:r>
             <a:r>
               <a:rPr lang="ru-RU" dirty="0" smtClean="0"/>
-              <a:t>Построить таблицу , где будут представлены 2-3 выбранных вариантов (краткое описание)/ Достигнутые метрики качества</a:t>
+              <a:t>качества. </a:t>
+            </a:r>
+            <a:endParaRPr lang="ru-RU" dirty="0" smtClean="0"/>
+          </a:p>
+          <a:p>
+            <a:r>
+              <a:rPr lang="ru-RU" dirty="0" smtClean="0"/>
+              <a:t>Построить таблицу , где будут представлены 2-3 выбранных варианта модели (краткое описание)/ Достигнутые метрики качества. Ниже пример  таблицы:</a:t>
             </a:r>
             <a:endParaRPr lang="ru-RU" dirty="0"/>
           </a:p>
@@ -4718,10 +4682,235 @@
           </a:p>
         </p:txBody>
       </p:sp>
+      <p:graphicFrame>
+        <p:nvGraphicFramePr>
+          <p:cNvPr id="5" name="Таблица 4"/>
+          <p:cNvGraphicFramePr>
+            <a:graphicFrameLocks noGrp="1"/>
+          </p:cNvGraphicFramePr>
+          <p:nvPr/>
+        </p:nvGraphicFramePr>
+        <p:xfrm>
+          <a:off x="1946656" y="5523314"/>
+          <a:ext cx="8128000" cy="1112520"/>
+        </p:xfrm>
+        <a:graphic>
+          <a:graphicData uri="http://schemas.openxmlformats.org/drawingml/2006/table">
+            <a:tbl>
+              <a:tblPr firstRow="1" bandRow="1">
+                <a:tableStyleId>{5C22544A-7EE6-4342-B048-85BDC9FD1C3A}</a:tableStyleId>
+              </a:tblPr>
+              <a:tblGrid>
+                <a:gridCol w="2032000">
+                  <a:extLst>
+                    <a:ext uri="{9D8B030D-6E8A-4147-A177-3AD203B41FA5}">
+                      <a16:colId xmlns:a16="http://schemas.microsoft.com/office/drawing/2014/main" xmlns="" val="20000"/>
+                    </a:ext>
+                  </a:extLst>
+                </a:gridCol>
+                <a:gridCol w="2032000">
+                  <a:extLst>
+                    <a:ext uri="{9D8B030D-6E8A-4147-A177-3AD203B41FA5}">
+                      <a16:colId xmlns:a16="http://schemas.microsoft.com/office/drawing/2014/main" xmlns="" val="20001"/>
+                    </a:ext>
+                  </a:extLst>
+                </a:gridCol>
+                <a:gridCol w="2032000">
+                  <a:extLst>
+                    <a:ext uri="{9D8B030D-6E8A-4147-A177-3AD203B41FA5}">
+                      <a16:colId xmlns:a16="http://schemas.microsoft.com/office/drawing/2014/main" xmlns="" val="20002"/>
+                    </a:ext>
+                  </a:extLst>
+                </a:gridCol>
+                <a:gridCol w="2032000">
+                  <a:extLst>
+                    <a:ext uri="{9D8B030D-6E8A-4147-A177-3AD203B41FA5}">
+                      <a16:colId xmlns:a16="http://schemas.microsoft.com/office/drawing/2014/main" xmlns="" val="20003"/>
+                    </a:ext>
+                  </a:extLst>
+                </a:gridCol>
+              </a:tblGrid>
+              <a:tr h="370840">
+                <a:tc>
+                  <a:txBody>
+                    <a:bodyPr/>
+                    <a:lstStyle/>
+                    <a:p>
+                      <a:r>
+                        <a:rPr lang="ru-RU" dirty="0" smtClean="0"/>
+                        <a:t>Модель</a:t>
+                      </a:r>
+                      <a:r>
+                        <a:rPr lang="ru-RU" baseline="0" dirty="0" smtClean="0"/>
+                        <a:t> </a:t>
+                      </a:r>
+                      <a:endParaRPr lang="ru-RU" dirty="0"/>
+                    </a:p>
+                  </a:txBody>
+                  <a:tcPr/>
+                </a:tc>
+                <a:tc>
+                  <a:txBody>
+                    <a:bodyPr/>
+                    <a:lstStyle/>
+                    <a:p>
+                      <a:r>
+                        <a:rPr lang="en-US" dirty="0" smtClean="0"/>
+                        <a:t>Acc</a:t>
+                      </a:r>
+                      <a:endParaRPr lang="ru-RU" dirty="0"/>
+                    </a:p>
+                  </a:txBody>
+                  <a:tcPr/>
+                </a:tc>
+                <a:tc>
+                  <a:txBody>
+                    <a:bodyPr/>
+                    <a:lstStyle/>
+                    <a:p>
+                      <a:r>
+                        <a:rPr lang="en-US" dirty="0" smtClean="0"/>
+                        <a:t>Recall</a:t>
+                      </a:r>
+                      <a:endParaRPr lang="ru-RU" dirty="0"/>
+                    </a:p>
+                  </a:txBody>
+                  <a:tcPr/>
+                </a:tc>
+                <a:tc>
+                  <a:txBody>
+                    <a:bodyPr/>
+                    <a:lstStyle/>
+                    <a:p>
+                      <a:r>
+                        <a:rPr lang="en-US" dirty="0" smtClean="0"/>
+                        <a:t>Precision</a:t>
+                      </a:r>
+                      <a:endParaRPr lang="ru-RU" dirty="0"/>
+                    </a:p>
+                  </a:txBody>
+                  <a:tcPr/>
+                </a:tc>
+                <a:extLst>
+                  <a:ext uri="{0D108BD9-81ED-4DB2-BD59-A6C34878D82A}">
+                    <a16:rowId xmlns:a16="http://schemas.microsoft.com/office/drawing/2014/main" xmlns="" val="10000"/>
+                  </a:ext>
+                </a:extLst>
+              </a:tr>
+              <a:tr h="370840">
+                <a:tc>
+                  <a:txBody>
+                    <a:bodyPr/>
+                    <a:lstStyle/>
+                    <a:p>
+                      <a:r>
+                        <a:rPr lang="ru-RU" dirty="0" smtClean="0"/>
+                        <a:t>Модель</a:t>
+                      </a:r>
+                      <a:r>
+                        <a:rPr lang="ru-RU" baseline="0" dirty="0" smtClean="0"/>
+                        <a:t> 1</a:t>
+                      </a:r>
+                      <a:endParaRPr lang="ru-RU" dirty="0"/>
+                    </a:p>
+                  </a:txBody>
+                  <a:tcPr/>
+                </a:tc>
+                <a:tc>
+                  <a:txBody>
+                    <a:bodyPr/>
+                    <a:lstStyle/>
+                    <a:p>
+                      <a:endParaRPr lang="ru-RU"/>
+                    </a:p>
+                  </a:txBody>
+                  <a:tcPr/>
+                </a:tc>
+                <a:tc>
+                  <a:txBody>
+                    <a:bodyPr/>
+                    <a:lstStyle/>
+                    <a:p>
+                      <a:endParaRPr lang="ru-RU" dirty="0"/>
+                    </a:p>
+                  </a:txBody>
+                  <a:tcPr/>
+                </a:tc>
+                <a:tc>
+                  <a:txBody>
+                    <a:bodyPr/>
+                    <a:lstStyle/>
+                    <a:p>
+                      <a:endParaRPr lang="ru-RU"/>
+                    </a:p>
+                  </a:txBody>
+                  <a:tcPr/>
+                </a:tc>
+                <a:extLst>
+                  <a:ext uri="{0D108BD9-81ED-4DB2-BD59-A6C34878D82A}">
+                    <a16:rowId xmlns:a16="http://schemas.microsoft.com/office/drawing/2014/main" xmlns="" val="10001"/>
+                  </a:ext>
+                </a:extLst>
+              </a:tr>
+              <a:tr h="370840">
+                <a:tc>
+                  <a:txBody>
+                    <a:bodyPr/>
+                    <a:lstStyle/>
+                    <a:p>
+                      <a:r>
+                        <a:rPr lang="ru-RU" dirty="0" smtClean="0"/>
+                        <a:t>Модель 2</a:t>
+                      </a:r>
+                      <a:endParaRPr lang="ru-RU" dirty="0"/>
+                    </a:p>
+                  </a:txBody>
+                  <a:tcPr/>
+                </a:tc>
+                <a:tc>
+                  <a:txBody>
+                    <a:bodyPr/>
+                    <a:lstStyle/>
+                    <a:p>
+                      <a:endParaRPr lang="ru-RU"/>
+                    </a:p>
+                  </a:txBody>
+                  <a:tcPr/>
+                </a:tc>
+                <a:tc>
+                  <a:txBody>
+                    <a:bodyPr/>
+                    <a:lstStyle/>
+                    <a:p>
+                      <a:endParaRPr lang="ru-RU" dirty="0"/>
+                    </a:p>
+                  </a:txBody>
+                  <a:tcPr/>
+                </a:tc>
+                <a:tc>
+                  <a:txBody>
+                    <a:bodyPr/>
+                    <a:lstStyle/>
+                    <a:p>
+                      <a:endParaRPr lang="ru-RU" dirty="0"/>
+                    </a:p>
+                  </a:txBody>
+                  <a:tcPr/>
+                </a:tc>
+                <a:extLst>
+                  <a:ext uri="{0D108BD9-81ED-4DB2-BD59-A6C34878D82A}">
+                    <a16:rowId xmlns:a16="http://schemas.microsoft.com/office/drawing/2014/main" xmlns="" val="10002"/>
+                  </a:ext>
+                </a:extLst>
+              </a:tr>
+            </a:tbl>
+          </a:graphicData>
+        </a:graphic>
+      </p:graphicFrame>
     </p:spTree>
     <p:extLst>
       <p:ext uri="{BB962C8B-B14F-4D97-AF65-F5344CB8AC3E}">
-        <p14:creationId xmlns:p14="http://schemas.microsoft.com/office/powerpoint/2010/main" val="2965258117"/>
+        <p14:creationId xmlns:p14="http://schemas.microsoft.com/office/powerpoint/2010/main" xmlns="" val="2965258117"/>
       </p:ext>
     </p:extLst>
   </p:cSld>
@@ -4781,7 +4970,12 @@
             <p:ph idx="1"/>
           </p:nvPr>
         </p:nvSpPr>
-        <p:spPr/>
+        <p:spPr>
+          <a:xfrm>
+            <a:off x="390144" y="1764664"/>
+            <a:ext cx="11801856" cy="4843399"/>
+          </a:xfrm>
+        </p:spPr>
         <p:txBody>
           <a:bodyPr>
             <a:normAutofit/>
@@ -4821,7 +5015,15 @@
           <a:p>
             <a:r>
               <a:rPr lang="ru-RU" dirty="0"/>
-              <a:t>Вывести эти признаки на экран в виде картинки</a:t>
+              <a:t>Вывести </a:t>
+            </a:r>
+            <a:r>
+              <a:rPr lang="ru-RU" dirty="0" smtClean="0"/>
+              <a:t>карты признаков </a:t>
+            </a:r>
+            <a:r>
+              <a:rPr lang="ru-RU" dirty="0"/>
+              <a:t>на экран в виде картинки</a:t>
             </a:r>
             <a:endParaRPr lang="en-US" dirty="0"/>
           </a:p>
@@ -4835,39 +5037,50 @@
             </a:r>
             <a:r>
               <a:rPr lang="ru-RU" dirty="0"/>
-              <a:t>с последнего слоя – карты признаков</a:t>
-            </a:r>
+              <a:t>с последнего слоя </a:t>
+            </a:r>
+            <a:r>
+              <a:rPr lang="ru-RU" dirty="0" err="1" smtClean="0"/>
+              <a:t>сверточного</a:t>
+            </a:r>
+            <a:r>
+              <a:rPr lang="ru-RU" dirty="0" smtClean="0"/>
+              <a:t> </a:t>
+            </a:r>
+            <a:r>
+              <a:rPr lang="ru-RU" dirty="0" err="1" smtClean="0"/>
+              <a:t>слоя</a:t>
+            </a:r>
+            <a:endParaRPr lang="ru-RU" dirty="0"/>
           </a:p>
           <a:p>
             <a:pPr marL="0" indent="0">
-              <a:buNone/>
+              <a:buFontTx/>
+              <a:buChar char="-"/>
             </a:pPr>
             <a:r>
+              <a:rPr lang="ru-RU" dirty="0" smtClean="0"/>
+              <a:t> с </a:t>
+            </a:r>
+            <a:r>
               <a:rPr lang="ru-RU" dirty="0"/>
-              <a:t>- со слоя </a:t>
-            </a:r>
-            <a:r>
-              <a:rPr lang="en-US" dirty="0"/>
-              <a:t>flatten</a:t>
-            </a:r>
-            <a:r>
-              <a:rPr lang="ru-RU" dirty="0"/>
-              <a:t> вектор после преобразования в </a:t>
+              <a:t>предыдущих </a:t>
             </a:r>
             <a:r>
               <a:rPr lang="ru-RU" dirty="0" smtClean="0"/>
-              <a:t>картинку</a:t>
-            </a:r>
-            <a:endParaRPr lang="ru-RU" dirty="0"/>
+              <a:t>слоев</a:t>
+            </a:r>
+            <a:r>
+              <a:rPr lang="ru-RU" dirty="0" smtClean="0"/>
+              <a:t> (до и после активации)</a:t>
+            </a:r>
           </a:p>
           <a:p>
             <a:pPr marL="0" indent="0">
-              <a:buNone/>
+              <a:buFontTx/>
+              <a:buChar char="-"/>
             </a:pPr>
-            <a:r>
-              <a:rPr lang="ru-RU" dirty="0"/>
-              <a:t>- с предыдущих слоев.</a:t>
-            </a:r>
+            <a:endParaRPr lang="ru-RU" dirty="0" smtClean="0"/>
           </a:p>
           <a:p>
             <a:pPr marL="0" indent="0">
@@ -4875,7 +5088,11 @@
             </a:pPr>
             <a:r>
               <a:rPr lang="ru-RU" dirty="0" smtClean="0"/>
-              <a:t>Как карты </a:t>
+              <a:t>Как </a:t>
+            </a:r>
+            <a:r>
+              <a:rPr lang="ru-RU" dirty="0" smtClean="0"/>
+              <a:t>карты </a:t>
             </a:r>
             <a:r>
               <a:rPr lang="ru-RU" dirty="0"/>
@@ -4887,7 +5104,7 @@
             </a:r>
             <a:r>
               <a:rPr lang="ru-RU" dirty="0" smtClean="0"/>
-              <a:t> слоев отличаются о тех, которые получаются на выходе последних слоев модели</a:t>
+              <a:t> слоев отличаются о тех, которые получаются на выходе последних слоев модели ?</a:t>
             </a:r>
             <a:endParaRPr lang="ru-RU" dirty="0"/>
           </a:p>
@@ -4959,7 +5176,7 @@
           <p:cNvPr id="2" name="Заголовок 1">
             <a:extLst>
               <a:ext uri="{FF2B5EF4-FFF2-40B4-BE49-F238E27FC236}">
-                <a16:creationId xmlns:a16="http://schemas.microsoft.com/office/drawing/2014/main" id="{4413ACF0-9611-4B26-91B8-70299985B857}"/>
+                <a16:creationId xmlns:a16="http://schemas.microsoft.com/office/drawing/2014/main" xmlns="" id="{4413ACF0-9611-4B26-91B8-70299985B857}"/>
               </a:ext>
             </a:extLst>
           </p:cNvPr>
@@ -4993,7 +5210,7 @@
           <p:cNvPr id="3" name="Объект 2">
             <a:extLst>
               <a:ext uri="{FF2B5EF4-FFF2-40B4-BE49-F238E27FC236}">
-                <a16:creationId xmlns:a16="http://schemas.microsoft.com/office/drawing/2014/main" id="{3298A3B8-3C04-43AF-B41C-2ED7A8532A7A}"/>
+                <a16:creationId xmlns:a16="http://schemas.microsoft.com/office/drawing/2014/main" xmlns="" id="{3298A3B8-3C04-43AF-B41C-2ED7A8532A7A}"/>
               </a:ext>
             </a:extLst>
           </p:cNvPr>
@@ -5048,7 +5265,15 @@
             </a:pPr>
             <a:r>
               <a:rPr lang="ru-RU" sz="2400" dirty="0" smtClean="0"/>
-              <a:t>сохранение/загрузка модели и весов целиком</a:t>
+              <a:t>сохранение/загрузка модели и весов целиком (метод </a:t>
+            </a:r>
+            <a:r>
+              <a:rPr lang="en-US" sz="2400" dirty="0" smtClean="0"/>
+              <a:t>save</a:t>
+            </a:r>
+            <a:r>
+              <a:rPr lang="ru-RU" sz="2400" dirty="0" smtClean="0"/>
+              <a:t>)</a:t>
             </a:r>
           </a:p>
           <a:p>
@@ -5064,6 +5289,11 @@
               <a:rPr lang="ru-RU" sz="2400" dirty="0" smtClean="0"/>
               <a:t>охранение/загрузка только одного лучшего варианта весов модели по выбранной метрики качества</a:t>
             </a:r>
+            <a:r>
+              <a:rPr lang="en-US" sz="2400" dirty="0" smtClean="0"/>
+              <a:t> (Callback)</a:t>
+            </a:r>
+            <a:endParaRPr lang="ru-RU" sz="2400" dirty="0" smtClean="0"/>
           </a:p>
           <a:p>
             <a:pPr marL="0" indent="0">
@@ -5089,6 +5319,30 @@
               <a:rPr lang="ru-RU" sz="2400" dirty="0" smtClean="0"/>
               <a:t>Распознавания своего изображений, которое будет подгружать в код с помощью специальной формы</a:t>
             </a:r>
+            <a:r>
+              <a:rPr lang="en-US" sz="2400" dirty="0" smtClean="0"/>
+              <a:t> – </a:t>
+            </a:r>
+            <a:r>
+              <a:rPr lang="ru-RU" sz="2400" dirty="0" smtClean="0"/>
+              <a:t>нужно сделать простой интерфейс (кнопку типа </a:t>
+            </a:r>
+            <a:r>
+              <a:rPr lang="en-US" sz="2400" dirty="0" smtClean="0"/>
+              <a:t>Upload</a:t>
+            </a:r>
+            <a:r>
+              <a:rPr lang="ru-RU" sz="2400" dirty="0" smtClean="0"/>
+              <a:t>), нажимая на которую можно будет загружать свое изображение, которое </a:t>
+            </a:r>
+            <a:r>
+              <a:rPr lang="ru-RU" sz="2400" dirty="0" err="1" smtClean="0"/>
+              <a:t>даалее</a:t>
+            </a:r>
+            <a:r>
+              <a:rPr lang="ru-RU" sz="2400" dirty="0" smtClean="0"/>
+              <a:t>  будет подаваться на модель для распознавания</a:t>
+            </a:r>
             <a:endParaRPr lang="ru-RU" sz="2400" dirty="0"/>
           </a:p>
         </p:txBody>
@@ -5098,7 +5352,7 @@
           <p:cNvPr id="4" name="Номер слайда 3">
             <a:extLst>
               <a:ext uri="{FF2B5EF4-FFF2-40B4-BE49-F238E27FC236}">
-                <a16:creationId xmlns:a16="http://schemas.microsoft.com/office/drawing/2014/main" id="{AA8370C2-CE9A-4A34-A827-1D989AE08680}"/>
+                <a16:creationId xmlns:a16="http://schemas.microsoft.com/office/drawing/2014/main" xmlns="" id="{AA8370C2-CE9A-4A34-A827-1D989AE08680}"/>
               </a:ext>
             </a:extLst>
           </p:cNvPr>
@@ -5138,7 +5392,7 @@
     </p:spTree>
     <p:extLst>
       <p:ext uri="{BB962C8B-B14F-4D97-AF65-F5344CB8AC3E}">
-        <p14:creationId xmlns:p14="http://schemas.microsoft.com/office/powerpoint/2010/main" val="265849522"/>
+        <p14:creationId xmlns:p14="http://schemas.microsoft.com/office/powerpoint/2010/main" xmlns="" val="265849522"/>
       </p:ext>
     </p:extLst>
   </p:cSld>
@@ -5170,7 +5424,7 @@
           <p:cNvPr id="2" name="Заголовок 1">
             <a:extLst>
               <a:ext uri="{FF2B5EF4-FFF2-40B4-BE49-F238E27FC236}">
-                <a16:creationId xmlns:a16="http://schemas.microsoft.com/office/drawing/2014/main" id="{4413ACF0-9611-4B26-91B8-70299985B857}"/>
+                <a16:creationId xmlns:a16="http://schemas.microsoft.com/office/drawing/2014/main" xmlns="" id="{4413ACF0-9611-4B26-91B8-70299985B857}"/>
               </a:ext>
             </a:extLst>
           </p:cNvPr>
@@ -5204,7 +5458,7 @@
           <p:cNvPr id="3" name="Объект 2">
             <a:extLst>
               <a:ext uri="{FF2B5EF4-FFF2-40B4-BE49-F238E27FC236}">
-                <a16:creationId xmlns:a16="http://schemas.microsoft.com/office/drawing/2014/main" id="{3298A3B8-3C04-43AF-B41C-2ED7A8532A7A}"/>
+                <a16:creationId xmlns:a16="http://schemas.microsoft.com/office/drawing/2014/main" xmlns="" id="{3298A3B8-3C04-43AF-B41C-2ED7A8532A7A}"/>
               </a:ext>
             </a:extLst>
           </p:cNvPr>
@@ -5306,7 +5560,7 @@
           <p:cNvPr id="4" name="Номер слайда 3">
             <a:extLst>
               <a:ext uri="{FF2B5EF4-FFF2-40B4-BE49-F238E27FC236}">
-                <a16:creationId xmlns:a16="http://schemas.microsoft.com/office/drawing/2014/main" id="{AA8370C2-CE9A-4A34-A827-1D989AE08680}"/>
+                <a16:creationId xmlns:a16="http://schemas.microsoft.com/office/drawing/2014/main" xmlns="" id="{AA8370C2-CE9A-4A34-A827-1D989AE08680}"/>
               </a:ext>
             </a:extLst>
           </p:cNvPr>
@@ -5352,7 +5606,7 @@
         <p:spPr>
           <a:xfrm>
             <a:off x="7549896" y="863030"/>
-            <a:ext cx="3803904" cy="4801314"/>
+            <a:ext cx="3803904" cy="5355312"/>
           </a:xfrm>
           <a:prstGeom prst="rect">
             <a:avLst/>
@@ -5424,7 +5678,15 @@
             </a:r>
             <a:r>
               <a:rPr lang="ru-RU" dirty="0" smtClean="0"/>
-              <a:t> и для тестирования могут быть собраны из изображений в интернете или из других дат сетов на туже тему.</a:t>
+              <a:t> и для тестирования могут быть собраны из изображений в интернете или из других дат сетов на туже тему. В этих </a:t>
+            </a:r>
+            <a:r>
+              <a:rPr lang="ru-RU" dirty="0" err="1" smtClean="0"/>
+              <a:t>датасетах</a:t>
+            </a:r>
+            <a:r>
+              <a:rPr lang="ru-RU" dirty="0" smtClean="0"/>
+              <a:t> предусмотреть хотя бы несколько десятков примеров </a:t>
             </a:r>
           </a:p>
         </p:txBody>
@@ -5432,7 +5694,7 @@
     </p:spTree>
     <p:extLst>
       <p:ext uri="{BB962C8B-B14F-4D97-AF65-F5344CB8AC3E}">
-        <p14:creationId xmlns:p14="http://schemas.microsoft.com/office/powerpoint/2010/main" val="78286897"/>
+        <p14:creationId xmlns:p14="http://schemas.microsoft.com/office/powerpoint/2010/main" xmlns="" val="78286897"/>
       </p:ext>
     </p:extLst>
   </p:cSld>
@@ -5461,252 +5723,178 @@
       </p:grpSpPr>
       <p:sp>
         <p:nvSpPr>
-          <p:cNvPr id="2" name="Заголовок 1">
-            <a:extLst>
-              <a:ext uri="{FF2B5EF4-FFF2-40B4-BE49-F238E27FC236}">
-                <a16:creationId xmlns:a16="http://schemas.microsoft.com/office/drawing/2014/main" id="{A7F967A9-18E7-42D6-8744-D07ECC2484E2}"/>
-              </a:ext>
-            </a:extLst>
-          </p:cNvPr>
+          <p:cNvPr id="2" name="Заголовок 1"/>
           <p:cNvSpPr>
             <a:spLocks noGrp="1"/>
           </p:cNvSpPr>
           <p:nvPr>
             <p:ph type="title"/>
+          </p:nvPr>
+        </p:nvSpPr>
+        <p:spPr/>
+        <p:txBody>
+          <a:bodyPr/>
+          <a:lstStyle/>
+          <a:p>
+            <a:r>
+              <a:rPr lang="ru-RU" dirty="0" smtClean="0"/>
+              <a:t>Задание 6</a:t>
+            </a:r>
+            <a:endParaRPr lang="ru-RU" dirty="0"/>
+          </a:p>
+        </p:txBody>
+      </p:sp>
+      <p:sp>
+        <p:nvSpPr>
+          <p:cNvPr id="3" name="Содержимое 2"/>
+          <p:cNvSpPr>
+            <a:spLocks noGrp="1"/>
+          </p:cNvSpPr>
+          <p:nvPr>
+            <p:ph idx="1"/>
           </p:nvPr>
         </p:nvSpPr>
         <p:spPr>
           <a:xfrm>
-            <a:off x="133865" y="136525"/>
-            <a:ext cx="10515600" cy="1325563"/>
+            <a:off x="838200" y="1316736"/>
+            <a:ext cx="10515600" cy="5059680"/>
           </a:xfrm>
         </p:spPr>
         <p:txBody>
           <a:bodyPr>
-            <a:normAutofit/>
+            <a:normAutofit fontScale="92500"/>
           </a:bodyPr>
           <a:lstStyle/>
           <a:p>
-            <a:r>
-              <a:rPr lang="ru-RU" sz="3600" dirty="0" smtClean="0"/>
-              <a:t>Задание </a:t>
-            </a:r>
-            <a:r>
-              <a:rPr lang="en-US" sz="3600" dirty="0" smtClean="0"/>
-              <a:t>6</a:t>
-            </a:r>
-            <a:r>
-              <a:rPr lang="ru-RU" sz="3600" dirty="0" smtClean="0"/>
-              <a:t/>
-            </a:r>
-            <a:br>
-              <a:rPr lang="ru-RU" sz="3600" dirty="0" smtClean="0"/>
-            </a:br>
-            <a:endParaRPr lang="ru-RU" sz="3600" dirty="0"/>
-          </a:p>
-        </p:txBody>
-      </p:sp>
-      <p:sp>
-        <p:nvSpPr>
-          <p:cNvPr id="3" name="Объект 2">
-            <a:extLst>
-              <a:ext uri="{FF2B5EF4-FFF2-40B4-BE49-F238E27FC236}">
-                <a16:creationId xmlns:a16="http://schemas.microsoft.com/office/drawing/2014/main" id="{7DF33828-1BE3-48ED-B03F-196E3EFA3ADD}"/>
-              </a:ext>
-            </a:extLst>
-          </p:cNvPr>
-          <p:cNvSpPr>
-            <a:spLocks noGrp="1"/>
-          </p:cNvSpPr>
-          <p:nvPr>
-            <p:ph idx="1"/>
-          </p:nvPr>
-        </p:nvSpPr>
-        <p:spPr>
-          <a:xfrm>
-            <a:off x="838200" y="1048512"/>
-            <a:ext cx="10515600" cy="5474208"/>
-          </a:xfrm>
-        </p:spPr>
-        <p:txBody>
-          <a:bodyPr>
-            <a:normAutofit fontScale="92500" lnSpcReduction="10000"/>
-          </a:bodyPr>
-          <a:lstStyle/>
-          <a:p>
-            <a:pPr marL="0" indent="0">
+            <a:pPr>
               <a:buNone/>
             </a:pPr>
             <a:r>
-              <a:rPr lang="ru-RU" b="1" dirty="0"/>
-              <a:t>Перенос обучения</a:t>
-            </a:r>
-            <a:r>
-              <a:rPr lang="ru-RU" dirty="0"/>
-              <a:t>. </a:t>
-            </a:r>
-            <a:r>
-              <a:rPr lang="ru-RU" b="1" dirty="0" err="1" smtClean="0"/>
-              <a:t>Предобученные</a:t>
-            </a:r>
-            <a:r>
               <a:rPr lang="ru-RU" b="1" dirty="0" smtClean="0"/>
-              <a:t> модели</a:t>
+              <a:t>Вывод  тепловой карты</a:t>
             </a:r>
           </a:p>
           <a:p>
             <a:r>
               <a:rPr lang="ru-RU" dirty="0" smtClean="0"/>
-              <a:t>Вместо </a:t>
-            </a:r>
-            <a:r>
-              <a:rPr lang="ru-RU" dirty="0"/>
-              <a:t>своей сети классификатора будем использовать </a:t>
-            </a:r>
-            <a:r>
-              <a:rPr lang="ru-RU" dirty="0" err="1"/>
-              <a:t>предоубченную</a:t>
-            </a:r>
-            <a:r>
-              <a:rPr lang="ru-RU" dirty="0"/>
-              <a:t> модель</a:t>
-            </a:r>
-          </a:p>
-          <a:p>
-            <a:r>
-              <a:rPr lang="ru-RU" dirty="0"/>
-              <a:t>То есть используем </a:t>
-            </a:r>
-            <a:r>
-              <a:rPr lang="ru-RU" dirty="0" err="1"/>
-              <a:t>предобученную</a:t>
-            </a:r>
-            <a:r>
-              <a:rPr lang="ru-RU" dirty="0"/>
-              <a:t> модель вместо своего </a:t>
-            </a:r>
-            <a:r>
-              <a:rPr lang="ru-RU" dirty="0" err="1"/>
-              <a:t>кодировщка</a:t>
-            </a:r>
-            <a:r>
-              <a:rPr lang="ru-RU" dirty="0"/>
-              <a:t> признаков (своих </a:t>
-            </a:r>
-            <a:r>
-              <a:rPr lang="en-US" dirty="0"/>
-              <a:t>Conv</a:t>
-            </a:r>
-            <a:r>
-              <a:rPr lang="ru-RU" dirty="0"/>
-              <a:t> слоев)</a:t>
-            </a:r>
-          </a:p>
-          <a:p>
-            <a:r>
-              <a:rPr lang="ru-RU" dirty="0"/>
-              <a:t>Импортируем </a:t>
-            </a:r>
-            <a:r>
-              <a:rPr lang="ru-RU" dirty="0" err="1"/>
-              <a:t>предоубченную</a:t>
-            </a:r>
-            <a:r>
-              <a:rPr lang="ru-RU" dirty="0"/>
-              <a:t> модель, добавляем ее как слой к своим </a:t>
-            </a:r>
-            <a:r>
-              <a:rPr lang="en-US" dirty="0"/>
-              <a:t>dense</a:t>
-            </a:r>
-            <a:r>
-              <a:rPr lang="ru-RU" dirty="0"/>
-              <a:t>-слоям (вместо своего кодировщика признаков)</a:t>
-            </a:r>
-          </a:p>
-          <a:p>
-            <a:r>
-              <a:rPr lang="ru-RU" dirty="0"/>
-              <a:t>Получаем свой  классификатор, </a:t>
+              <a:t>Добавить код для вывода </a:t>
+            </a:r>
+            <a:r>
+              <a:rPr lang="en-US" dirty="0" err="1" smtClean="0"/>
+              <a:t>HeatMap</a:t>
             </a:r>
             <a:r>
               <a:rPr lang="ru-RU" dirty="0" smtClean="0"/>
-              <a:t>обучаем </a:t>
-            </a:r>
-            <a:r>
-              <a:rPr lang="ru-RU" dirty="0"/>
-              <a:t>его на своем дата </a:t>
-            </a:r>
+              <a:t> с визуализацией областей яркости, которые покажут на входном изображении наиболее значимые (по мнению модели) области для принятия решений по данному классу</a:t>
+            </a:r>
+          </a:p>
+          <a:p>
             <a:r>
               <a:rPr lang="ru-RU" dirty="0" smtClean="0"/>
-              <a:t>сете, замораживая </a:t>
-            </a:r>
-            <a:r>
-              <a:rPr lang="ru-RU" dirty="0" err="1" smtClean="0"/>
-              <a:t>сверточные</a:t>
-            </a:r>
+              <a:t>Вывести примеры изображений нескольких классов с тепловой картой</a:t>
+            </a:r>
+          </a:p>
+          <a:p>
+            <a:pPr>
+              <a:buNone/>
+            </a:pPr>
             <a:r>
               <a:rPr lang="ru-RU" dirty="0" smtClean="0"/>
-              <a:t> слои.</a:t>
-            </a:r>
-            <a:endParaRPr lang="ru-RU" dirty="0"/>
-          </a:p>
-          <a:p>
-            <a:r>
-              <a:rPr lang="ru-RU" dirty="0"/>
-              <a:t>Выводим метрики качества, сравниваем их с теми метриками, которые были достигнуты в прошлом задании на «своей» </a:t>
-            </a:r>
-            <a:r>
-              <a:rPr lang="ru-RU" dirty="0" smtClean="0"/>
-              <a:t>модели</a:t>
-            </a:r>
-          </a:p>
-          <a:p>
-            <a:r>
-              <a:rPr lang="ru-RU" dirty="0"/>
-              <a:t>Используем </a:t>
-            </a:r>
-            <a:r>
-              <a:rPr lang="ru-RU" dirty="0" err="1"/>
-              <a:t>предобученную</a:t>
-            </a:r>
-            <a:r>
-              <a:rPr lang="ru-RU" dirty="0"/>
-              <a:t> модель </a:t>
-            </a:r>
-            <a:r>
-              <a:rPr lang="en-US" dirty="0" smtClean="0"/>
-              <a:t>Inception, VGG16 </a:t>
-            </a:r>
-            <a:r>
-              <a:rPr lang="ru-RU" dirty="0"/>
-              <a:t>или другие из </a:t>
-            </a:r>
-            <a:r>
-              <a:rPr lang="en-US" dirty="0">
+              <a:t>Пример, как это работает см. здесь:</a:t>
+            </a:r>
+          </a:p>
+          <a:p>
+            <a:pPr>
+              <a:buNone/>
+            </a:pPr>
+            <a:r>
+              <a:rPr lang="en-US" dirty="0" smtClean="0">
                 <a:hlinkClick r:id="rId3"/>
               </a:rPr>
-              <a:t>https://keras.io/api/applications/</a:t>
-            </a:r>
-            <a:r>
-              <a:rPr lang="ru-RU" dirty="0"/>
-              <a:t> )</a:t>
-            </a:r>
-          </a:p>
-          <a:p>
+              <a:t>https://keras.io/examples/vision/grad_cam/</a:t>
+            </a:r>
             <a:endParaRPr lang="ru-RU" dirty="0" smtClean="0"/>
           </a:p>
-        </p:txBody>
-      </p:sp>
-      <p:sp>
-        <p:nvSpPr>
-          <p:cNvPr id="4" name="Номер слайда 3">
-            <a:extLst>
-              <a:ext uri="{FF2B5EF4-FFF2-40B4-BE49-F238E27FC236}">
-                <a16:creationId xmlns:a16="http://schemas.microsoft.com/office/drawing/2014/main" id="{0D031150-23E4-497E-87D4-D0193440C3AF}"/>
-              </a:ext>
-            </a:extLst>
-          </p:cNvPr>
+          <a:p>
+            <a:pPr>
+              <a:buNone/>
+            </a:pPr>
+            <a:r>
+              <a:rPr lang="ru-RU" dirty="0" smtClean="0"/>
+              <a:t>Для своей работы рекомендуется использовать упрощенный вариант (где </a:t>
+            </a:r>
+            <a:r>
+              <a:rPr lang="en-US" dirty="0" smtClean="0"/>
+              <a:t>Flatten </a:t>
+            </a:r>
+            <a:r>
+              <a:rPr lang="ru-RU" dirty="0" smtClean="0"/>
+              <a:t>заменяется </a:t>
+            </a:r>
+            <a:r>
+              <a:rPr lang="en-US" dirty="0" smtClean="0"/>
+              <a:t>GAP</a:t>
+            </a:r>
+            <a:r>
+              <a:rPr lang="ru-RU" dirty="0" smtClean="0"/>
+              <a:t>), пример см. в файле : </a:t>
+            </a:r>
+            <a:r>
+              <a:rPr lang="en-US" b="1" dirty="0" err="1" smtClean="0"/>
+              <a:t>Grad_CAM</a:t>
+            </a:r>
+            <a:r>
+              <a:rPr lang="en-US" b="1" dirty="0" smtClean="0"/>
+              <a:t>_</a:t>
+            </a:r>
+            <a:r>
+              <a:rPr lang="ru-RU" b="1" dirty="0" err="1" smtClean="0"/>
+              <a:t>с_глобальным_пулингом_</a:t>
+            </a:r>
+            <a:r>
+              <a:rPr lang="en-US" b="1" dirty="0" smtClean="0"/>
+              <a:t>GAP_</a:t>
+            </a:r>
+            <a:r>
+              <a:rPr lang="ru-RU" b="1" dirty="0" err="1" smtClean="0"/>
+              <a:t>визуализация_тепловой_карты_пример</a:t>
+            </a:r>
+            <a:r>
+              <a:rPr lang="ru-RU" b="1" dirty="0" smtClean="0"/>
+              <a:t>.</a:t>
+            </a:r>
+            <a:r>
+              <a:rPr lang="en-US" b="1" dirty="0" err="1" smtClean="0"/>
+              <a:t>ipynb</a:t>
+            </a:r>
+            <a:r>
+              <a:rPr lang="ru-RU" b="1" dirty="0" smtClean="0"/>
+              <a:t> </a:t>
+            </a:r>
+            <a:r>
+              <a:rPr lang="ru-RU" dirty="0" smtClean="0"/>
+              <a:t>(в этом же </a:t>
+            </a:r>
+            <a:r>
+              <a:rPr lang="ru-RU" dirty="0" err="1" smtClean="0"/>
+              <a:t>репозитории</a:t>
+            </a:r>
+            <a:r>
+              <a:rPr lang="ru-RU" dirty="0" smtClean="0"/>
+              <a:t>)</a:t>
+            </a:r>
+          </a:p>
+          <a:p>
+            <a:pPr>
+              <a:buNone/>
+            </a:pPr>
+            <a:endParaRPr lang="ru-RU" dirty="0"/>
+          </a:p>
+        </p:txBody>
+      </p:sp>
+      <p:sp>
+        <p:nvSpPr>
+          <p:cNvPr id="4" name="Номер слайда 3"/>
           <p:cNvSpPr>
             <a:spLocks noGrp="1"/>
           </p:cNvSpPr>
@@ -5741,484 +5929,6 @@
         </p:txBody>
       </p:sp>
     </p:spTree>
-    <p:extLst>
-      <p:ext uri="{BB962C8B-B14F-4D97-AF65-F5344CB8AC3E}">
-        <p14:creationId xmlns:p14="http://schemas.microsoft.com/office/powerpoint/2010/main" val="1221595952"/>
-      </p:ext>
-    </p:extLst>
-  </p:cSld>
-  <p:clrMapOvr>
-    <a:masterClrMapping/>
-  </p:clrMapOvr>
-</p:sld>
-</file>
-
-<file path=ppt/slides/slide8.xml><?xml version="1.0" encoding="utf-8"?>
-<p:sld xmlns:a="http://schemas.openxmlformats.org/drawingml/2006/main" xmlns:r="http://schemas.openxmlformats.org/officeDocument/2006/relationships" xmlns:p="http://schemas.openxmlformats.org/presentationml/2006/main">
-  <p:cSld>
-    <p:spTree>
-      <p:nvGrpSpPr>
-        <p:cNvPr id="1" name=""/>
-        <p:cNvGrpSpPr/>
-        <p:nvPr/>
-      </p:nvGrpSpPr>
-      <p:grpSpPr>
-        <a:xfrm>
-          <a:off x="0" y="0"/>
-          <a:ext cx="0" cy="0"/>
-          <a:chOff x="0" y="0"/>
-          <a:chExt cx="0" cy="0"/>
-        </a:xfrm>
-      </p:grpSpPr>
-      <p:sp>
-        <p:nvSpPr>
-          <p:cNvPr id="2" name="Заголовок 1"/>
-          <p:cNvSpPr>
-            <a:spLocks noGrp="1"/>
-          </p:cNvSpPr>
-          <p:nvPr>
-            <p:ph type="title"/>
-          </p:nvPr>
-        </p:nvSpPr>
-        <p:spPr>
-          <a:xfrm>
-            <a:off x="728472" y="125285"/>
-            <a:ext cx="10515600" cy="1325563"/>
-          </a:xfrm>
-        </p:spPr>
-        <p:txBody>
-          <a:bodyPr/>
-          <a:lstStyle/>
-          <a:p>
-            <a:r>
-              <a:rPr lang="ru-RU" dirty="0" smtClean="0"/>
-              <a:t>Задание </a:t>
-            </a:r>
-            <a:r>
-              <a:rPr lang="en-US" dirty="0" smtClean="0"/>
-              <a:t>7 </a:t>
-            </a:r>
-            <a:endParaRPr lang="ru-RU" dirty="0"/>
-          </a:p>
-        </p:txBody>
-      </p:sp>
-      <p:sp>
-        <p:nvSpPr>
-          <p:cNvPr id="3" name="Объект 2"/>
-          <p:cNvSpPr>
-            <a:spLocks noGrp="1"/>
-          </p:cNvSpPr>
-          <p:nvPr>
-            <p:ph idx="1"/>
-          </p:nvPr>
-        </p:nvSpPr>
-        <p:spPr>
-          <a:xfrm>
-            <a:off x="838200" y="1194816"/>
-            <a:ext cx="10515600" cy="5526659"/>
-          </a:xfrm>
-        </p:spPr>
-        <p:txBody>
-          <a:bodyPr>
-            <a:normAutofit fontScale="70000" lnSpcReduction="20000"/>
-          </a:bodyPr>
-          <a:lstStyle/>
-          <a:p>
-            <a:pPr marL="0" indent="0">
-              <a:buNone/>
-            </a:pPr>
-            <a:r>
-              <a:rPr lang="ru-RU" b="1" dirty="0" smtClean="0"/>
-              <a:t>Оценка похожести и извлечение похожих изображений</a:t>
-            </a:r>
-          </a:p>
-          <a:p>
-            <a:pPr marL="0" indent="0">
-              <a:buNone/>
-            </a:pPr>
-            <a:r>
-              <a:rPr lang="ru-RU" dirty="0" smtClean="0"/>
-              <a:t>На основе предыдущей </a:t>
-            </a:r>
-            <a:r>
-              <a:rPr lang="ru-RU" dirty="0" err="1" smtClean="0"/>
-              <a:t>сверточной</a:t>
-            </a:r>
-            <a:r>
-              <a:rPr lang="ru-RU" dirty="0" smtClean="0"/>
-              <a:t> модели предложить модель, с помощью которых можно будет решать задачу извлечения похожих изображений (то есть сравнивать изображения по степени похожести).</a:t>
-            </a:r>
-          </a:p>
-          <a:p>
-            <a:pPr marL="0" indent="0">
-              <a:buNone/>
-            </a:pPr>
-            <a:r>
-              <a:rPr lang="ru-RU" dirty="0" smtClean="0"/>
-              <a:t>Постановка задачи: </a:t>
-            </a:r>
-          </a:p>
-          <a:p>
-            <a:pPr marL="0" indent="0">
-              <a:buNone/>
-            </a:pPr>
-            <a:r>
-              <a:rPr lang="ru-RU" dirty="0" smtClean="0"/>
-              <a:t>Есть набор изображений (тестовый дата сет, рекомендуется небольшого размера, чтобы можно было визуально анализировать)</a:t>
-            </a:r>
-          </a:p>
-          <a:p>
-            <a:pPr marL="0" indent="0">
-              <a:buNone/>
-            </a:pPr>
-            <a:r>
-              <a:rPr lang="ru-RU" dirty="0" smtClean="0"/>
-              <a:t>Файл с новым изображением, который загружается через форму с экрана</a:t>
-            </a:r>
-          </a:p>
-          <a:p>
-            <a:pPr marL="0" indent="0">
-              <a:buNone/>
-            </a:pPr>
-            <a:r>
-              <a:rPr lang="ru-RU" dirty="0" smtClean="0"/>
-              <a:t>Что необходимо реализовать: модель среди всех изображений дата сета должна выбирать то, которое наиболее похожее на данное. </a:t>
-            </a:r>
-          </a:p>
-          <a:p>
-            <a:pPr marL="0" indent="0">
-              <a:buNone/>
-            </a:pPr>
-            <a:r>
-              <a:rPr lang="ru-RU" dirty="0" smtClean="0"/>
-              <a:t>Проверку результатов модели можно провести визуально сравнивая ее результаты вывода с собственными</a:t>
-            </a:r>
-            <a:r>
-              <a:rPr lang="ru-RU" dirty="0" smtClean="0"/>
-              <a:t>.</a:t>
-            </a:r>
-            <a:endParaRPr lang="en-US" dirty="0" smtClean="0"/>
-          </a:p>
-          <a:p>
-            <a:pPr marL="0" indent="0">
-              <a:buNone/>
-            </a:pPr>
-            <a:r>
-              <a:rPr lang="ru-RU" u="sng" dirty="0" smtClean="0"/>
-              <a:t>Делать в новом ноутбуке</a:t>
-            </a:r>
-          </a:p>
-          <a:p>
-            <a:pPr marL="0" indent="0">
-              <a:buNone/>
-            </a:pPr>
-            <a:r>
-              <a:rPr lang="ru-RU" dirty="0"/>
-              <a:t>При решении задачи – можно </a:t>
-            </a:r>
-            <a:r>
-              <a:rPr lang="ru-RU" dirty="0" smtClean="0"/>
-              <a:t>брать вектора </a:t>
-            </a:r>
-            <a:r>
-              <a:rPr lang="ru-RU" dirty="0" err="1" smtClean="0"/>
-              <a:t>фич</a:t>
-            </a:r>
-            <a:r>
-              <a:rPr lang="ru-RU" dirty="0" smtClean="0"/>
-              <a:t> или с </a:t>
-            </a:r>
-            <a:r>
-              <a:rPr lang="en-US" dirty="0" smtClean="0"/>
-              <a:t>dense</a:t>
-            </a:r>
-            <a:r>
-              <a:rPr lang="ru-RU" dirty="0" smtClean="0"/>
-              <a:t> слоев и сразу сравнивать их, а можно использовать дополнительные обучаемые слои (модель </a:t>
-            </a:r>
-            <a:r>
-              <a:rPr lang="ru-RU" dirty="0" err="1" smtClean="0"/>
-              <a:t>эмбеддинга</a:t>
-            </a:r>
-            <a:r>
-              <a:rPr lang="ru-RU" dirty="0" smtClean="0"/>
-              <a:t>). В этой модели будет своя функция потерь, которая зависит от </a:t>
-            </a:r>
-            <a:r>
-              <a:rPr lang="ru-RU" dirty="0"/>
-              <a:t>схожести между векторами </a:t>
-            </a:r>
-            <a:r>
-              <a:rPr lang="ru-RU" dirty="0" smtClean="0"/>
-              <a:t>изображений. </a:t>
-            </a:r>
-            <a:r>
-              <a:rPr lang="ru-RU" dirty="0"/>
-              <a:t>Если </a:t>
-            </a:r>
-            <a:r>
-              <a:rPr lang="ru-RU" dirty="0" smtClean="0"/>
-              <a:t>обучить </a:t>
-            </a:r>
-            <a:r>
-              <a:rPr lang="ru-RU" dirty="0"/>
-              <a:t>эту модель на примерах схожих/несхожих </a:t>
-            </a:r>
-            <a:r>
-              <a:rPr lang="ru-RU" dirty="0" smtClean="0"/>
-              <a:t>векторов, то она может лучше разделять схожие или несхожие изображения.</a:t>
-            </a:r>
-            <a:endParaRPr lang="ru-RU" dirty="0"/>
-          </a:p>
-          <a:p>
-            <a:pPr marL="0" indent="0">
-              <a:buNone/>
-            </a:pPr>
-            <a:r>
-              <a:rPr lang="ru-RU" dirty="0" smtClean="0"/>
-              <a:t>Попробуйте сравнивать вектора без обученного </a:t>
-            </a:r>
-            <a:r>
-              <a:rPr lang="ru-RU" dirty="0" err="1" smtClean="0"/>
-              <a:t>эмбеддера</a:t>
-            </a:r>
-            <a:r>
-              <a:rPr lang="ru-RU" dirty="0" smtClean="0"/>
-              <a:t> и с ним. Как это влияет на качество извлечения похожих изображений?</a:t>
-            </a:r>
-            <a:endParaRPr lang="ru-RU" dirty="0"/>
-          </a:p>
-        </p:txBody>
-      </p:sp>
-      <p:sp>
-        <p:nvSpPr>
-          <p:cNvPr id="4" name="Номер слайда 3"/>
-          <p:cNvSpPr>
-            <a:spLocks noGrp="1"/>
-          </p:cNvSpPr>
-          <p:nvPr>
-            <p:ph type="sldNum" sz="quarter" idx="12"/>
-          </p:nvPr>
-        </p:nvSpPr>
-        <p:spPr/>
-        <p:txBody>
-          <a:bodyPr/>
-          <a:lstStyle/>
-          <a:p>
-            <a:fld id="{F56DB433-7CEE-4734-AE7A-2B8F83E51B17}" type="slidenum">
-              <a:rPr lang="ru-RU" smtClean="0">
-                <a:solidFill>
-                  <a:prstClr val="black">
-                    <a:tint val="75000"/>
-                  </a:prstClr>
-                </a:solidFill>
-              </a:rPr>
-              <a:pPr/>
-              <a:t>8</a:t>
-            </a:fld>
-            <a:endParaRPr lang="ru-RU">
-              <a:solidFill>
-                <a:prstClr val="black">
-                  <a:tint val="75000"/>
-                </a:prstClr>
-              </a:solidFill>
-            </a:endParaRPr>
-          </a:p>
-        </p:txBody>
-      </p:sp>
-    </p:spTree>
-    <p:extLst>
-      <p:ext uri="{BB962C8B-B14F-4D97-AF65-F5344CB8AC3E}">
-        <p14:creationId xmlns:p14="http://schemas.microsoft.com/office/powerpoint/2010/main" val="1607457854"/>
-      </p:ext>
-    </p:extLst>
-  </p:cSld>
-  <p:clrMapOvr>
-    <a:masterClrMapping/>
-  </p:clrMapOvr>
-</p:sld>
-</file>
-
-<file path=ppt/slides/slide9.xml><?xml version="1.0" encoding="utf-8"?>
-<p:sld xmlns:a="http://schemas.openxmlformats.org/drawingml/2006/main" xmlns:r="http://schemas.openxmlformats.org/officeDocument/2006/relationships" xmlns:p="http://schemas.openxmlformats.org/presentationml/2006/main">
-  <p:cSld>
-    <p:spTree>
-      <p:nvGrpSpPr>
-        <p:cNvPr id="1" name=""/>
-        <p:cNvGrpSpPr/>
-        <p:nvPr/>
-      </p:nvGrpSpPr>
-      <p:grpSpPr>
-        <a:xfrm>
-          <a:off x="0" y="0"/>
-          <a:ext cx="0" cy="0"/>
-          <a:chOff x="0" y="0"/>
-          <a:chExt cx="0" cy="0"/>
-        </a:xfrm>
-      </p:grpSpPr>
-      <p:sp>
-        <p:nvSpPr>
-          <p:cNvPr id="2" name="Заголовок 1"/>
-          <p:cNvSpPr>
-            <a:spLocks noGrp="1"/>
-          </p:cNvSpPr>
-          <p:nvPr>
-            <p:ph type="title"/>
-          </p:nvPr>
-        </p:nvSpPr>
-        <p:spPr/>
-        <p:txBody>
-          <a:bodyPr/>
-          <a:lstStyle/>
-          <a:p>
-            <a:r>
-              <a:rPr lang="ru-RU" dirty="0"/>
-              <a:t>Задание </a:t>
-            </a:r>
-            <a:r>
-              <a:rPr lang="ru-RU" dirty="0" smtClean="0"/>
-              <a:t>7а</a:t>
-            </a:r>
-            <a:endParaRPr lang="ru-RU" dirty="0"/>
-          </a:p>
-        </p:txBody>
-      </p:sp>
-      <p:sp>
-        <p:nvSpPr>
-          <p:cNvPr id="3" name="Объект 2"/>
-          <p:cNvSpPr>
-            <a:spLocks noGrp="1"/>
-          </p:cNvSpPr>
-          <p:nvPr>
-            <p:ph idx="1"/>
-          </p:nvPr>
-        </p:nvSpPr>
-        <p:spPr>
-          <a:xfrm>
-            <a:off x="838200" y="1463040"/>
-            <a:ext cx="10515600" cy="5096256"/>
-          </a:xfrm>
-        </p:spPr>
-        <p:txBody>
-          <a:bodyPr>
-            <a:normAutofit fontScale="92500" lnSpcReduction="10000"/>
-          </a:bodyPr>
-          <a:lstStyle/>
-          <a:p>
-            <a:pPr marL="0" indent="0">
-              <a:buNone/>
-            </a:pPr>
-            <a:r>
-              <a:rPr lang="ru-RU" b="1" dirty="0" smtClean="0"/>
-              <a:t>Извлечение изображений «похожих на текст»</a:t>
-            </a:r>
-            <a:endParaRPr lang="en-US" b="1" dirty="0" smtClean="0"/>
-          </a:p>
-          <a:p>
-            <a:pPr marL="0" indent="0">
-              <a:buNone/>
-            </a:pPr>
-            <a:r>
-              <a:rPr lang="ru-RU" dirty="0" smtClean="0"/>
-              <a:t>На основе модели с оценкой схожести сделать прототип приложения (в ноутбуке), где будет вводиться текстовый запрос, а модель будет подбирать под него наиболее подходящее изображение из дата сета</a:t>
-            </a:r>
-          </a:p>
-          <a:p>
-            <a:pPr marL="0" indent="0">
-              <a:buNone/>
-            </a:pPr>
-            <a:r>
-              <a:rPr lang="ru-RU" dirty="0" smtClean="0"/>
-              <a:t>Для этого сделать дополнительную модель , которая будет получать на вход текстовый запрос, переводить его в вектор . Этот вектор с помощью модели оценки схожести будет сравниваться с векторами изображений и выбирать те изображения, которые наиболее похожи н запрос.</a:t>
-            </a:r>
-          </a:p>
-          <a:p>
-            <a:pPr marL="0" indent="0">
-              <a:buNone/>
-            </a:pPr>
-            <a:r>
-              <a:rPr lang="ru-RU" dirty="0" smtClean="0"/>
-              <a:t>Принципиальным отличие от извлечения похожих изображений здесь является то, что входным вектором (который сравнивается с векторами изображений из дата сета), будет не вектор загруженного изображения, а вектор (</a:t>
-            </a:r>
-            <a:r>
-              <a:rPr lang="ru-RU" dirty="0" err="1" smtClean="0"/>
-              <a:t>эмбеддинг</a:t>
-            </a:r>
-            <a:r>
-              <a:rPr lang="ru-RU" dirty="0" smtClean="0"/>
-              <a:t>) текстового запроса.</a:t>
-            </a:r>
-          </a:p>
-          <a:p>
-            <a:pPr marL="0" indent="0">
-              <a:buNone/>
-            </a:pPr>
-            <a:r>
-              <a:rPr lang="ru-RU" dirty="0" smtClean="0"/>
-              <a:t>Примечание: для модели, которая будет переводить текстовый запрос в вектор использовать слои в </a:t>
-            </a:r>
-            <a:r>
-              <a:rPr lang="en-US" dirty="0" err="1" smtClean="0"/>
-              <a:t>Keras</a:t>
-            </a:r>
-            <a:r>
-              <a:rPr lang="en-US" dirty="0" smtClean="0"/>
-              <a:t> - </a:t>
-            </a:r>
-            <a:r>
-              <a:rPr lang="en-US" dirty="0" err="1" smtClean="0"/>
-              <a:t>TextVectorization</a:t>
-            </a:r>
-            <a:r>
-              <a:rPr lang="en-US" dirty="0" smtClean="0"/>
-              <a:t>, Embedding</a:t>
-            </a:r>
-            <a:endParaRPr lang="ru-RU" dirty="0"/>
-          </a:p>
-        </p:txBody>
-      </p:sp>
-      <p:sp>
-        <p:nvSpPr>
-          <p:cNvPr id="4" name="Номер слайда 3"/>
-          <p:cNvSpPr>
-            <a:spLocks noGrp="1"/>
-          </p:cNvSpPr>
-          <p:nvPr>
-            <p:ph type="sldNum" sz="quarter" idx="12"/>
-          </p:nvPr>
-        </p:nvSpPr>
-        <p:spPr/>
-        <p:txBody>
-          <a:bodyPr/>
-          <a:lstStyle/>
-          <a:p>
-            <a:fld id="{F56DB433-7CEE-4734-AE7A-2B8F83E51B17}" type="slidenum">
-              <a:rPr lang="ru-RU" smtClean="0">
-                <a:solidFill>
-                  <a:prstClr val="black">
-                    <a:tint val="75000"/>
-                  </a:prstClr>
-                </a:solidFill>
-              </a:rPr>
-              <a:pPr/>
-              <a:t>9</a:t>
-            </a:fld>
-            <a:endParaRPr lang="ru-RU">
-              <a:solidFill>
-                <a:prstClr val="black">
-                  <a:tint val="75000"/>
-                </a:prstClr>
-              </a:solidFill>
-            </a:endParaRPr>
-          </a:p>
-        </p:txBody>
-      </p:sp>
-    </p:spTree>
-    <p:extLst>
-      <p:ext uri="{BB962C8B-B14F-4D97-AF65-F5344CB8AC3E}">
-        <p14:creationId xmlns:p14="http://schemas.microsoft.com/office/powerpoint/2010/main" val="171542785"/>
-      </p:ext>
-    </p:extLst>
   </p:cSld>
   <p:clrMapOvr>
     <a:masterClrMapping/>
@@ -6481,7 +6191,7 @@
   <a:extraClrSchemeLst/>
   <a:extLst>
     <a:ext uri="{05A4C25C-085E-4340-85A3-A5531E510DB2}">
-      <thm15:themeFamily xmlns:thm15="http://schemas.microsoft.com/office/thememl/2012/main" name="Office Theme" id="{62F939B6-93AF-4DB8-9C6B-D6C7DFDC589F}" vid="{4A3C46E8-61CC-4603-A589-7422A47A8E4A}"/>
+      <thm15:themeFamily xmlns:thm15="http://schemas.microsoft.com/office/thememl/2012/main" xmlns="" name="Office Theme" id="{62F939B6-93AF-4DB8-9C6B-D6C7DFDC589F}" vid="{4A3C46E8-61CC-4603-A589-7422A47A8E4A}"/>
     </a:ext>
   </a:extLst>
 </a:theme>
@@ -6742,7 +6452,7 @@
   <a:extraClrSchemeLst/>
   <a:extLst>
     <a:ext uri="{05A4C25C-085E-4340-85A3-A5531E510DB2}">
-      <thm15:themeFamily xmlns:thm15="http://schemas.microsoft.com/office/thememl/2012/main" name="Office Theme" id="{62F939B6-93AF-4DB8-9C6B-D6C7DFDC589F}" vid="{4A3C46E8-61CC-4603-A589-7422A47A8E4A}"/>
+      <thm15:themeFamily xmlns:thm15="http://schemas.microsoft.com/office/thememl/2012/main" xmlns="" name="Office Theme" id="{62F939B6-93AF-4DB8-9C6B-D6C7DFDC589F}" vid="{4A3C46E8-61CC-4603-A589-7422A47A8E4A}"/>
     </a:ext>
   </a:extLst>
 </a:theme>

--- a/Нейросети_2024_практические_less2.pptx
+++ b/Нейросети_2024_практические_less2.pptx
@@ -5,7 +5,7 @@
     <p:sldMasterId id="2147483672" r:id="rId1"/>
   </p:sldMasterIdLst>
   <p:notesMasterIdLst>
-    <p:notesMasterId r:id="rId9"/>
+    <p:notesMasterId r:id="rId13"/>
   </p:notesMasterIdLst>
   <p:sldIdLst>
     <p:sldId id="398" r:id="rId2"/>
@@ -15,6 +15,10 @@
     <p:sldId id="2150" r:id="rId6"/>
     <p:sldId id="2153" r:id="rId7"/>
     <p:sldId id="2157" r:id="rId8"/>
+    <p:sldId id="2158" r:id="rId9"/>
+    <p:sldId id="2159" r:id="rId10"/>
+    <p:sldId id="2160" r:id="rId11"/>
+    <p:sldId id="2161" r:id="rId12"/>
   </p:sldIdLst>
   <p:sldSz cx="12192000" cy="6858000"/>
   <p:notesSz cx="6858000" cy="9144000"/>
@@ -115,7 +119,7 @@
   </p:defaultTextStyle>
   <p:extLst>
     <p:ext uri="{521415D9-36F7-43E2-AB2F-B90AF26B5E84}">
-      <p14:sectionLst xmlns:p14="http://schemas.microsoft.com/office/powerpoint/2010/main" xmlns="">
+      <p14:sectionLst xmlns="" xmlns:p14="http://schemas.microsoft.com/office/powerpoint/2010/main">
         <p14:section name="Раздел по умолчанию" id="{2B963D8A-566A-4872-B1BD-E8E3A8D0EC3F}">
           <p14:sldIdLst>
             <p14:sldId id="398"/>
@@ -130,7 +134,7 @@
       </p14:sectionLst>
     </p:ext>
     <p:ext uri="{EFAFB233-063F-42B5-8137-9DF3F51BA10A}">
-      <p15:sldGuideLst xmlns:p15="http://schemas.microsoft.com/office/powerpoint/2012/main" xmlns="">
+      <p15:sldGuideLst xmlns="" xmlns:p15="http://schemas.microsoft.com/office/powerpoint/2012/main">
         <p15:guide id="1" orient="horz" pos="2160" userDrawn="1">
           <p15:clr>
             <a:srgbClr val="A4A3A4"/>
@@ -230,7 +234,7 @@
             <a:fld id="{73F4C8B0-26AB-489C-8BB7-9157C5C24A5A}" type="datetimeFigureOut">
               <a:rPr lang="ru-RU" smtClean="0"/>
               <a:pPr/>
-              <a:t>21.03.2025</a:t>
+              <a:t>16.04.2025</a:t>
             </a:fld>
             <a:endParaRPr lang="ru-RU"/>
           </a:p>
@@ -398,7 +402,7 @@
     </p:spTree>
     <p:extLst>
       <p:ext uri="{BB962C8B-B14F-4D97-AF65-F5344CB8AC3E}">
-        <p14:creationId xmlns:p14="http://schemas.microsoft.com/office/powerpoint/2010/main" xmlns="" val="777289401"/>
+        <p14:creationId xmlns="" xmlns:p14="http://schemas.microsoft.com/office/powerpoint/2010/main" val="777289401"/>
       </p:ext>
     </p:extLst>
   </p:cSld>
@@ -573,7 +577,7 @@
     </p:spTree>
     <p:extLst>
       <p:ext uri="{BB962C8B-B14F-4D97-AF65-F5344CB8AC3E}">
-        <p14:creationId xmlns:p14="http://schemas.microsoft.com/office/powerpoint/2010/main" xmlns="" val="3847313512"/>
+        <p14:creationId xmlns="" xmlns:p14="http://schemas.microsoft.com/office/powerpoint/2010/main" val="3847313512"/>
       </p:ext>
     </p:extLst>
   </p:cSld>
@@ -658,7 +662,7 @@
     </p:spTree>
     <p:extLst>
       <p:ext uri="{BB962C8B-B14F-4D97-AF65-F5344CB8AC3E}">
-        <p14:creationId xmlns:p14="http://schemas.microsoft.com/office/powerpoint/2010/main" xmlns="" val="910795164"/>
+        <p14:creationId xmlns="" xmlns:p14="http://schemas.microsoft.com/office/powerpoint/2010/main" val="910795164"/>
       </p:ext>
     </p:extLst>
   </p:cSld>
@@ -832,6 +836,252 @@
 </p:notes>
 </file>
 
+<file path=ppt/notesSlides/notesSlide5.xml><?xml version="1.0" encoding="utf-8"?>
+<p:notes xmlns:a="http://schemas.openxmlformats.org/drawingml/2006/main" xmlns:r="http://schemas.openxmlformats.org/officeDocument/2006/relationships" xmlns:p="http://schemas.openxmlformats.org/presentationml/2006/main">
+  <p:cSld>
+    <p:spTree>
+      <p:nvGrpSpPr>
+        <p:cNvPr id="1" name=""/>
+        <p:cNvGrpSpPr/>
+        <p:nvPr/>
+      </p:nvGrpSpPr>
+      <p:grpSpPr>
+        <a:xfrm>
+          <a:off x="0" y="0"/>
+          <a:ext cx="0" cy="0"/>
+          <a:chOff x="0" y="0"/>
+          <a:chExt cx="0" cy="0"/>
+        </a:xfrm>
+      </p:grpSpPr>
+      <p:sp>
+        <p:nvSpPr>
+          <p:cNvPr id="2" name="Образ слайда 1"/>
+          <p:cNvSpPr>
+            <a:spLocks noGrp="1" noRot="1" noChangeAspect="1"/>
+          </p:cNvSpPr>
+          <p:nvPr>
+            <p:ph type="sldImg"/>
+          </p:nvPr>
+        </p:nvSpPr>
+        <p:spPr/>
+      </p:sp>
+      <p:sp>
+        <p:nvSpPr>
+          <p:cNvPr id="3" name="Заметки 2"/>
+          <p:cNvSpPr>
+            <a:spLocks noGrp="1"/>
+          </p:cNvSpPr>
+          <p:nvPr>
+            <p:ph type="body" idx="1"/>
+          </p:nvPr>
+        </p:nvSpPr>
+        <p:spPr/>
+        <p:txBody>
+          <a:bodyPr>
+            <a:normAutofit/>
+          </a:bodyPr>
+          <a:lstStyle/>
+          <a:p>
+            <a:endParaRPr lang="ru-RU" dirty="0"/>
+          </a:p>
+        </p:txBody>
+      </p:sp>
+      <p:sp>
+        <p:nvSpPr>
+          <p:cNvPr id="4" name="Номер слайда 3"/>
+          <p:cNvSpPr>
+            <a:spLocks noGrp="1"/>
+          </p:cNvSpPr>
+          <p:nvPr>
+            <p:ph type="sldNum" sz="quarter" idx="10"/>
+          </p:nvPr>
+        </p:nvSpPr>
+        <p:spPr/>
+        <p:txBody>
+          <a:bodyPr/>
+          <a:lstStyle/>
+          <a:p>
+            <a:fld id="{52EBF300-2A3D-4E30-B33B-44A3BF8682CD}" type="slidenum">
+              <a:rPr lang="ru-RU" smtClean="0"/>
+              <a:pPr/>
+              <a:t>9</a:t>
+            </a:fld>
+            <a:endParaRPr lang="ru-RU"/>
+          </a:p>
+        </p:txBody>
+      </p:sp>
+    </p:spTree>
+  </p:cSld>
+  <p:clrMapOvr>
+    <a:masterClrMapping/>
+  </p:clrMapOvr>
+</p:notes>
+</file>
+
+<file path=ppt/notesSlides/notesSlide6.xml><?xml version="1.0" encoding="utf-8"?>
+<p:notes xmlns:a="http://schemas.openxmlformats.org/drawingml/2006/main" xmlns:r="http://schemas.openxmlformats.org/officeDocument/2006/relationships" xmlns:p="http://schemas.openxmlformats.org/presentationml/2006/main">
+  <p:cSld>
+    <p:spTree>
+      <p:nvGrpSpPr>
+        <p:cNvPr id="1" name=""/>
+        <p:cNvGrpSpPr/>
+        <p:nvPr/>
+      </p:nvGrpSpPr>
+      <p:grpSpPr>
+        <a:xfrm>
+          <a:off x="0" y="0"/>
+          <a:ext cx="0" cy="0"/>
+          <a:chOff x="0" y="0"/>
+          <a:chExt cx="0" cy="0"/>
+        </a:xfrm>
+      </p:grpSpPr>
+      <p:sp>
+        <p:nvSpPr>
+          <p:cNvPr id="2" name="Образ слайда 1"/>
+          <p:cNvSpPr>
+            <a:spLocks noGrp="1" noRot="1" noChangeAspect="1"/>
+          </p:cNvSpPr>
+          <p:nvPr>
+            <p:ph type="sldImg"/>
+          </p:nvPr>
+        </p:nvSpPr>
+        <p:spPr/>
+      </p:sp>
+      <p:sp>
+        <p:nvSpPr>
+          <p:cNvPr id="3" name="Заметки 2"/>
+          <p:cNvSpPr>
+            <a:spLocks noGrp="1"/>
+          </p:cNvSpPr>
+          <p:nvPr>
+            <p:ph type="body" idx="1"/>
+          </p:nvPr>
+        </p:nvSpPr>
+        <p:spPr/>
+        <p:txBody>
+          <a:bodyPr>
+            <a:normAutofit/>
+          </a:bodyPr>
+          <a:lstStyle/>
+          <a:p>
+            <a:endParaRPr lang="ru-RU" dirty="0"/>
+          </a:p>
+        </p:txBody>
+      </p:sp>
+      <p:sp>
+        <p:nvSpPr>
+          <p:cNvPr id="4" name="Номер слайда 3"/>
+          <p:cNvSpPr>
+            <a:spLocks noGrp="1"/>
+          </p:cNvSpPr>
+          <p:nvPr>
+            <p:ph type="sldNum" sz="quarter" idx="10"/>
+          </p:nvPr>
+        </p:nvSpPr>
+        <p:spPr/>
+        <p:txBody>
+          <a:bodyPr/>
+          <a:lstStyle/>
+          <a:p>
+            <a:fld id="{52EBF300-2A3D-4E30-B33B-44A3BF8682CD}" type="slidenum">
+              <a:rPr lang="ru-RU" smtClean="0"/>
+              <a:pPr/>
+              <a:t>10</a:t>
+            </a:fld>
+            <a:endParaRPr lang="ru-RU"/>
+          </a:p>
+        </p:txBody>
+      </p:sp>
+    </p:spTree>
+  </p:cSld>
+  <p:clrMapOvr>
+    <a:masterClrMapping/>
+  </p:clrMapOvr>
+</p:notes>
+</file>
+
+<file path=ppt/notesSlides/notesSlide7.xml><?xml version="1.0" encoding="utf-8"?>
+<p:notes xmlns:a="http://schemas.openxmlformats.org/drawingml/2006/main" xmlns:r="http://schemas.openxmlformats.org/officeDocument/2006/relationships" xmlns:p="http://schemas.openxmlformats.org/presentationml/2006/main">
+  <p:cSld>
+    <p:spTree>
+      <p:nvGrpSpPr>
+        <p:cNvPr id="1" name=""/>
+        <p:cNvGrpSpPr/>
+        <p:nvPr/>
+      </p:nvGrpSpPr>
+      <p:grpSpPr>
+        <a:xfrm>
+          <a:off x="0" y="0"/>
+          <a:ext cx="0" cy="0"/>
+          <a:chOff x="0" y="0"/>
+          <a:chExt cx="0" cy="0"/>
+        </a:xfrm>
+      </p:grpSpPr>
+      <p:sp>
+        <p:nvSpPr>
+          <p:cNvPr id="2" name="Образ слайда 1"/>
+          <p:cNvSpPr>
+            <a:spLocks noGrp="1" noRot="1" noChangeAspect="1"/>
+          </p:cNvSpPr>
+          <p:nvPr>
+            <p:ph type="sldImg"/>
+          </p:nvPr>
+        </p:nvSpPr>
+        <p:spPr/>
+      </p:sp>
+      <p:sp>
+        <p:nvSpPr>
+          <p:cNvPr id="3" name="Заметки 2"/>
+          <p:cNvSpPr>
+            <a:spLocks noGrp="1"/>
+          </p:cNvSpPr>
+          <p:nvPr>
+            <p:ph type="body" idx="1"/>
+          </p:nvPr>
+        </p:nvSpPr>
+        <p:spPr/>
+        <p:txBody>
+          <a:bodyPr>
+            <a:normAutofit/>
+          </a:bodyPr>
+          <a:lstStyle/>
+          <a:p>
+            <a:endParaRPr lang="ru-RU" dirty="0"/>
+          </a:p>
+        </p:txBody>
+      </p:sp>
+      <p:sp>
+        <p:nvSpPr>
+          <p:cNvPr id="4" name="Номер слайда 3"/>
+          <p:cNvSpPr>
+            <a:spLocks noGrp="1"/>
+          </p:cNvSpPr>
+          <p:nvPr>
+            <p:ph type="sldNum" sz="quarter" idx="10"/>
+          </p:nvPr>
+        </p:nvSpPr>
+        <p:spPr/>
+        <p:txBody>
+          <a:bodyPr/>
+          <a:lstStyle/>
+          <a:p>
+            <a:fld id="{52EBF300-2A3D-4E30-B33B-44A3BF8682CD}" type="slidenum">
+              <a:rPr lang="ru-RU" smtClean="0"/>
+              <a:pPr/>
+              <a:t>11</a:t>
+            </a:fld>
+            <a:endParaRPr lang="ru-RU"/>
+          </a:p>
+        </p:txBody>
+      </p:sp>
+    </p:spTree>
+  </p:cSld>
+  <p:clrMapOvr>
+    <a:masterClrMapping/>
+  </p:clrMapOvr>
+</p:notes>
+</file>
+
 <file path=ppt/slideLayouts/slideLayout1.xml><?xml version="1.0" encoding="utf-8"?>
 <p:sldLayout xmlns:a="http://schemas.openxmlformats.org/drawingml/2006/main" xmlns:r="http://schemas.openxmlformats.org/officeDocument/2006/relationships" xmlns:p="http://schemas.openxmlformats.org/presentationml/2006/main" type="title" preserve="1">
   <p:cSld name="Титульный слайд">
@@ -968,7 +1218,7 @@
                 </a:solidFill>
               </a:rPr>
               <a:pPr/>
-              <a:t>21.03.2025</a:t>
+              <a:t>16.04.2025</a:t>
             </a:fld>
             <a:endParaRPr lang="ru-RU">
               <a:solidFill>
@@ -1044,7 +1294,7 @@
     </p:spTree>
     <p:extLst>
       <p:ext uri="{BB962C8B-B14F-4D97-AF65-F5344CB8AC3E}">
-        <p14:creationId xmlns:p14="http://schemas.microsoft.com/office/powerpoint/2010/main" xmlns="" val="3142926366"/>
+        <p14:creationId xmlns="" xmlns:p14="http://schemas.microsoft.com/office/powerpoint/2010/main" val="3142926366"/>
       </p:ext>
     </p:extLst>
   </p:cSld>
@@ -1168,7 +1418,7 @@
                 </a:solidFill>
               </a:rPr>
               <a:pPr/>
-              <a:t>21.03.2025</a:t>
+              <a:t>16.04.2025</a:t>
             </a:fld>
             <a:endParaRPr lang="ru-RU">
               <a:solidFill>
@@ -1244,7 +1494,7 @@
     </p:spTree>
     <p:extLst>
       <p:ext uri="{BB962C8B-B14F-4D97-AF65-F5344CB8AC3E}">
-        <p14:creationId xmlns:p14="http://schemas.microsoft.com/office/powerpoint/2010/main" xmlns="" val="3976287116"/>
+        <p14:creationId xmlns="" xmlns:p14="http://schemas.microsoft.com/office/powerpoint/2010/main" val="3976287116"/>
       </p:ext>
     </p:extLst>
   </p:cSld>
@@ -1378,7 +1628,7 @@
                 </a:solidFill>
               </a:rPr>
               <a:pPr/>
-              <a:t>21.03.2025</a:t>
+              <a:t>16.04.2025</a:t>
             </a:fld>
             <a:endParaRPr lang="ru-RU">
               <a:solidFill>
@@ -1454,7 +1704,7 @@
     </p:spTree>
     <p:extLst>
       <p:ext uri="{BB962C8B-B14F-4D97-AF65-F5344CB8AC3E}">
-        <p14:creationId xmlns:p14="http://schemas.microsoft.com/office/powerpoint/2010/main" xmlns="" val="395876683"/>
+        <p14:creationId xmlns="" xmlns:p14="http://schemas.microsoft.com/office/powerpoint/2010/main" val="395876683"/>
       </p:ext>
     </p:extLst>
   </p:cSld>
@@ -1578,7 +1828,7 @@
                 </a:solidFill>
               </a:rPr>
               <a:pPr/>
-              <a:t>21.03.2025</a:t>
+              <a:t>16.04.2025</a:t>
             </a:fld>
             <a:endParaRPr lang="ru-RU">
               <a:solidFill>
@@ -1654,7 +1904,7 @@
     </p:spTree>
     <p:extLst>
       <p:ext uri="{BB962C8B-B14F-4D97-AF65-F5344CB8AC3E}">
-        <p14:creationId xmlns:p14="http://schemas.microsoft.com/office/powerpoint/2010/main" xmlns="" val="1802669410"/>
+        <p14:creationId xmlns="" xmlns:p14="http://schemas.microsoft.com/office/powerpoint/2010/main" val="1802669410"/>
       </p:ext>
     </p:extLst>
   </p:cSld>
@@ -1855,7 +2105,7 @@
                 </a:solidFill>
               </a:rPr>
               <a:pPr/>
-              <a:t>21.03.2025</a:t>
+              <a:t>16.04.2025</a:t>
             </a:fld>
             <a:endParaRPr lang="ru-RU">
               <a:solidFill>
@@ -1931,7 +2181,7 @@
     </p:spTree>
     <p:extLst>
       <p:ext uri="{BB962C8B-B14F-4D97-AF65-F5344CB8AC3E}">
-        <p14:creationId xmlns:p14="http://schemas.microsoft.com/office/powerpoint/2010/main" xmlns="" val="861670664"/>
+        <p14:creationId xmlns="" xmlns:p14="http://schemas.microsoft.com/office/powerpoint/2010/main" val="861670664"/>
       </p:ext>
     </p:extLst>
   </p:cSld>
@@ -2116,7 +2366,7 @@
                 </a:solidFill>
               </a:rPr>
               <a:pPr/>
-              <a:t>21.03.2025</a:t>
+              <a:t>16.04.2025</a:t>
             </a:fld>
             <a:endParaRPr lang="ru-RU">
               <a:solidFill>
@@ -2192,7 +2442,7 @@
     </p:spTree>
     <p:extLst>
       <p:ext uri="{BB962C8B-B14F-4D97-AF65-F5344CB8AC3E}">
-        <p14:creationId xmlns:p14="http://schemas.microsoft.com/office/powerpoint/2010/main" xmlns="" val="1850187638"/>
+        <p14:creationId xmlns="" xmlns:p14="http://schemas.microsoft.com/office/powerpoint/2010/main" val="1850187638"/>
       </p:ext>
     </p:extLst>
   </p:cSld>
@@ -2512,7 +2762,7 @@
                 </a:solidFill>
               </a:rPr>
               <a:pPr/>
-              <a:t>21.03.2025</a:t>
+              <a:t>16.04.2025</a:t>
             </a:fld>
             <a:endParaRPr lang="ru-RU">
               <a:solidFill>
@@ -2588,7 +2838,7 @@
     </p:spTree>
     <p:extLst>
       <p:ext uri="{BB962C8B-B14F-4D97-AF65-F5344CB8AC3E}">
-        <p14:creationId xmlns:p14="http://schemas.microsoft.com/office/powerpoint/2010/main" xmlns="" val="3798503830"/>
+        <p14:creationId xmlns="" xmlns:p14="http://schemas.microsoft.com/office/powerpoint/2010/main" val="3798503830"/>
       </p:ext>
     </p:extLst>
   </p:cSld>
@@ -2661,7 +2911,7 @@
                 </a:solidFill>
               </a:rPr>
               <a:pPr/>
-              <a:t>21.03.2025</a:t>
+              <a:t>16.04.2025</a:t>
             </a:fld>
             <a:endParaRPr lang="ru-RU">
               <a:solidFill>
@@ -2737,7 +2987,7 @@
     </p:spTree>
     <p:extLst>
       <p:ext uri="{BB962C8B-B14F-4D97-AF65-F5344CB8AC3E}">
-        <p14:creationId xmlns:p14="http://schemas.microsoft.com/office/powerpoint/2010/main" xmlns="" val="645334494"/>
+        <p14:creationId xmlns="" xmlns:p14="http://schemas.microsoft.com/office/powerpoint/2010/main" val="645334494"/>
       </p:ext>
     </p:extLst>
   </p:cSld>
@@ -2788,7 +3038,7 @@
                 </a:solidFill>
               </a:rPr>
               <a:pPr/>
-              <a:t>21.03.2025</a:t>
+              <a:t>16.04.2025</a:t>
             </a:fld>
             <a:endParaRPr lang="ru-RU">
               <a:solidFill>
@@ -2864,7 +3114,7 @@
     </p:spTree>
     <p:extLst>
       <p:ext uri="{BB962C8B-B14F-4D97-AF65-F5344CB8AC3E}">
-        <p14:creationId xmlns:p14="http://schemas.microsoft.com/office/powerpoint/2010/main" xmlns="" val="1359513978"/>
+        <p14:creationId xmlns="" xmlns:p14="http://schemas.microsoft.com/office/powerpoint/2010/main" val="1359513978"/>
       </p:ext>
     </p:extLst>
   </p:cSld>
@@ -3095,7 +3345,7 @@
                 </a:solidFill>
               </a:rPr>
               <a:pPr/>
-              <a:t>21.03.2025</a:t>
+              <a:t>16.04.2025</a:t>
             </a:fld>
             <a:endParaRPr lang="ru-RU">
               <a:solidFill>
@@ -3171,7 +3421,7 @@
     </p:spTree>
     <p:extLst>
       <p:ext uri="{BB962C8B-B14F-4D97-AF65-F5344CB8AC3E}">
-        <p14:creationId xmlns:p14="http://schemas.microsoft.com/office/powerpoint/2010/main" xmlns="" val="520620279"/>
+        <p14:creationId xmlns="" xmlns:p14="http://schemas.microsoft.com/office/powerpoint/2010/main" val="520620279"/>
       </p:ext>
     </p:extLst>
   </p:cSld>
@@ -3379,7 +3629,7 @@
                 </a:solidFill>
               </a:rPr>
               <a:pPr/>
-              <a:t>21.03.2025</a:t>
+              <a:t>16.04.2025</a:t>
             </a:fld>
             <a:endParaRPr lang="ru-RU">
               <a:solidFill>
@@ -3455,7 +3705,7 @@
     </p:spTree>
     <p:extLst>
       <p:ext uri="{BB962C8B-B14F-4D97-AF65-F5344CB8AC3E}">
-        <p14:creationId xmlns:p14="http://schemas.microsoft.com/office/powerpoint/2010/main" xmlns="" val="272867566"/>
+        <p14:creationId xmlns="" xmlns:p14="http://schemas.microsoft.com/office/powerpoint/2010/main" val="272867566"/>
       </p:ext>
     </p:extLst>
   </p:cSld>
@@ -3622,7 +3872,7 @@
                 </a:solidFill>
               </a:rPr>
               <a:pPr/>
-              <a:t>21.03.2025</a:t>
+              <a:t>16.04.2025</a:t>
             </a:fld>
             <a:endParaRPr lang="ru-RU">
               <a:solidFill>
@@ -3734,7 +3984,7 @@
     </p:spTree>
     <p:extLst>
       <p:ext uri="{BB962C8B-B14F-4D97-AF65-F5344CB8AC3E}">
-        <p14:creationId xmlns:p14="http://schemas.microsoft.com/office/powerpoint/2010/main" xmlns="" val="3540026723"/>
+        <p14:creationId xmlns="" xmlns:p14="http://schemas.microsoft.com/office/powerpoint/2010/main" val="3540026723"/>
       </p:ext>
     </p:extLst>
   </p:cSld>
@@ -4058,7 +4308,7 @@
           <p:cNvPr id="5" name="Заголовок 4">
             <a:extLst>
               <a:ext uri="{FF2B5EF4-FFF2-40B4-BE49-F238E27FC236}">
-                <a16:creationId xmlns:a16="http://schemas.microsoft.com/office/drawing/2014/main" xmlns="" id="{EC517267-8D5D-4F9E-AB3B-F55D415E2766}"/>
+                <a16:creationId xmlns="" xmlns:a16="http://schemas.microsoft.com/office/drawing/2014/main" id="{EC517267-8D5D-4F9E-AB3B-F55D415E2766}"/>
               </a:ext>
             </a:extLst>
           </p:cNvPr>
@@ -4108,7 +4358,7 @@
           <p:cNvPr id="6" name="Текст 5">
             <a:extLst>
               <a:ext uri="{FF2B5EF4-FFF2-40B4-BE49-F238E27FC236}">
-                <a16:creationId xmlns:a16="http://schemas.microsoft.com/office/drawing/2014/main" xmlns="" id="{5D3B62E5-2A2D-4E48-B63A-8BCFAF0E2A3F}"/>
+                <a16:creationId xmlns="" xmlns:a16="http://schemas.microsoft.com/office/drawing/2014/main" id="{5D3B62E5-2A2D-4E48-B63A-8BCFAF0E2A3F}"/>
               </a:ext>
             </a:extLst>
           </p:cNvPr>
@@ -4145,7 +4395,7 @@
           <p:cNvPr id="2" name="Номер слайда 1">
             <a:extLst>
               <a:ext uri="{FF2B5EF4-FFF2-40B4-BE49-F238E27FC236}">
-                <a16:creationId xmlns:a16="http://schemas.microsoft.com/office/drawing/2014/main" xmlns="" id="{031F119C-86BD-4350-8360-627FB1AFEF4D}"/>
+                <a16:creationId xmlns="" xmlns:a16="http://schemas.microsoft.com/office/drawing/2014/main" id="{031F119C-86BD-4350-8360-627FB1AFEF4D}"/>
               </a:ext>
             </a:extLst>
           </p:cNvPr>
@@ -4185,9 +4435,466 @@
     </p:spTree>
     <p:extLst>
       <p:ext uri="{BB962C8B-B14F-4D97-AF65-F5344CB8AC3E}">
-        <p14:creationId xmlns:p14="http://schemas.microsoft.com/office/powerpoint/2010/main" xmlns="" val="3570840455"/>
+        <p14:creationId xmlns="" xmlns:p14="http://schemas.microsoft.com/office/powerpoint/2010/main" val="3570840455"/>
       </p:ext>
     </p:extLst>
+  </p:cSld>
+  <p:clrMapOvr>
+    <a:masterClrMapping/>
+  </p:clrMapOvr>
+</p:sld>
+</file>
+
+<file path=ppt/slides/slide10.xml><?xml version="1.0" encoding="utf-8"?>
+<p:sld xmlns:a="http://schemas.openxmlformats.org/drawingml/2006/main" xmlns:r="http://schemas.openxmlformats.org/officeDocument/2006/relationships" xmlns:p="http://schemas.openxmlformats.org/presentationml/2006/main">
+  <p:cSld>
+    <p:spTree>
+      <p:nvGrpSpPr>
+        <p:cNvPr id="1" name=""/>
+        <p:cNvGrpSpPr/>
+        <p:nvPr/>
+      </p:nvGrpSpPr>
+      <p:grpSpPr>
+        <a:xfrm>
+          <a:off x="0" y="0"/>
+          <a:ext cx="0" cy="0"/>
+          <a:chOff x="0" y="0"/>
+          <a:chExt cx="0" cy="0"/>
+        </a:xfrm>
+      </p:grpSpPr>
+      <p:sp>
+        <p:nvSpPr>
+          <p:cNvPr id="2" name="Заголовок 1"/>
+          <p:cNvSpPr>
+            <a:spLocks noGrp="1"/>
+          </p:cNvSpPr>
+          <p:nvPr>
+            <p:ph type="title"/>
+          </p:nvPr>
+        </p:nvSpPr>
+        <p:spPr/>
+        <p:txBody>
+          <a:bodyPr/>
+          <a:lstStyle/>
+          <a:p>
+            <a:r>
+              <a:rPr lang="ru-RU" dirty="0" smtClean="0"/>
+              <a:t>Задание 8</a:t>
+            </a:r>
+            <a:endParaRPr lang="ru-RU" dirty="0"/>
+          </a:p>
+        </p:txBody>
+      </p:sp>
+      <p:sp>
+        <p:nvSpPr>
+          <p:cNvPr id="3" name="Содержимое 2"/>
+          <p:cNvSpPr>
+            <a:spLocks noGrp="1"/>
+          </p:cNvSpPr>
+          <p:nvPr>
+            <p:ph idx="1"/>
+          </p:nvPr>
+        </p:nvSpPr>
+        <p:spPr>
+          <a:xfrm>
+            <a:off x="838200" y="1414272"/>
+            <a:ext cx="10515600" cy="4974335"/>
+          </a:xfrm>
+        </p:spPr>
+        <p:txBody>
+          <a:bodyPr>
+            <a:normAutofit fontScale="92500"/>
+          </a:bodyPr>
+          <a:lstStyle/>
+          <a:p>
+            <a:pPr>
+              <a:buNone/>
+            </a:pPr>
+            <a:r>
+              <a:rPr lang="ru-RU" b="1" dirty="0" smtClean="0"/>
+              <a:t>Аугментация данных</a:t>
+            </a:r>
+          </a:p>
+          <a:p>
+            <a:pPr>
+              <a:buNone/>
+            </a:pPr>
+            <a:r>
+              <a:rPr lang="ru-RU" dirty="0" smtClean="0"/>
+              <a:t>Пробуем улучшить результаты распознавания (можно использовать результаты с </a:t>
+            </a:r>
+            <a:r>
+              <a:rPr lang="ru-RU" dirty="0" err="1" smtClean="0"/>
+              <a:t>предоубченной</a:t>
+            </a:r>
+            <a:r>
+              <a:rPr lang="ru-RU" dirty="0" smtClean="0"/>
+              <a:t> моделью) за счет применения аугментации данных.</a:t>
+            </a:r>
+          </a:p>
+          <a:p>
+            <a:pPr>
+              <a:buNone/>
+            </a:pPr>
+            <a:r>
+              <a:rPr lang="ru-RU" dirty="0" smtClean="0"/>
+              <a:t>Пример использования аугментации с </a:t>
+            </a:r>
+            <a:r>
+              <a:rPr lang="ru-RU" dirty="0" err="1" smtClean="0"/>
+              <a:t>поянениями</a:t>
+            </a:r>
+            <a:r>
+              <a:rPr lang="ru-RU" dirty="0" smtClean="0"/>
+              <a:t> можно найти здесь: </a:t>
+            </a:r>
+            <a:r>
+              <a:rPr lang="en-US" dirty="0" smtClean="0">
+                <a:hlinkClick r:id="rId3"/>
+              </a:rPr>
+              <a:t>https://keras.io/examples/vision/image_classification_from_scratch</a:t>
+            </a:r>
+            <a:r>
+              <a:rPr lang="en-US" dirty="0" smtClean="0">
+                <a:hlinkClick r:id="rId3"/>
+              </a:rPr>
+              <a:t>/</a:t>
+            </a:r>
+            <a:r>
+              <a:rPr lang="ru-RU" dirty="0" smtClean="0"/>
+              <a:t> (файл есть в </a:t>
+            </a:r>
+            <a:r>
+              <a:rPr lang="ru-RU" dirty="0" err="1" smtClean="0"/>
+              <a:t>репозитории</a:t>
+            </a:r>
+            <a:r>
+              <a:rPr lang="ru-RU" dirty="0" smtClean="0"/>
+              <a:t>)</a:t>
+            </a:r>
+          </a:p>
+          <a:p>
+            <a:pPr>
+              <a:buNone/>
+            </a:pPr>
+            <a:r>
+              <a:rPr lang="ru-RU" dirty="0" smtClean="0"/>
+              <a:t>Можно вставить свои слои для аугментации, см. здесь </a:t>
+            </a:r>
+            <a:r>
+              <a:rPr lang="en-US" dirty="0" smtClean="0">
+                <a:hlinkClick r:id="rId4"/>
+              </a:rPr>
+              <a:t>https</a:t>
+            </a:r>
+            <a:r>
+              <a:rPr lang="en-US" dirty="0" smtClean="0">
+                <a:hlinkClick r:id="rId4"/>
+              </a:rPr>
+              <a:t>://keras.io/api/layers/preprocessing_layers/image_augmentation</a:t>
+            </a:r>
+            <a:r>
+              <a:rPr lang="en-US" dirty="0" smtClean="0">
+                <a:hlinkClick r:id="rId4"/>
+              </a:rPr>
+              <a:t>/</a:t>
+            </a:r>
+            <a:endParaRPr lang="ru-RU" dirty="0" smtClean="0"/>
+          </a:p>
+          <a:p>
+            <a:pPr>
+              <a:buNone/>
+            </a:pPr>
+            <a:r>
+              <a:rPr lang="ru-RU" dirty="0" smtClean="0"/>
+              <a:t>При аугментации предусмотреть вывод примеров </a:t>
+            </a:r>
+            <a:r>
+              <a:rPr lang="ru-RU" dirty="0" err="1" smtClean="0"/>
+              <a:t>аугментированнных</a:t>
+            </a:r>
+            <a:r>
+              <a:rPr lang="ru-RU" dirty="0" smtClean="0"/>
+              <a:t> изображений (как это сделано в указанном выше коде)</a:t>
+            </a:r>
+            <a:endParaRPr lang="en-US" dirty="0" smtClean="0"/>
+          </a:p>
+          <a:p>
+            <a:pPr>
+              <a:buNone/>
+            </a:pPr>
+            <a:endParaRPr lang="ru-RU" dirty="0"/>
+          </a:p>
+        </p:txBody>
+      </p:sp>
+      <p:sp>
+        <p:nvSpPr>
+          <p:cNvPr id="4" name="Номер слайда 3"/>
+          <p:cNvSpPr>
+            <a:spLocks noGrp="1"/>
+          </p:cNvSpPr>
+          <p:nvPr>
+            <p:ph type="sldNum" sz="quarter" idx="12"/>
+          </p:nvPr>
+        </p:nvSpPr>
+        <p:spPr/>
+        <p:txBody>
+          <a:bodyPr/>
+          <a:lstStyle/>
+          <a:p>
+            <a:fld id="{F56DB433-7CEE-4734-AE7A-2B8F83E51B17}" type="slidenum">
+              <a:rPr lang="ru-RU" smtClean="0">
+                <a:solidFill>
+                  <a:prstClr val="black">
+                    <a:tint val="75000"/>
+                  </a:prstClr>
+                </a:solidFill>
+              </a:rPr>
+              <a:pPr/>
+              <a:t>10</a:t>
+            </a:fld>
+            <a:endParaRPr lang="ru-RU">
+              <a:solidFill>
+                <a:prstClr val="black">
+                  <a:tint val="75000"/>
+                </a:prstClr>
+              </a:solidFill>
+            </a:endParaRPr>
+          </a:p>
+        </p:txBody>
+      </p:sp>
+    </p:spTree>
+  </p:cSld>
+  <p:clrMapOvr>
+    <a:masterClrMapping/>
+  </p:clrMapOvr>
+</p:sld>
+</file>
+
+<file path=ppt/slides/slide11.xml><?xml version="1.0" encoding="utf-8"?>
+<p:sld xmlns:a="http://schemas.openxmlformats.org/drawingml/2006/main" xmlns:r="http://schemas.openxmlformats.org/officeDocument/2006/relationships" xmlns:p="http://schemas.openxmlformats.org/presentationml/2006/main">
+  <p:cSld>
+    <p:spTree>
+      <p:nvGrpSpPr>
+        <p:cNvPr id="1" name=""/>
+        <p:cNvGrpSpPr/>
+        <p:nvPr/>
+      </p:nvGrpSpPr>
+      <p:grpSpPr>
+        <a:xfrm>
+          <a:off x="0" y="0"/>
+          <a:ext cx="0" cy="0"/>
+          <a:chOff x="0" y="0"/>
+          <a:chExt cx="0" cy="0"/>
+        </a:xfrm>
+      </p:grpSpPr>
+      <p:sp>
+        <p:nvSpPr>
+          <p:cNvPr id="3" name="Содержимое 2"/>
+          <p:cNvSpPr>
+            <a:spLocks noGrp="1"/>
+          </p:cNvSpPr>
+          <p:nvPr>
+            <p:ph idx="1"/>
+          </p:nvPr>
+        </p:nvSpPr>
+        <p:spPr>
+          <a:xfrm>
+            <a:off x="390144" y="1548384"/>
+            <a:ext cx="11301984" cy="5157215"/>
+          </a:xfrm>
+        </p:spPr>
+        <p:txBody>
+          <a:bodyPr>
+            <a:normAutofit fontScale="77500" lnSpcReduction="20000"/>
+          </a:bodyPr>
+          <a:lstStyle/>
+          <a:p>
+            <a:r>
+              <a:rPr lang="ru-RU" dirty="0" smtClean="0"/>
+              <a:t>Обосновать прикладную задачу (</a:t>
+            </a:r>
+            <a:r>
+              <a:rPr lang="ru-RU" dirty="0" err="1" smtClean="0"/>
+              <a:t>интерессанты</a:t>
+            </a:r>
+            <a:r>
+              <a:rPr lang="ru-RU" dirty="0" smtClean="0"/>
+              <a:t> и их потребности, требования к модели и проекту в целом, аналоги и примеры других авторов)</a:t>
+            </a:r>
+          </a:p>
+          <a:p>
+            <a:r>
+              <a:rPr lang="ru-RU" dirty="0" smtClean="0"/>
+              <a:t>Поставить задачи в терминах задач машинного обучения (классификации, </a:t>
+            </a:r>
+            <a:r>
+              <a:rPr lang="en-US" dirty="0" smtClean="0"/>
+              <a:t>CV</a:t>
+            </a:r>
+            <a:r>
+              <a:rPr lang="ru-RU" dirty="0" smtClean="0"/>
+              <a:t>)</a:t>
+            </a:r>
+          </a:p>
+          <a:p>
+            <a:r>
+              <a:rPr lang="ru-RU" dirty="0" smtClean="0"/>
+              <a:t>Определить возможности для создания обучающего дата сета (создать полностью свой дата сет с нуля; дополнить известный дата сет своими данными; использовать частично синтетические/сгенерированные данные). Каким образом будет выполнена разметка ?(«вручную», полуавтоматически с использованием фундаментальных моделей). </a:t>
+            </a:r>
+          </a:p>
+          <a:p>
+            <a:r>
+              <a:rPr lang="ru-RU" dirty="0" smtClean="0"/>
+              <a:t>Будет ли использоваться инструментарий для создания дата сета (</a:t>
+            </a:r>
+            <a:r>
+              <a:rPr lang="en-US" dirty="0" err="1" smtClean="0"/>
+              <a:t>roboflow</a:t>
+            </a:r>
+            <a:r>
+              <a:rPr lang="en-US" dirty="0" smtClean="0"/>
+              <a:t> </a:t>
+            </a:r>
+            <a:r>
+              <a:rPr lang="ru-RU" dirty="0" smtClean="0"/>
+              <a:t>или аналогичный)</a:t>
+            </a:r>
+          </a:p>
+          <a:p>
+            <a:r>
+              <a:rPr lang="ru-RU" dirty="0" smtClean="0"/>
+              <a:t>Определить архитектуру модели, будет ли </a:t>
+            </a:r>
+            <a:r>
+              <a:rPr lang="ru-RU" dirty="0" err="1" smtClean="0"/>
+              <a:t>дообучаться</a:t>
+            </a:r>
+            <a:r>
+              <a:rPr lang="ru-RU" dirty="0" smtClean="0"/>
+              <a:t> </a:t>
+            </a:r>
+            <a:r>
+              <a:rPr lang="ru-RU" dirty="0" err="1" smtClean="0"/>
+              <a:t>предобученная</a:t>
+            </a:r>
+            <a:r>
+              <a:rPr lang="ru-RU" dirty="0" smtClean="0"/>
+              <a:t> или обучаться с нуля своя модель?</a:t>
+            </a:r>
+          </a:p>
+          <a:p>
+            <a:r>
+              <a:rPr lang="ru-RU" dirty="0" smtClean="0"/>
+              <a:t>Провести экспериментальные исследования (как в прошлых заданиях). Сделать сравнительный анализ результатов и обосновать лучшую модель. Использовать вывод тепловых карт для возможности визуального анализа работы моделей. </a:t>
+            </a:r>
+          </a:p>
+          <a:p>
+            <a:r>
+              <a:rPr lang="ru-RU" dirty="0" smtClean="0"/>
+              <a:t>… предложить ответы на вопросы – где разворачивать модель, как делать </a:t>
+            </a:r>
+            <a:r>
+              <a:rPr lang="ru-RU" dirty="0" err="1" smtClean="0"/>
+              <a:t>вэб-интерфейс</a:t>
+            </a:r>
+            <a:r>
+              <a:rPr lang="ru-RU" dirty="0" smtClean="0"/>
+              <a:t> (для </a:t>
+            </a:r>
+            <a:r>
+              <a:rPr lang="en-US" dirty="0" smtClean="0"/>
+              <a:t>MVP</a:t>
+            </a:r>
+            <a:r>
+              <a:rPr lang="ru-RU" dirty="0" smtClean="0"/>
+              <a:t>) и </a:t>
+            </a:r>
+            <a:r>
+              <a:rPr lang="ru-RU" dirty="0" err="1" smtClean="0"/>
+              <a:t>хостинг</a:t>
+            </a:r>
+            <a:r>
+              <a:rPr lang="ru-RU" dirty="0" smtClean="0"/>
+              <a:t> проекта.</a:t>
+            </a:r>
+          </a:p>
+          <a:p>
+            <a:r>
+              <a:rPr lang="ru-RU" dirty="0" smtClean="0"/>
+              <a:t>… подготовить статью/доклад по результатам исследования.</a:t>
+            </a:r>
+            <a:endParaRPr lang="ru-RU" dirty="0"/>
+          </a:p>
+        </p:txBody>
+      </p:sp>
+      <p:sp>
+        <p:nvSpPr>
+          <p:cNvPr id="4" name="Номер слайда 3"/>
+          <p:cNvSpPr>
+            <a:spLocks noGrp="1"/>
+          </p:cNvSpPr>
+          <p:nvPr>
+            <p:ph type="sldNum" sz="quarter" idx="12"/>
+          </p:nvPr>
+        </p:nvSpPr>
+        <p:spPr/>
+        <p:txBody>
+          <a:bodyPr/>
+          <a:lstStyle/>
+          <a:p>
+            <a:fld id="{F56DB433-7CEE-4734-AE7A-2B8F83E51B17}" type="slidenum">
+              <a:rPr lang="ru-RU" smtClean="0">
+                <a:solidFill>
+                  <a:prstClr val="black">
+                    <a:tint val="75000"/>
+                  </a:prstClr>
+                </a:solidFill>
+              </a:rPr>
+              <a:pPr/>
+              <a:t>11</a:t>
+            </a:fld>
+            <a:endParaRPr lang="ru-RU">
+              <a:solidFill>
+                <a:prstClr val="black">
+                  <a:tint val="75000"/>
+                </a:prstClr>
+              </a:solidFill>
+            </a:endParaRPr>
+          </a:p>
+        </p:txBody>
+      </p:sp>
+      <p:sp>
+        <p:nvSpPr>
+          <p:cNvPr id="5" name="Заголовок 4"/>
+          <p:cNvSpPr>
+            <a:spLocks noGrp="1"/>
+          </p:cNvSpPr>
+          <p:nvPr>
+            <p:ph type="title"/>
+          </p:nvPr>
+        </p:nvSpPr>
+        <p:spPr>
+          <a:xfrm>
+            <a:off x="155448" y="218821"/>
+            <a:ext cx="10515600" cy="1325563"/>
+          </a:xfrm>
+        </p:spPr>
+        <p:txBody>
+          <a:bodyPr>
+            <a:normAutofit/>
+          </a:bodyPr>
+          <a:lstStyle/>
+          <a:p>
+            <a:r>
+              <a:rPr lang="ru-RU" sz="3600" b="1" dirty="0" smtClean="0"/>
+              <a:t>Готовы к своему учебно-исследовательскому проекту?</a:t>
+            </a:r>
+            <a:endParaRPr lang="ru-RU" sz="3600" b="1" dirty="0"/>
+          </a:p>
+        </p:txBody>
+      </p:sp>
+    </p:spTree>
   </p:cSld>
   <p:clrMapOvr>
     <a:masterClrMapping/>
@@ -4394,7 +5101,7 @@
     </p:spTree>
     <p:extLst>
       <p:ext uri="{BB962C8B-B14F-4D97-AF65-F5344CB8AC3E}">
-        <p14:creationId xmlns:p14="http://schemas.microsoft.com/office/powerpoint/2010/main" xmlns="" val="151781793"/>
+        <p14:creationId xmlns="" xmlns:p14="http://schemas.microsoft.com/office/powerpoint/2010/main" val="151781793"/>
       </p:ext>
     </p:extLst>
   </p:cSld>
@@ -4594,11 +5301,7 @@
             </a:r>
             <a:r>
               <a:rPr lang="ru-RU" dirty="0" smtClean="0"/>
-              <a:t> и тестовой выборках</a:t>
-            </a:r>
-            <a:r>
-              <a:rPr lang="ru-RU" dirty="0" smtClean="0"/>
-              <a:t>). Принять меры для устранения </a:t>
+              <a:t> и тестовой выборках). Принять меры для устранения </a:t>
             </a:r>
             <a:r>
               <a:rPr lang="ru-RU" dirty="0" err="1" smtClean="0"/>
@@ -4608,7 +5311,6 @@
               <a:rPr lang="ru-RU" dirty="0" smtClean="0"/>
               <a:t>.</a:t>
             </a:r>
-            <a:endParaRPr lang="ru-RU" dirty="0" smtClean="0"/>
           </a:p>
           <a:p>
             <a:r>
@@ -4629,13 +5331,8 @@
             </a:r>
             <a:r>
               <a:rPr lang="ru-RU" dirty="0" smtClean="0"/>
-              <a:t>) для улучшения метрик </a:t>
-            </a:r>
-            <a:r>
-              <a:rPr lang="ru-RU" dirty="0" smtClean="0"/>
-              <a:t>качества. </a:t>
-            </a:r>
-            <a:endParaRPr lang="ru-RU" dirty="0" smtClean="0"/>
+              <a:t>) для улучшения метрик качества. </a:t>
+            </a:r>
           </a:p>
           <a:p>
             <a:r>
@@ -4704,28 +5401,28 @@
                 <a:gridCol w="2032000">
                   <a:extLst>
                     <a:ext uri="{9D8B030D-6E8A-4147-A177-3AD203B41FA5}">
-                      <a16:colId xmlns:a16="http://schemas.microsoft.com/office/drawing/2014/main" xmlns="" val="20000"/>
+                      <a16:colId xmlns="" xmlns:a16="http://schemas.microsoft.com/office/drawing/2014/main" val="20000"/>
                     </a:ext>
                   </a:extLst>
                 </a:gridCol>
                 <a:gridCol w="2032000">
                   <a:extLst>
                     <a:ext uri="{9D8B030D-6E8A-4147-A177-3AD203B41FA5}">
-                      <a16:colId xmlns:a16="http://schemas.microsoft.com/office/drawing/2014/main" xmlns="" val="20001"/>
+                      <a16:colId xmlns="" xmlns:a16="http://schemas.microsoft.com/office/drawing/2014/main" val="20001"/>
                     </a:ext>
                   </a:extLst>
                 </a:gridCol>
                 <a:gridCol w="2032000">
                   <a:extLst>
                     <a:ext uri="{9D8B030D-6E8A-4147-A177-3AD203B41FA5}">
-                      <a16:colId xmlns:a16="http://schemas.microsoft.com/office/drawing/2014/main" xmlns="" val="20002"/>
+                      <a16:colId xmlns="" xmlns:a16="http://schemas.microsoft.com/office/drawing/2014/main" val="20002"/>
                     </a:ext>
                   </a:extLst>
                 </a:gridCol>
                 <a:gridCol w="2032000">
                   <a:extLst>
                     <a:ext uri="{9D8B030D-6E8A-4147-A177-3AD203B41FA5}">
-                      <a16:colId xmlns:a16="http://schemas.microsoft.com/office/drawing/2014/main" xmlns="" val="20003"/>
+                      <a16:colId xmlns="" xmlns:a16="http://schemas.microsoft.com/office/drawing/2014/main" val="20003"/>
                     </a:ext>
                   </a:extLst>
                 </a:gridCol>
@@ -4793,7 +5490,7 @@
                 </a:tc>
                 <a:extLst>
                   <a:ext uri="{0D108BD9-81ED-4DB2-BD59-A6C34878D82A}">
-                    <a16:rowId xmlns:a16="http://schemas.microsoft.com/office/drawing/2014/main" xmlns="" val="10000"/>
+                    <a16:rowId xmlns="" xmlns:a16="http://schemas.microsoft.com/office/drawing/2014/main" val="10000"/>
                   </a:ext>
                 </a:extLst>
               </a:tr>
@@ -4848,7 +5545,7 @@
                 </a:tc>
                 <a:extLst>
                   <a:ext uri="{0D108BD9-81ED-4DB2-BD59-A6C34878D82A}">
-                    <a16:rowId xmlns:a16="http://schemas.microsoft.com/office/drawing/2014/main" xmlns="" val="10001"/>
+                    <a16:rowId xmlns="" xmlns:a16="http://schemas.microsoft.com/office/drawing/2014/main" val="10001"/>
                   </a:ext>
                 </a:extLst>
               </a:tr>
@@ -4899,7 +5596,7 @@
                 </a:tc>
                 <a:extLst>
                   <a:ext uri="{0D108BD9-81ED-4DB2-BD59-A6C34878D82A}">
-                    <a16:rowId xmlns:a16="http://schemas.microsoft.com/office/drawing/2014/main" xmlns="" val="10002"/>
+                    <a16:rowId xmlns="" xmlns:a16="http://schemas.microsoft.com/office/drawing/2014/main" val="10002"/>
                   </a:ext>
                 </a:extLst>
               </a:tr>
@@ -4910,7 +5607,7 @@
     </p:spTree>
     <p:extLst>
       <p:ext uri="{BB962C8B-B14F-4D97-AF65-F5344CB8AC3E}">
-        <p14:creationId xmlns:p14="http://schemas.microsoft.com/office/powerpoint/2010/main" xmlns="" val="2965258117"/>
+        <p14:creationId xmlns="" xmlns:p14="http://schemas.microsoft.com/office/powerpoint/2010/main" val="2965258117"/>
       </p:ext>
     </p:extLst>
   </p:cSld>
@@ -5068,11 +5765,7 @@
             </a:r>
             <a:r>
               <a:rPr lang="ru-RU" dirty="0" smtClean="0"/>
-              <a:t>слоев</a:t>
-            </a:r>
-            <a:r>
-              <a:rPr lang="ru-RU" dirty="0" smtClean="0"/>
-              <a:t> (до и после активации)</a:t>
+              <a:t>слоев (до и после активации)</a:t>
             </a:r>
           </a:p>
           <a:p>
@@ -5088,11 +5781,7 @@
             </a:pPr>
             <a:r>
               <a:rPr lang="ru-RU" dirty="0" smtClean="0"/>
-              <a:t>Как </a:t>
-            </a:r>
-            <a:r>
-              <a:rPr lang="ru-RU" dirty="0" smtClean="0"/>
-              <a:t>карты </a:t>
+              <a:t>Как карты </a:t>
             </a:r>
             <a:r>
               <a:rPr lang="ru-RU" dirty="0"/>
@@ -5176,7 +5865,7 @@
           <p:cNvPr id="2" name="Заголовок 1">
             <a:extLst>
               <a:ext uri="{FF2B5EF4-FFF2-40B4-BE49-F238E27FC236}">
-                <a16:creationId xmlns:a16="http://schemas.microsoft.com/office/drawing/2014/main" xmlns="" id="{4413ACF0-9611-4B26-91B8-70299985B857}"/>
+                <a16:creationId xmlns="" xmlns:a16="http://schemas.microsoft.com/office/drawing/2014/main" id="{4413ACF0-9611-4B26-91B8-70299985B857}"/>
               </a:ext>
             </a:extLst>
           </p:cNvPr>
@@ -5210,7 +5899,7 @@
           <p:cNvPr id="3" name="Объект 2">
             <a:extLst>
               <a:ext uri="{FF2B5EF4-FFF2-40B4-BE49-F238E27FC236}">
-                <a16:creationId xmlns:a16="http://schemas.microsoft.com/office/drawing/2014/main" xmlns="" id="{3298A3B8-3C04-43AF-B41C-2ED7A8532A7A}"/>
+                <a16:creationId xmlns="" xmlns:a16="http://schemas.microsoft.com/office/drawing/2014/main" id="{3298A3B8-3C04-43AF-B41C-2ED7A8532A7A}"/>
               </a:ext>
             </a:extLst>
           </p:cNvPr>
@@ -5352,7 +6041,7 @@
           <p:cNvPr id="4" name="Номер слайда 3">
             <a:extLst>
               <a:ext uri="{FF2B5EF4-FFF2-40B4-BE49-F238E27FC236}">
-                <a16:creationId xmlns:a16="http://schemas.microsoft.com/office/drawing/2014/main" xmlns="" id="{AA8370C2-CE9A-4A34-A827-1D989AE08680}"/>
+                <a16:creationId xmlns="" xmlns:a16="http://schemas.microsoft.com/office/drawing/2014/main" id="{AA8370C2-CE9A-4A34-A827-1D989AE08680}"/>
               </a:ext>
             </a:extLst>
           </p:cNvPr>
@@ -5392,7 +6081,7 @@
     </p:spTree>
     <p:extLst>
       <p:ext uri="{BB962C8B-B14F-4D97-AF65-F5344CB8AC3E}">
-        <p14:creationId xmlns:p14="http://schemas.microsoft.com/office/powerpoint/2010/main" xmlns="" val="265849522"/>
+        <p14:creationId xmlns="" xmlns:p14="http://schemas.microsoft.com/office/powerpoint/2010/main" val="265849522"/>
       </p:ext>
     </p:extLst>
   </p:cSld>
@@ -5424,7 +6113,7 @@
           <p:cNvPr id="2" name="Заголовок 1">
             <a:extLst>
               <a:ext uri="{FF2B5EF4-FFF2-40B4-BE49-F238E27FC236}">
-                <a16:creationId xmlns:a16="http://schemas.microsoft.com/office/drawing/2014/main" xmlns="" id="{4413ACF0-9611-4B26-91B8-70299985B857}"/>
+                <a16:creationId xmlns="" xmlns:a16="http://schemas.microsoft.com/office/drawing/2014/main" id="{4413ACF0-9611-4B26-91B8-70299985B857}"/>
               </a:ext>
             </a:extLst>
           </p:cNvPr>
@@ -5458,7 +6147,7 @@
           <p:cNvPr id="3" name="Объект 2">
             <a:extLst>
               <a:ext uri="{FF2B5EF4-FFF2-40B4-BE49-F238E27FC236}">
-                <a16:creationId xmlns:a16="http://schemas.microsoft.com/office/drawing/2014/main" xmlns="" id="{3298A3B8-3C04-43AF-B41C-2ED7A8532A7A}"/>
+                <a16:creationId xmlns="" xmlns:a16="http://schemas.microsoft.com/office/drawing/2014/main" id="{3298A3B8-3C04-43AF-B41C-2ED7A8532A7A}"/>
               </a:ext>
             </a:extLst>
           </p:cNvPr>
@@ -5560,7 +6249,7 @@
           <p:cNvPr id="4" name="Номер слайда 3">
             <a:extLst>
               <a:ext uri="{FF2B5EF4-FFF2-40B4-BE49-F238E27FC236}">
-                <a16:creationId xmlns:a16="http://schemas.microsoft.com/office/drawing/2014/main" xmlns="" id="{AA8370C2-CE9A-4A34-A827-1D989AE08680}"/>
+                <a16:creationId xmlns="" xmlns:a16="http://schemas.microsoft.com/office/drawing/2014/main" id="{AA8370C2-CE9A-4A34-A827-1D989AE08680}"/>
               </a:ext>
             </a:extLst>
           </p:cNvPr>
@@ -5694,7 +6383,7 @@
     </p:spTree>
     <p:extLst>
       <p:ext uri="{BB962C8B-B14F-4D97-AF65-F5344CB8AC3E}">
-        <p14:creationId xmlns:p14="http://schemas.microsoft.com/office/powerpoint/2010/main" xmlns="" val="78286897"/>
+        <p14:creationId xmlns="" xmlns:p14="http://schemas.microsoft.com/office/powerpoint/2010/main" val="78286897"/>
       </p:ext>
     </p:extLst>
   </p:cSld>
@@ -5925,6 +6614,827 @@
                 </a:prstClr>
               </a:solidFill>
             </a:endParaRPr>
+          </a:p>
+        </p:txBody>
+      </p:sp>
+    </p:spTree>
+  </p:cSld>
+  <p:clrMapOvr>
+    <a:masterClrMapping/>
+  </p:clrMapOvr>
+</p:sld>
+</file>
+
+<file path=ppt/slides/slide8.xml><?xml version="1.0" encoding="utf-8"?>
+<p:sld xmlns:a="http://schemas.openxmlformats.org/drawingml/2006/main" xmlns:r="http://schemas.openxmlformats.org/officeDocument/2006/relationships" xmlns:p="http://schemas.openxmlformats.org/presentationml/2006/main">
+  <p:cSld>
+    <p:spTree>
+      <p:nvGrpSpPr>
+        <p:cNvPr id="1" name=""/>
+        <p:cNvGrpSpPr/>
+        <p:nvPr/>
+      </p:nvGrpSpPr>
+      <p:grpSpPr>
+        <a:xfrm>
+          <a:off x="0" y="0"/>
+          <a:ext cx="0" cy="0"/>
+          <a:chOff x="0" y="0"/>
+          <a:chExt cx="0" cy="0"/>
+        </a:xfrm>
+      </p:grpSpPr>
+      <p:sp>
+        <p:nvSpPr>
+          <p:cNvPr id="2" name="Заголовок 1"/>
+          <p:cNvSpPr>
+            <a:spLocks noGrp="1"/>
+          </p:cNvSpPr>
+          <p:nvPr>
+            <p:ph type="title"/>
+          </p:nvPr>
+        </p:nvSpPr>
+        <p:spPr/>
+        <p:txBody>
+          <a:bodyPr/>
+          <a:lstStyle/>
+          <a:p>
+            <a:r>
+              <a:rPr lang="ru-RU" b="1" dirty="0" smtClean="0"/>
+              <a:t>Задание 7</a:t>
+            </a:r>
+            <a:endParaRPr lang="ru-RU" b="1" dirty="0"/>
+          </a:p>
+        </p:txBody>
+      </p:sp>
+      <p:sp>
+        <p:nvSpPr>
+          <p:cNvPr id="3" name="Содержимое 2"/>
+          <p:cNvSpPr>
+            <a:spLocks noGrp="1"/>
+          </p:cNvSpPr>
+          <p:nvPr>
+            <p:ph idx="1"/>
+          </p:nvPr>
+        </p:nvSpPr>
+        <p:spPr>
+          <a:xfrm>
+            <a:off x="838200" y="1524000"/>
+            <a:ext cx="10515600" cy="4652963"/>
+          </a:xfrm>
+        </p:spPr>
+        <p:txBody>
+          <a:bodyPr>
+            <a:normAutofit fontScale="92500" lnSpcReduction="20000"/>
+          </a:bodyPr>
+          <a:lstStyle/>
+          <a:p>
+            <a:pPr>
+              <a:buNone/>
+            </a:pPr>
+            <a:r>
+              <a:rPr lang="ru-RU" b="1" dirty="0" err="1" smtClean="0"/>
+              <a:t>Предобученные</a:t>
+            </a:r>
+            <a:r>
+              <a:rPr lang="ru-RU" b="1" dirty="0" smtClean="0"/>
+              <a:t> модели. Перенос обучения</a:t>
+            </a:r>
+          </a:p>
+          <a:p>
+            <a:pPr>
+              <a:buNone/>
+            </a:pPr>
+            <a:r>
+              <a:rPr lang="ru-RU" dirty="0" smtClean="0"/>
+              <a:t>Используем дата сеты, на которых обучалась/проверялась своя модель в прошлых заданиях. Но вместо своей модели применяем </a:t>
+            </a:r>
+            <a:r>
+              <a:rPr lang="ru-RU" dirty="0" err="1" smtClean="0"/>
+              <a:t>предобученную</a:t>
+            </a:r>
+            <a:r>
+              <a:rPr lang="ru-RU" dirty="0" smtClean="0"/>
+              <a:t> модель. </a:t>
+            </a:r>
+          </a:p>
+          <a:p>
+            <a:pPr>
+              <a:buNone/>
+            </a:pPr>
+            <a:r>
+              <a:rPr lang="ru-RU" dirty="0" smtClean="0"/>
+              <a:t>Используем </a:t>
+            </a:r>
+            <a:r>
+              <a:rPr lang="ru-RU" dirty="0" err="1" smtClean="0"/>
+              <a:t>предобученную</a:t>
+            </a:r>
+            <a:r>
+              <a:rPr lang="ru-RU" dirty="0" smtClean="0"/>
+              <a:t> модель </a:t>
+            </a:r>
+            <a:r>
+              <a:rPr lang="en-US" dirty="0" smtClean="0"/>
+              <a:t>Inception, VGG16 </a:t>
+            </a:r>
+            <a:r>
+              <a:rPr lang="ru-RU" dirty="0" smtClean="0"/>
+              <a:t>или другие из </a:t>
+            </a:r>
+            <a:r>
+              <a:rPr lang="en-US" dirty="0" smtClean="0">
+                <a:hlinkClick r:id="rId2"/>
+              </a:rPr>
+              <a:t>https://keras.io/api/applications</a:t>
+            </a:r>
+            <a:r>
+              <a:rPr lang="en-US" dirty="0" smtClean="0">
+                <a:hlinkClick r:id="rId2"/>
+              </a:rPr>
+              <a:t>/</a:t>
+            </a:r>
+            <a:r>
+              <a:rPr lang="en-US" dirty="0" smtClean="0"/>
+              <a:t> </a:t>
+            </a:r>
+            <a:r>
+              <a:rPr lang="en-US" dirty="0" smtClean="0"/>
+              <a:t>. </a:t>
+            </a:r>
+            <a:r>
+              <a:rPr lang="ru-RU" sz="2200" dirty="0" smtClean="0"/>
+              <a:t>Пример использование </a:t>
+            </a:r>
+            <a:r>
+              <a:rPr lang="ru-RU" sz="2200" dirty="0" err="1" smtClean="0"/>
+              <a:t>предобученной</a:t>
+            </a:r>
+            <a:r>
+              <a:rPr lang="ru-RU" sz="2200" dirty="0" smtClean="0"/>
+              <a:t> </a:t>
+            </a:r>
+            <a:r>
+              <a:rPr lang="en-US" sz="2200" dirty="0" err="1" smtClean="0"/>
+              <a:t>Resnet</a:t>
+            </a:r>
+            <a:r>
+              <a:rPr lang="en-US" sz="2200" dirty="0" smtClean="0"/>
+              <a:t> </a:t>
+            </a:r>
+            <a:r>
+              <a:rPr lang="ru-RU" sz="2200" dirty="0" smtClean="0"/>
+              <a:t>для </a:t>
+            </a:r>
+            <a:r>
+              <a:rPr lang="ru-RU" sz="2200" dirty="0" err="1" smtClean="0"/>
+              <a:t>классифкации</a:t>
+            </a:r>
+            <a:r>
+              <a:rPr lang="ru-RU" sz="2200" dirty="0" smtClean="0"/>
+              <a:t> без </a:t>
+            </a:r>
+            <a:r>
+              <a:rPr lang="ru-RU" sz="2200" dirty="0" err="1" smtClean="0"/>
+              <a:t>дообучения</a:t>
+            </a:r>
+            <a:r>
+              <a:rPr lang="ru-RU" sz="2200" dirty="0" smtClean="0"/>
+              <a:t> – см. там же.</a:t>
+            </a:r>
+            <a:endParaRPr lang="en-US" sz="2200" dirty="0" smtClean="0"/>
+          </a:p>
+          <a:p>
+            <a:pPr>
+              <a:buNone/>
+            </a:pPr>
+            <a:r>
+              <a:rPr lang="ru-RU" dirty="0" err="1" smtClean="0"/>
+              <a:t>Дообучаем</a:t>
+            </a:r>
+            <a:r>
+              <a:rPr lang="ru-RU" dirty="0" smtClean="0"/>
+              <a:t> модель на своем дата сете (не забываем изменить </a:t>
+            </a:r>
+            <a:r>
+              <a:rPr lang="en-US" dirty="0" smtClean="0"/>
+              <a:t>dense </a:t>
+            </a:r>
+            <a:r>
+              <a:rPr lang="ru-RU" dirty="0" smtClean="0"/>
+              <a:t>слои и заморозить веса </a:t>
+            </a:r>
+            <a:r>
+              <a:rPr lang="ru-RU" dirty="0" err="1" smtClean="0"/>
+              <a:t>предоубченной</a:t>
+            </a:r>
+            <a:r>
+              <a:rPr lang="ru-RU" dirty="0" smtClean="0"/>
+              <a:t> модели ) . Пример </a:t>
+            </a:r>
+            <a:r>
+              <a:rPr lang="ru-RU" dirty="0" err="1" smtClean="0"/>
+              <a:t>дооубчения</a:t>
+            </a:r>
+            <a:r>
+              <a:rPr lang="ru-RU" dirty="0" smtClean="0"/>
+              <a:t> см. в </a:t>
+            </a:r>
+            <a:r>
+              <a:rPr lang="ru-RU" dirty="0" err="1" smtClean="0"/>
+              <a:t>репозитории</a:t>
+            </a:r>
+            <a:r>
+              <a:rPr lang="ru-RU" dirty="0" smtClean="0"/>
+              <a:t> - </a:t>
+            </a:r>
+            <a:r>
+              <a:rPr lang="ru-RU" b="1" dirty="0" err="1" smtClean="0"/>
+              <a:t>Перенос_обучения_</a:t>
+            </a:r>
+            <a:r>
+              <a:rPr lang="en-US" b="1" dirty="0" err="1" smtClean="0"/>
+              <a:t>VGG.ipynb</a:t>
+            </a:r>
+            <a:endParaRPr lang="ru-RU" b="1" dirty="0" smtClean="0"/>
+          </a:p>
+          <a:p>
+            <a:pPr>
+              <a:buNone/>
+            </a:pPr>
+            <a:r>
+              <a:rPr lang="ru-RU" b="1" dirty="0" smtClean="0"/>
+              <a:t>Примечание:</a:t>
+            </a:r>
+            <a:r>
+              <a:rPr lang="ru-RU" dirty="0" smtClean="0"/>
+              <a:t> для упрощения дальнейшего выводы тепловой карты рекомендуется «голову» для </a:t>
+            </a:r>
+            <a:r>
+              <a:rPr lang="ru-RU" dirty="0" err="1" smtClean="0"/>
+              <a:t>предобученной</a:t>
+            </a:r>
+            <a:r>
+              <a:rPr lang="ru-RU" dirty="0" smtClean="0"/>
+              <a:t> модели сделать из слоя </a:t>
+            </a:r>
+            <a:r>
+              <a:rPr lang="en-US" dirty="0" smtClean="0"/>
+              <a:t>GAP </a:t>
+            </a:r>
+            <a:r>
+              <a:rPr lang="ru-RU" dirty="0" smtClean="0"/>
+              <a:t>и одного слоя </a:t>
+            </a:r>
+            <a:r>
+              <a:rPr lang="en-US" dirty="0" smtClean="0"/>
+              <a:t>Dense</a:t>
+            </a:r>
+            <a:r>
+              <a:rPr lang="ru-RU" dirty="0" smtClean="0"/>
+              <a:t> (как в примере с выводом тепловой карты </a:t>
+            </a:r>
+            <a:r>
+              <a:rPr lang="en-US" dirty="0" err="1" smtClean="0"/>
+              <a:t>Grad_Cam</a:t>
+            </a:r>
+            <a:r>
+              <a:rPr lang="ru-RU" dirty="0" smtClean="0"/>
+              <a:t>)</a:t>
+            </a:r>
+            <a:r>
+              <a:rPr lang="en-US" dirty="0" smtClean="0"/>
+              <a:t>. </a:t>
+            </a:r>
+            <a:endParaRPr lang="ru-RU" dirty="0"/>
+          </a:p>
+        </p:txBody>
+      </p:sp>
+      <p:sp>
+        <p:nvSpPr>
+          <p:cNvPr id="4" name="Номер слайда 3"/>
+          <p:cNvSpPr>
+            <a:spLocks noGrp="1"/>
+          </p:cNvSpPr>
+          <p:nvPr>
+            <p:ph type="sldNum" sz="quarter" idx="12"/>
+          </p:nvPr>
+        </p:nvSpPr>
+        <p:spPr/>
+        <p:txBody>
+          <a:bodyPr/>
+          <a:lstStyle/>
+          <a:p>
+            <a:fld id="{F56DB433-7CEE-4734-AE7A-2B8F83E51B17}" type="slidenum">
+              <a:rPr lang="ru-RU" smtClean="0">
+                <a:solidFill>
+                  <a:prstClr val="black">
+                    <a:tint val="75000"/>
+                  </a:prstClr>
+                </a:solidFill>
+              </a:rPr>
+              <a:pPr/>
+              <a:t>8</a:t>
+            </a:fld>
+            <a:endParaRPr lang="ru-RU">
+              <a:solidFill>
+                <a:prstClr val="black">
+                  <a:tint val="75000"/>
+                </a:prstClr>
+              </a:solidFill>
+            </a:endParaRPr>
+          </a:p>
+        </p:txBody>
+      </p:sp>
+    </p:spTree>
+  </p:cSld>
+  <p:clrMapOvr>
+    <a:masterClrMapping/>
+  </p:clrMapOvr>
+</p:sld>
+</file>
+
+<file path=ppt/slides/slide9.xml><?xml version="1.0" encoding="utf-8"?>
+<p:sld xmlns:a="http://schemas.openxmlformats.org/drawingml/2006/main" xmlns:r="http://schemas.openxmlformats.org/officeDocument/2006/relationships" xmlns:p="http://schemas.openxmlformats.org/presentationml/2006/main">
+  <p:cSld>
+    <p:spTree>
+      <p:nvGrpSpPr>
+        <p:cNvPr id="1" name=""/>
+        <p:cNvGrpSpPr/>
+        <p:nvPr/>
+      </p:nvGrpSpPr>
+      <p:grpSpPr>
+        <a:xfrm>
+          <a:off x="0" y="0"/>
+          <a:ext cx="0" cy="0"/>
+          <a:chOff x="0" y="0"/>
+          <a:chExt cx="0" cy="0"/>
+        </a:xfrm>
+      </p:grpSpPr>
+      <p:sp>
+        <p:nvSpPr>
+          <p:cNvPr id="2" name="Заголовок 1"/>
+          <p:cNvSpPr>
+            <a:spLocks noGrp="1"/>
+          </p:cNvSpPr>
+          <p:nvPr>
+            <p:ph type="title"/>
+          </p:nvPr>
+        </p:nvSpPr>
+        <p:spPr>
+          <a:xfrm>
+            <a:off x="399288" y="243205"/>
+            <a:ext cx="10515600" cy="975995"/>
+          </a:xfrm>
+        </p:spPr>
+        <p:txBody>
+          <a:bodyPr/>
+          <a:lstStyle/>
+          <a:p>
+            <a:r>
+              <a:rPr lang="ru-RU" dirty="0" smtClean="0"/>
+              <a:t>Задание 7 продолжение</a:t>
+            </a:r>
+            <a:endParaRPr lang="ru-RU" dirty="0"/>
+          </a:p>
+        </p:txBody>
+      </p:sp>
+      <p:sp>
+        <p:nvSpPr>
+          <p:cNvPr id="3" name="Содержимое 2"/>
+          <p:cNvSpPr>
+            <a:spLocks noGrp="1"/>
+          </p:cNvSpPr>
+          <p:nvPr>
+            <p:ph idx="1"/>
+          </p:nvPr>
+        </p:nvSpPr>
+        <p:spPr>
+          <a:xfrm>
+            <a:off x="338328" y="1130681"/>
+            <a:ext cx="10515600" cy="4351338"/>
+          </a:xfrm>
+        </p:spPr>
+        <p:txBody>
+          <a:bodyPr/>
+          <a:lstStyle/>
+          <a:p>
+            <a:r>
+              <a:rPr lang="ru-RU" dirty="0" smtClean="0"/>
+              <a:t>После </a:t>
+            </a:r>
+            <a:r>
+              <a:rPr lang="ru-RU" dirty="0" err="1" smtClean="0"/>
+              <a:t>дооубчения</a:t>
+            </a:r>
+            <a:r>
+              <a:rPr lang="ru-RU" dirty="0" smtClean="0"/>
+              <a:t> оцениваем метрики качества и сравниваем результаты с результатами «своей модели». Оцениваем также время, которое потребовалось для обучения своей модели и </a:t>
+            </a:r>
+            <a:r>
+              <a:rPr lang="ru-RU" dirty="0" err="1" smtClean="0"/>
+              <a:t>дооубчения</a:t>
+            </a:r>
+            <a:r>
+              <a:rPr lang="ru-RU" dirty="0" smtClean="0"/>
+              <a:t> </a:t>
+            </a:r>
+            <a:r>
+              <a:rPr lang="ru-RU" dirty="0" err="1" smtClean="0"/>
+              <a:t>предуобченной</a:t>
+            </a:r>
+            <a:endParaRPr lang="ru-RU" dirty="0" smtClean="0"/>
+          </a:p>
+          <a:p>
+            <a:r>
+              <a:rPr lang="ru-RU" dirty="0" smtClean="0"/>
+              <a:t>Строим  таблицу для сравнения показателей </a:t>
+            </a:r>
+          </a:p>
+          <a:p>
+            <a:r>
+              <a:rPr lang="ru-RU" dirty="0" smtClean="0"/>
+              <a:t>Выводим </a:t>
+            </a:r>
+            <a:r>
+              <a:rPr lang="ru-RU" b="1" dirty="0" smtClean="0"/>
+              <a:t>тепловые карты </a:t>
+            </a:r>
+            <a:r>
+              <a:rPr lang="ru-RU" dirty="0" smtClean="0"/>
+              <a:t>при использовании своей модели и </a:t>
+            </a:r>
+            <a:r>
+              <a:rPr lang="ru-RU" dirty="0" err="1" smtClean="0"/>
+              <a:t>предобученной</a:t>
+            </a:r>
+            <a:r>
+              <a:rPr lang="ru-RU" dirty="0" smtClean="0"/>
+              <a:t> модели. Сравниваем и визуально оцениваем – на что обращают внимание эти две модели. </a:t>
+            </a:r>
+            <a:r>
+              <a:rPr lang="ru-RU" b="1" i="1" dirty="0" smtClean="0"/>
+              <a:t>Проверяем гипотезу </a:t>
+            </a:r>
+            <a:r>
+              <a:rPr lang="ru-RU" dirty="0" smtClean="0"/>
+              <a:t>о том, какая из моделей более точно обращает внимание на важные части входного изображения.</a:t>
+            </a:r>
+            <a:endParaRPr lang="ru-RU" dirty="0"/>
+          </a:p>
+        </p:txBody>
+      </p:sp>
+      <p:sp>
+        <p:nvSpPr>
+          <p:cNvPr id="4" name="Номер слайда 3"/>
+          <p:cNvSpPr>
+            <a:spLocks noGrp="1"/>
+          </p:cNvSpPr>
+          <p:nvPr>
+            <p:ph type="sldNum" sz="quarter" idx="12"/>
+          </p:nvPr>
+        </p:nvSpPr>
+        <p:spPr/>
+        <p:txBody>
+          <a:bodyPr/>
+          <a:lstStyle/>
+          <a:p>
+            <a:fld id="{F56DB433-7CEE-4734-AE7A-2B8F83E51B17}" type="slidenum">
+              <a:rPr lang="ru-RU" smtClean="0">
+                <a:solidFill>
+                  <a:prstClr val="black">
+                    <a:tint val="75000"/>
+                  </a:prstClr>
+                </a:solidFill>
+              </a:rPr>
+              <a:pPr/>
+              <a:t>9</a:t>
+            </a:fld>
+            <a:endParaRPr lang="ru-RU">
+              <a:solidFill>
+                <a:prstClr val="black">
+                  <a:tint val="75000"/>
+                </a:prstClr>
+              </a:solidFill>
+            </a:endParaRPr>
+          </a:p>
+        </p:txBody>
+      </p:sp>
+      <p:graphicFrame>
+        <p:nvGraphicFramePr>
+          <p:cNvPr id="5" name="Таблица 4"/>
+          <p:cNvGraphicFramePr>
+            <a:graphicFrameLocks noGrp="1"/>
+          </p:cNvGraphicFramePr>
+          <p:nvPr/>
+        </p:nvGraphicFramePr>
+        <p:xfrm>
+          <a:off x="7156704" y="4937760"/>
+          <a:ext cx="4730496" cy="1920240"/>
+        </p:xfrm>
+        <a:graphic>
+          <a:graphicData uri="http://schemas.openxmlformats.org/drawingml/2006/table">
+            <a:tbl>
+              <a:tblPr firstRow="1" bandRow="1">
+                <a:tableStyleId>{5C22544A-7EE6-4342-B048-85BDC9FD1C3A}</a:tableStyleId>
+              </a:tblPr>
+              <a:tblGrid>
+                <a:gridCol w="1182624">
+                  <a:extLst>
+                    <a:ext uri="{9D8B030D-6E8A-4147-A177-3AD203B41FA5}">
+                      <a16:colId xmlns="" xmlns:a16="http://schemas.microsoft.com/office/drawing/2014/main" val="20000"/>
+                    </a:ext>
+                  </a:extLst>
+                </a:gridCol>
+                <a:gridCol w="1182624">
+                  <a:extLst>
+                    <a:ext uri="{9D8B030D-6E8A-4147-A177-3AD203B41FA5}">
+                      <a16:colId xmlns="" xmlns:a16="http://schemas.microsoft.com/office/drawing/2014/main" val="20001"/>
+                    </a:ext>
+                  </a:extLst>
+                </a:gridCol>
+                <a:gridCol w="1182624">
+                  <a:extLst>
+                    <a:ext uri="{9D8B030D-6E8A-4147-A177-3AD203B41FA5}">
+                      <a16:colId xmlns="" xmlns:a16="http://schemas.microsoft.com/office/drawing/2014/main" val="20002"/>
+                    </a:ext>
+                  </a:extLst>
+                </a:gridCol>
+                <a:gridCol w="1182624">
+                  <a:extLst>
+                    <a:ext uri="{9D8B030D-6E8A-4147-A177-3AD203B41FA5}">
+                      <a16:colId xmlns="" xmlns:a16="http://schemas.microsoft.com/office/drawing/2014/main" val="20003"/>
+                    </a:ext>
+                  </a:extLst>
+                </a:gridCol>
+              </a:tblGrid>
+              <a:tr h="286802">
+                <a:tc>
+                  <a:txBody>
+                    <a:bodyPr/>
+                    <a:lstStyle/>
+                    <a:p>
+                      <a:r>
+                        <a:rPr lang="ru-RU" dirty="0" smtClean="0"/>
+                        <a:t>Модель</a:t>
+                      </a:r>
+                      <a:r>
+                        <a:rPr lang="ru-RU" baseline="0" dirty="0" smtClean="0"/>
+                        <a:t> </a:t>
+                      </a:r>
+                      <a:endParaRPr lang="ru-RU" dirty="0"/>
+                    </a:p>
+                  </a:txBody>
+                  <a:tcPr/>
+                </a:tc>
+                <a:tc>
+                  <a:txBody>
+                    <a:bodyPr/>
+                    <a:lstStyle/>
+                    <a:p>
+                      <a:r>
+                        <a:rPr lang="en-US" dirty="0" smtClean="0"/>
+                        <a:t>Acc</a:t>
+                      </a:r>
+                      <a:endParaRPr lang="ru-RU" dirty="0"/>
+                    </a:p>
+                  </a:txBody>
+                  <a:tcPr/>
+                </a:tc>
+                <a:tc>
+                  <a:txBody>
+                    <a:bodyPr/>
+                    <a:lstStyle/>
+                    <a:p>
+                      <a:r>
+                        <a:rPr lang="en-US" dirty="0" smtClean="0"/>
+                        <a:t>Recall</a:t>
+                      </a:r>
+                      <a:endParaRPr lang="ru-RU" dirty="0"/>
+                    </a:p>
+                  </a:txBody>
+                  <a:tcPr/>
+                </a:tc>
+                <a:tc>
+                  <a:txBody>
+                    <a:bodyPr/>
+                    <a:lstStyle/>
+                    <a:p>
+                      <a:r>
+                        <a:rPr lang="en-US" dirty="0" smtClean="0"/>
+                        <a:t>Precision</a:t>
+                      </a:r>
+                      <a:endParaRPr lang="ru-RU" dirty="0"/>
+                    </a:p>
+                  </a:txBody>
+                  <a:tcPr/>
+                </a:tc>
+                <a:extLst>
+                  <a:ext uri="{0D108BD9-81ED-4DB2-BD59-A6C34878D82A}">
+                    <a16:rowId xmlns="" xmlns:a16="http://schemas.microsoft.com/office/drawing/2014/main" val="10000"/>
+                  </a:ext>
+                </a:extLst>
+              </a:tr>
+              <a:tr h="501904">
+                <a:tc>
+                  <a:txBody>
+                    <a:bodyPr/>
+                    <a:lstStyle/>
+                    <a:p>
+                      <a:r>
+                        <a:rPr lang="ru-RU" dirty="0" smtClean="0"/>
+                        <a:t>Модель</a:t>
+                      </a:r>
+                      <a:r>
+                        <a:rPr lang="ru-RU" baseline="0" dirty="0" smtClean="0"/>
+                        <a:t> </a:t>
+                      </a:r>
+                      <a:r>
+                        <a:rPr lang="ru-RU" baseline="0" dirty="0" smtClean="0"/>
+                        <a:t>1 («своя»)</a:t>
+                      </a:r>
+                      <a:endParaRPr lang="ru-RU" dirty="0"/>
+                    </a:p>
+                  </a:txBody>
+                  <a:tcPr/>
+                </a:tc>
+                <a:tc>
+                  <a:txBody>
+                    <a:bodyPr/>
+                    <a:lstStyle/>
+                    <a:p>
+                      <a:endParaRPr lang="ru-RU"/>
+                    </a:p>
+                  </a:txBody>
+                  <a:tcPr/>
+                </a:tc>
+                <a:tc>
+                  <a:txBody>
+                    <a:bodyPr/>
+                    <a:lstStyle/>
+                    <a:p>
+                      <a:endParaRPr lang="ru-RU" dirty="0"/>
+                    </a:p>
+                  </a:txBody>
+                  <a:tcPr/>
+                </a:tc>
+                <a:tc>
+                  <a:txBody>
+                    <a:bodyPr/>
+                    <a:lstStyle/>
+                    <a:p>
+                      <a:endParaRPr lang="ru-RU"/>
+                    </a:p>
+                  </a:txBody>
+                  <a:tcPr/>
+                </a:tc>
+                <a:extLst>
+                  <a:ext uri="{0D108BD9-81ED-4DB2-BD59-A6C34878D82A}">
+                    <a16:rowId xmlns="" xmlns:a16="http://schemas.microsoft.com/office/drawing/2014/main" val="10001"/>
+                  </a:ext>
+                </a:extLst>
+              </a:tr>
+              <a:tr h="717006">
+                <a:tc>
+                  <a:txBody>
+                    <a:bodyPr/>
+                    <a:lstStyle/>
+                    <a:p>
+                      <a:r>
+                        <a:rPr lang="ru-RU" dirty="0" smtClean="0"/>
+                        <a:t>Модель </a:t>
+                      </a:r>
+                      <a:r>
+                        <a:rPr lang="ru-RU" dirty="0" smtClean="0"/>
+                        <a:t>2 (</a:t>
+                      </a:r>
+                      <a:r>
+                        <a:rPr lang="ru-RU" dirty="0" err="1" smtClean="0"/>
+                        <a:t>предоубченная</a:t>
+                      </a:r>
+                      <a:r>
+                        <a:rPr lang="ru-RU" dirty="0" smtClean="0"/>
+                        <a:t>)</a:t>
+                      </a:r>
+                      <a:endParaRPr lang="ru-RU" dirty="0"/>
+                    </a:p>
+                  </a:txBody>
+                  <a:tcPr/>
+                </a:tc>
+                <a:tc>
+                  <a:txBody>
+                    <a:bodyPr/>
+                    <a:lstStyle/>
+                    <a:p>
+                      <a:endParaRPr lang="ru-RU" dirty="0"/>
+                    </a:p>
+                  </a:txBody>
+                  <a:tcPr/>
+                </a:tc>
+                <a:tc>
+                  <a:txBody>
+                    <a:bodyPr/>
+                    <a:lstStyle/>
+                    <a:p>
+                      <a:endParaRPr lang="ru-RU" dirty="0"/>
+                    </a:p>
+                  </a:txBody>
+                  <a:tcPr/>
+                </a:tc>
+                <a:tc>
+                  <a:txBody>
+                    <a:bodyPr/>
+                    <a:lstStyle/>
+                    <a:p>
+                      <a:endParaRPr lang="ru-RU" dirty="0"/>
+                    </a:p>
+                  </a:txBody>
+                  <a:tcPr/>
+                </a:tc>
+                <a:extLst>
+                  <a:ext uri="{0D108BD9-81ED-4DB2-BD59-A6C34878D82A}">
+                    <a16:rowId xmlns="" xmlns:a16="http://schemas.microsoft.com/office/drawing/2014/main" val="10002"/>
+                  </a:ext>
+                </a:extLst>
+              </a:tr>
+            </a:tbl>
+          </a:graphicData>
+        </a:graphic>
+      </p:graphicFrame>
+      <p:sp>
+        <p:nvSpPr>
+          <p:cNvPr id="6" name="Полилиния 5"/>
+          <p:cNvSpPr/>
+          <p:nvPr/>
+        </p:nvSpPr>
+        <p:spPr>
+          <a:xfrm>
+            <a:off x="8229600" y="2704592"/>
+            <a:ext cx="3348736" cy="2038096"/>
+          </a:xfrm>
+          <a:custGeom>
+            <a:avLst/>
+            <a:gdLst>
+              <a:gd name="connsiteX0" fmla="*/ 0 w 3348736"/>
+              <a:gd name="connsiteY0" fmla="*/ 270256 h 2038096"/>
+              <a:gd name="connsiteX1" fmla="*/ 2816352 w 3348736"/>
+              <a:gd name="connsiteY1" fmla="*/ 294640 h 2038096"/>
+              <a:gd name="connsiteX2" fmla="*/ 3194304 w 3348736"/>
+              <a:gd name="connsiteY2" fmla="*/ 2038096 h 2038096"/>
+            </a:gdLst>
+            <a:ahLst/>
+            <a:cxnLst>
+              <a:cxn ang="0">
+                <a:pos x="connsiteX0" y="connsiteY0"/>
+              </a:cxn>
+              <a:cxn ang="0">
+                <a:pos x="connsiteX1" y="connsiteY1"/>
+              </a:cxn>
+              <a:cxn ang="0">
+                <a:pos x="connsiteX2" y="connsiteY2"/>
+              </a:cxn>
+            </a:cxnLst>
+            <a:rect l="l" t="t" r="r" b="b"/>
+            <a:pathLst>
+              <a:path w="3348736" h="2038096">
+                <a:moveTo>
+                  <a:pt x="0" y="270256"/>
+                </a:moveTo>
+                <a:cubicBezTo>
+                  <a:pt x="1141984" y="135128"/>
+                  <a:pt x="2283968" y="0"/>
+                  <a:pt x="2816352" y="294640"/>
+                </a:cubicBezTo>
+                <a:cubicBezTo>
+                  <a:pt x="3348736" y="589280"/>
+                  <a:pt x="3271520" y="1313688"/>
+                  <a:pt x="3194304" y="2038096"/>
+                </a:cubicBezTo>
+              </a:path>
+            </a:pathLst>
+          </a:custGeom>
+          <a:ln>
+            <a:tailEnd type="triangle"/>
+          </a:ln>
+        </p:spPr>
+        <p:style>
+          <a:lnRef idx="1">
+            <a:schemeClr val="accent1"/>
+          </a:lnRef>
+          <a:fillRef idx="0">
+            <a:schemeClr val="accent1"/>
+          </a:fillRef>
+          <a:effectRef idx="0">
+            <a:schemeClr val="accent1"/>
+          </a:effectRef>
+          <a:fontRef idx="minor">
+            <a:schemeClr val="tx1"/>
+          </a:fontRef>
+        </p:style>
+        <p:txBody>
+          <a:bodyPr rtlCol="0" anchor="ctr"/>
+          <a:lstStyle/>
+          <a:p>
+            <a:pPr algn="ctr"/>
+            <a:endParaRPr lang="ru-RU"/>
           </a:p>
         </p:txBody>
       </p:sp>
@@ -6191,7 +7701,7 @@
   <a:extraClrSchemeLst/>
   <a:extLst>
     <a:ext uri="{05A4C25C-085E-4340-85A3-A5531E510DB2}">
-      <thm15:themeFamily xmlns:thm15="http://schemas.microsoft.com/office/thememl/2012/main" xmlns="" name="Office Theme" id="{62F939B6-93AF-4DB8-9C6B-D6C7DFDC589F}" vid="{4A3C46E8-61CC-4603-A589-7422A47A8E4A}"/>
+      <thm15:themeFamily xmlns="" xmlns:thm15="http://schemas.microsoft.com/office/thememl/2012/main" name="Office Theme" id="{62F939B6-93AF-4DB8-9C6B-D6C7DFDC589F}" vid="{4A3C46E8-61CC-4603-A589-7422A47A8E4A}"/>
     </a:ext>
   </a:extLst>
 </a:theme>
@@ -6452,7 +7962,7 @@
   <a:extraClrSchemeLst/>
   <a:extLst>
     <a:ext uri="{05A4C25C-085E-4340-85A3-A5531E510DB2}">
-      <thm15:themeFamily xmlns:thm15="http://schemas.microsoft.com/office/thememl/2012/main" xmlns="" name="Office Theme" id="{62F939B6-93AF-4DB8-9C6B-D6C7DFDC589F}" vid="{4A3C46E8-61CC-4603-A589-7422A47A8E4A}"/>
+      <thm15:themeFamily xmlns="" xmlns:thm15="http://schemas.microsoft.com/office/thememl/2012/main" name="Office Theme" id="{62F939B6-93AF-4DB8-9C6B-D6C7DFDC589F}" vid="{4A3C46E8-61CC-4603-A589-7422A47A8E4A}"/>
     </a:ext>
   </a:extLst>
 </a:theme>
